--- a/Slide-Dev-Day/dev-day-polymer.pptx
+++ b/Slide-Dev-Day/dev-day-polymer.pptx
@@ -17,8 +17,8 @@
     <p:sldId id="260" r:id="rId5"/>
     <p:sldId id="261" r:id="rId6"/>
     <p:sldId id="314" r:id="rId7"/>
-    <p:sldId id="284" r:id="rId8"/>
-    <p:sldId id="286" r:id="rId9"/>
+    <p:sldId id="315" r:id="rId8"/>
+    <p:sldId id="284" r:id="rId9"/>
     <p:sldId id="305" r:id="rId10"/>
     <p:sldId id="282" r:id="rId11"/>
     <p:sldId id="281" r:id="rId12"/>
@@ -1178,7 +1178,18 @@
     </dgm:pt>
     <dgm:pt modelId="{644408F3-EAF1-468C-A038-62FCD298D184}" type="pres">
       <dgm:prSet presAssocID="{B9D60A19-1BD4-417C-9FED-1052A383D4AA}" presName="accentRepeatNode" presStyleLbl="solidFgAcc1" presStyleIdx="0" presStyleCnt="4"/>
-      <dgm:spPr/>
+      <dgm:spPr>
+        <a:solidFill>
+          <a:srgbClr val="0397D6"/>
+        </a:solidFill>
+      </dgm:spPr>
+      <dgm:t>
+        <a:bodyPr/>
+        <a:lstStyle/>
+        <a:p>
+          <a:endParaRPr lang="en-US"/>
+        </a:p>
+      </dgm:t>
     </dgm:pt>
     <dgm:pt modelId="{C6E05BC0-2FFD-4293-8164-BC9BDD1C3A03}" type="pres">
       <dgm:prSet presAssocID="{D9F289CF-F140-4531-86D4-75C89EA0571D}" presName="text_2" presStyleLbl="node1" presStyleIdx="1" presStyleCnt="4">
@@ -1201,7 +1212,18 @@
     </dgm:pt>
     <dgm:pt modelId="{F442CCE1-0861-4EB6-B5F8-B517FBB02C93}" type="pres">
       <dgm:prSet presAssocID="{D9F289CF-F140-4531-86D4-75C89EA0571D}" presName="accentRepeatNode" presStyleLbl="solidFgAcc1" presStyleIdx="1" presStyleCnt="4"/>
-      <dgm:spPr/>
+      <dgm:spPr>
+        <a:solidFill>
+          <a:srgbClr val="0096D6"/>
+        </a:solidFill>
+      </dgm:spPr>
+      <dgm:t>
+        <a:bodyPr/>
+        <a:lstStyle/>
+        <a:p>
+          <a:endParaRPr lang="en-US"/>
+        </a:p>
+      </dgm:t>
     </dgm:pt>
     <dgm:pt modelId="{021C168F-8C62-4677-827B-4C84D9515ADB}" type="pres">
       <dgm:prSet presAssocID="{0A22371D-CB55-435F-8CD8-6E76C738CA5B}" presName="text_3" presStyleLbl="node1" presStyleIdx="2" presStyleCnt="4">
@@ -1224,7 +1246,18 @@
     </dgm:pt>
     <dgm:pt modelId="{816C43CF-024C-4983-8771-30731BF987F1}" type="pres">
       <dgm:prSet presAssocID="{0A22371D-CB55-435F-8CD8-6E76C738CA5B}" presName="accentRepeatNode" presStyleLbl="solidFgAcc1" presStyleIdx="2" presStyleCnt="4"/>
-      <dgm:spPr/>
+      <dgm:spPr>
+        <a:solidFill>
+          <a:srgbClr val="0397D6"/>
+        </a:solidFill>
+      </dgm:spPr>
+      <dgm:t>
+        <a:bodyPr/>
+        <a:lstStyle/>
+        <a:p>
+          <a:endParaRPr lang="en-US"/>
+        </a:p>
+      </dgm:t>
     </dgm:pt>
     <dgm:pt modelId="{5BB90278-1B1F-4CE9-AAFF-2F3EC15F77C1}" type="pres">
       <dgm:prSet presAssocID="{58E0D04D-2444-464C-8190-CDF2C65D892A}" presName="text_4" presStyleLbl="node1" presStyleIdx="3" presStyleCnt="4">
@@ -1247,7 +1280,18 @@
     </dgm:pt>
     <dgm:pt modelId="{2989DE0D-8D9D-4C1D-A08A-68535789A268}" type="pres">
       <dgm:prSet presAssocID="{58E0D04D-2444-464C-8190-CDF2C65D892A}" presName="accentRepeatNode" presStyleLbl="solidFgAcc1" presStyleIdx="3" presStyleCnt="4"/>
-      <dgm:spPr/>
+      <dgm:spPr>
+        <a:solidFill>
+          <a:srgbClr val="0096D6"/>
+        </a:solidFill>
+      </dgm:spPr>
+      <dgm:t>
+        <a:bodyPr/>
+        <a:lstStyle/>
+        <a:p>
+          <a:endParaRPr lang="en-US"/>
+        </a:p>
+      </dgm:t>
     </dgm:pt>
   </dgm:ptLst>
   <dgm:cxnLst>
@@ -1437,12 +1481,7 @@
           <a:avLst/>
         </a:prstGeom>
         <a:solidFill>
-          <a:schemeClr val="lt1">
-            <a:hueOff val="0"/>
-            <a:satOff val="0"/>
-            <a:lumOff val="0"/>
-            <a:alphaOff val="0"/>
-          </a:schemeClr>
+          <a:srgbClr val="0397D6"/>
         </a:solidFill>
         <a:ln w="25400" cap="flat" cmpd="sng" algn="ctr">
           <a:solidFill>
@@ -1561,12 +1600,7 @@
           <a:avLst/>
         </a:prstGeom>
         <a:solidFill>
-          <a:schemeClr val="lt1">
-            <a:hueOff val="0"/>
-            <a:satOff val="0"/>
-            <a:lumOff val="0"/>
-            <a:alphaOff val="0"/>
-          </a:schemeClr>
+          <a:srgbClr val="0096D6"/>
         </a:solidFill>
         <a:ln w="25400" cap="flat" cmpd="sng" algn="ctr">
           <a:solidFill>
@@ -1685,12 +1719,7 @@
           <a:avLst/>
         </a:prstGeom>
         <a:solidFill>
-          <a:schemeClr val="lt1">
-            <a:hueOff val="0"/>
-            <a:satOff val="0"/>
-            <a:lumOff val="0"/>
-            <a:alphaOff val="0"/>
-          </a:schemeClr>
+          <a:srgbClr val="0397D6"/>
         </a:solidFill>
         <a:ln w="25400" cap="flat" cmpd="sng" algn="ctr">
           <a:solidFill>
@@ -1809,12 +1838,7 @@
           <a:avLst/>
         </a:prstGeom>
         <a:solidFill>
-          <a:schemeClr val="lt1">
-            <a:hueOff val="0"/>
-            <a:satOff val="0"/>
-            <a:lumOff val="0"/>
-            <a:alphaOff val="0"/>
-          </a:schemeClr>
+          <a:srgbClr val="0096D6"/>
         </a:solidFill>
         <a:ln w="25400" cap="flat" cmpd="sng" algn="ctr">
           <a:solidFill>
@@ -4240,7 +4264,7 @@
           <a:p>
             <a:fld id="{1DD20164-6D97-4B4B-8EE3-CEB52A6420C4}" type="datetimeFigureOut">
               <a:rPr lang="en-US" smtClean="0"/>
-              <a:t>04/06/2016</a:t>
+              <a:t>04/08/2016</a:t>
             </a:fld>
             <a:endParaRPr lang="en-US"/>
           </a:p>
@@ -4405,7 +4429,7 @@
           <a:p>
             <a:fld id="{87E314F8-54D2-4286-9F5B-16E33C40D374}" type="datetimeFigureOut">
               <a:rPr lang="en-US" smtClean="0"/>
-              <a:t>04/06/2016</a:t>
+              <a:t>04/08/2016</a:t>
             </a:fld>
             <a:endParaRPr lang="en-US"/>
           </a:p>
@@ -4913,86 +4937,6 @@
                 <a:ea typeface="+mn-ea"/>
                 <a:cs typeface="+mn-cs"/>
               </a:rPr>
-              <a:t>There's a play button, a scrubber, timecodes and a volume slider. </a:t>
-            </a:r>
-          </a:p>
-          <a:p>
-            <a:r>
-              <a:rPr lang="en-US" sz="1200" b="0" i="0" kern="1200" dirty="0" smtClean="0">
-                <a:solidFill>
-                  <a:schemeClr val="tx1"/>
-                </a:solidFill>
-                <a:effectLst/>
-                <a:latin typeface="+mn-lt"/>
-                <a:ea typeface="+mn-ea"/>
-                <a:cs typeface="+mn-cs"/>
-              </a:rPr>
-              <a:t>Lots of stuff that you didn't have to write any markup for, it just appeared when you asked for &lt;audio&gt;.</a:t>
-            </a:r>
-          </a:p>
-          <a:p>
-            <a:r>
-              <a:rPr lang="en-US" sz="1200" b="0" i="0" kern="1200" dirty="0" smtClean="0">
-                <a:solidFill>
-                  <a:schemeClr val="tx1"/>
-                </a:solidFill>
-                <a:effectLst/>
-                <a:latin typeface="+mn-lt"/>
-                <a:ea typeface="+mn-ea"/>
-                <a:cs typeface="+mn-cs"/>
-              </a:rPr>
-              <a:t>The browser makers needed a way to guarantee that the tags they implemented would always render the same, regardless of any wacky HTML, CSS or JavaScript we might already have on the page. </a:t>
-            </a:r>
-          </a:p>
-          <a:p>
-            <a:r>
-              <a:rPr lang="en-US" sz="1200" b="0" i="0" kern="1200" dirty="0" smtClean="0">
-                <a:solidFill>
-                  <a:schemeClr val="tx1"/>
-                </a:solidFill>
-                <a:effectLst/>
-                <a:latin typeface="+mn-lt"/>
-                <a:ea typeface="+mn-ea"/>
-                <a:cs typeface="+mn-cs"/>
-              </a:rPr>
-              <a:t>To do this, they created a secret passageway where they could hide their code and keep it out of our hot little hands. They called this secret place: </a:t>
-            </a:r>
-            <a:r>
-              <a:rPr lang="en-US" sz="1200" b="1" i="0" kern="1200" dirty="0" smtClean="0">
-                <a:solidFill>
-                  <a:schemeClr val="tx1"/>
-                </a:solidFill>
-                <a:effectLst/>
-                <a:latin typeface="+mn-lt"/>
-                <a:ea typeface="+mn-ea"/>
-                <a:cs typeface="+mn-cs"/>
-              </a:rPr>
-              <a:t>the Shadow DOM.</a:t>
-            </a:r>
-            <a:endParaRPr lang="en-US" sz="1200" b="0" i="0" kern="1200" dirty="0" smtClean="0">
-              <a:solidFill>
-                <a:schemeClr val="tx1"/>
-              </a:solidFill>
-              <a:effectLst/>
-              <a:latin typeface="+mn-lt"/>
-              <a:ea typeface="+mn-ea"/>
-              <a:cs typeface="+mn-cs"/>
-            </a:endParaRPr>
-          </a:p>
-          <a:p>
-            <a:endParaRPr lang="en-US" dirty="0" smtClean="0"/>
-          </a:p>
-          <a:p>
-            <a:r>
-              <a:rPr lang="en-US" sz="1200" b="0" i="0" kern="1200" dirty="0" smtClean="0">
-                <a:solidFill>
-                  <a:schemeClr val="tx1"/>
-                </a:solidFill>
-                <a:effectLst/>
-                <a:latin typeface="+mn-lt"/>
-                <a:ea typeface="+mn-ea"/>
-                <a:cs typeface="+mn-cs"/>
-              </a:rPr>
               <a:t>Ever wonder how the player controls are built and styled?</a:t>
             </a:r>
           </a:p>
@@ -5165,147 +5109,6 @@
           <a:bodyPr/>
           <a:lstStyle/>
           <a:p>
-            <a:r>
-              <a:rPr lang="en-US" sz="1200" b="0" i="0" kern="1200" dirty="0" smtClean="0">
-                <a:solidFill>
-                  <a:schemeClr val="tx1"/>
-                </a:solidFill>
-                <a:effectLst/>
-                <a:latin typeface="+mn-lt"/>
-                <a:ea typeface="+mn-ea"/>
-                <a:cs typeface="+mn-cs"/>
-              </a:rPr>
-              <a:t>Shadow DOM gives us the best features of iframes, style and markup encapsulation, without nearly as much bloat.</a:t>
-            </a:r>
-          </a:p>
-          <a:p>
-            <a:endParaRPr lang="en-US" sz="1200" b="0" i="0" kern="1200" dirty="0" smtClean="0">
-              <a:solidFill>
-                <a:schemeClr val="tx1"/>
-              </a:solidFill>
-              <a:effectLst/>
-              <a:latin typeface="+mn-lt"/>
-              <a:ea typeface="+mn-ea"/>
-              <a:cs typeface="+mn-cs"/>
-            </a:endParaRPr>
-          </a:p>
-          <a:p>
-            <a:r>
-              <a:rPr lang="en-US" sz="1200" b="0" i="0" kern="1200" dirty="0" smtClean="0">
-                <a:solidFill>
-                  <a:schemeClr val="tx1"/>
-                </a:solidFill>
-                <a:effectLst/>
-                <a:latin typeface="+mn-lt"/>
-                <a:ea typeface="+mn-ea"/>
-                <a:cs typeface="+mn-cs"/>
-              </a:rPr>
-              <a:t>Shadow DOM is a new part of the HTML spec which allows developers to encapsulate their HTML markup, CSS styles and JavaScript. </a:t>
-            </a:r>
-          </a:p>
-          <a:p>
-            <a:endParaRPr lang="en-US" sz="1200" b="0" i="0" kern="1200" dirty="0" smtClean="0">
-              <a:solidFill>
-                <a:schemeClr val="tx1"/>
-              </a:solidFill>
-              <a:effectLst/>
-              <a:latin typeface="+mn-lt"/>
-              <a:ea typeface="+mn-ea"/>
-              <a:cs typeface="+mn-cs"/>
-            </a:endParaRPr>
-          </a:p>
-          <a:p>
-            <a:pPr marL="0" marR="0" indent="0" algn="l" defTabSz="914400" rtl="0" eaLnBrk="1" fontAlgn="auto" latinLnBrk="0" hangingPunct="1">
-              <a:lnSpc>
-                <a:spcPct val="100000"/>
-              </a:lnSpc>
-              <a:spcBef>
-                <a:spcPts val="0"/>
-              </a:spcBef>
-              <a:spcAft>
-                <a:spcPts val="0"/>
-              </a:spcAft>
-              <a:buClrTx/>
-              <a:buSzTx/>
-              <a:buFontTx/>
-              <a:buNone/>
-              <a:tabLst/>
-              <a:defRPr/>
-            </a:pPr>
-            <a:r>
-              <a:rPr lang="en-US" sz="1200" b="0" i="0" kern="1200" dirty="0" smtClean="0">
-                <a:solidFill>
-                  <a:schemeClr val="tx1"/>
-                </a:solidFill>
-                <a:effectLst/>
-                <a:latin typeface="+mn-lt"/>
-                <a:ea typeface="+mn-ea"/>
-                <a:cs typeface="+mn-cs"/>
-              </a:rPr>
-              <a:t>Shadow DOM, along with a few other technologies which we'll cover later, gives developers the ability to build their own 1st class tags and APIs just like the </a:t>
-            </a:r>
-            <a:r>
-              <a:rPr lang="en-US" dirty="0" smtClean="0"/>
-              <a:t>&lt;audio&gt;</a:t>
-            </a:r>
-            <a:r>
-              <a:rPr lang="en-US" sz="1200" b="0" i="0" kern="1200" dirty="0" smtClean="0">
-                <a:solidFill>
-                  <a:schemeClr val="tx1"/>
-                </a:solidFill>
-                <a:effectLst/>
-                <a:latin typeface="+mn-lt"/>
-                <a:ea typeface="+mn-ea"/>
-                <a:cs typeface="+mn-cs"/>
-              </a:rPr>
-              <a:t> tag. </a:t>
-            </a:r>
-          </a:p>
-          <a:p>
-            <a:endParaRPr lang="en-US" sz="1200" b="0" i="0" kern="1200" dirty="0" smtClean="0">
-              <a:solidFill>
-                <a:schemeClr val="tx1"/>
-              </a:solidFill>
-              <a:effectLst/>
-              <a:latin typeface="+mn-lt"/>
-              <a:ea typeface="+mn-ea"/>
-              <a:cs typeface="+mn-cs"/>
-            </a:endParaRPr>
-          </a:p>
-          <a:p>
-            <a:endParaRPr lang="en-US" sz="1200" b="0" i="0" kern="1200" dirty="0" smtClean="0">
-              <a:solidFill>
-                <a:schemeClr val="tx1"/>
-              </a:solidFill>
-              <a:effectLst/>
-              <a:latin typeface="+mn-lt"/>
-              <a:ea typeface="+mn-ea"/>
-              <a:cs typeface="+mn-cs"/>
-            </a:endParaRPr>
-          </a:p>
-          <a:p>
-            <a:endParaRPr lang="en-US" sz="1200" b="0" i="0" kern="1200" dirty="0" smtClean="0">
-              <a:solidFill>
-                <a:schemeClr val="tx1"/>
-              </a:solidFill>
-              <a:effectLst/>
-              <a:latin typeface="+mn-lt"/>
-              <a:ea typeface="+mn-ea"/>
-              <a:cs typeface="+mn-cs"/>
-            </a:endParaRPr>
-          </a:p>
-          <a:p>
-            <a:endParaRPr lang="en-US" sz="1200" b="0" i="0" kern="1200" dirty="0" smtClean="0">
-              <a:solidFill>
-                <a:schemeClr val="tx1"/>
-              </a:solidFill>
-              <a:effectLst/>
-              <a:latin typeface="+mn-lt"/>
-              <a:ea typeface="+mn-ea"/>
-              <a:cs typeface="+mn-cs"/>
-            </a:endParaRPr>
-          </a:p>
-          <a:p>
             <a:endParaRPr lang="en-US" dirty="0"/>
           </a:p>
         </p:txBody>
@@ -5390,67 +5193,6 @@
           <a:bodyPr/>
           <a:lstStyle/>
           <a:p>
-            <a:r>
-              <a:rPr lang="en-US" sz="1200" b="1" i="0" kern="1200" dirty="0" smtClean="0">
-                <a:solidFill>
-                  <a:schemeClr val="tx1"/>
-                </a:solidFill>
-                <a:effectLst/>
-                <a:latin typeface="+mn-lt"/>
-                <a:ea typeface="+mn-ea"/>
-                <a:cs typeface="+mn-cs"/>
-              </a:rPr>
-              <a:t>Custom Elements</a:t>
-            </a:r>
-            <a:r>
-              <a:rPr lang="en-US" sz="1200" b="0" i="0" kern="1200" dirty="0" smtClean="0">
-                <a:solidFill>
-                  <a:schemeClr val="tx1"/>
-                </a:solidFill>
-                <a:effectLst/>
-                <a:latin typeface="+mn-lt"/>
-                <a:ea typeface="+mn-ea"/>
-                <a:cs typeface="+mn-cs"/>
-              </a:rPr>
-              <a:t>, which let authors define their own elements, including new presentation and API, that can be used in HTML documents</a:t>
-            </a:r>
-          </a:p>
-          <a:p>
-            <a:endParaRPr lang="en-US" sz="1200" b="0" i="0" kern="1200" dirty="0" smtClean="0">
-              <a:solidFill>
-                <a:schemeClr val="tx1"/>
-              </a:solidFill>
-              <a:effectLst/>
-              <a:latin typeface="+mn-lt"/>
-              <a:ea typeface="+mn-ea"/>
-              <a:cs typeface="+mn-cs"/>
-            </a:endParaRPr>
-          </a:p>
-          <a:p>
-            <a:r>
-              <a:rPr lang="en-US" sz="1200" b="0" i="0" kern="1200" dirty="0" smtClean="0">
-                <a:solidFill>
-                  <a:schemeClr val="tx1"/>
-                </a:solidFill>
-                <a:effectLst/>
-                <a:latin typeface="+mn-lt"/>
-                <a:ea typeface="+mn-ea"/>
-                <a:cs typeface="+mn-cs"/>
-              </a:rPr>
-              <a:t>Input element</a:t>
-            </a:r>
-            <a:r>
-              <a:rPr lang="en-US" sz="1200" b="0" i="0" kern="1200" baseline="0" dirty="0" smtClean="0">
-                <a:solidFill>
-                  <a:schemeClr val="tx1"/>
-                </a:solidFill>
-                <a:effectLst/>
-                <a:latin typeface="+mn-lt"/>
-                <a:ea typeface="+mn-ea"/>
-                <a:cs typeface="+mn-cs"/>
-              </a:rPr>
-              <a:t> is a native element now you can define their own elements</a:t>
-            </a:r>
             <a:endParaRPr lang="en-US" dirty="0"/>
           </a:p>
         </p:txBody>
@@ -5535,67 +5277,6 @@
           <a:bodyPr/>
           <a:lstStyle/>
           <a:p>
-            <a:r>
-              <a:rPr lang="en-US" sz="1200" b="1" i="0" kern="1200" dirty="0" smtClean="0">
-                <a:solidFill>
-                  <a:schemeClr val="tx1"/>
-                </a:solidFill>
-                <a:effectLst/>
-                <a:latin typeface="+mn-lt"/>
-                <a:ea typeface="+mn-ea"/>
-                <a:cs typeface="+mn-cs"/>
-              </a:rPr>
-              <a:t>Custom Elements</a:t>
-            </a:r>
-            <a:r>
-              <a:rPr lang="en-US" sz="1200" b="0" i="0" kern="1200" dirty="0" smtClean="0">
-                <a:solidFill>
-                  <a:schemeClr val="tx1"/>
-                </a:solidFill>
-                <a:effectLst/>
-                <a:latin typeface="+mn-lt"/>
-                <a:ea typeface="+mn-ea"/>
-                <a:cs typeface="+mn-cs"/>
-              </a:rPr>
-              <a:t>, which let authors define their own elements, including new presentation and API, that can be used in HTML documents</a:t>
-            </a:r>
-          </a:p>
-          <a:p>
-            <a:endParaRPr lang="en-US" sz="1200" b="0" i="0" kern="1200" dirty="0" smtClean="0">
-              <a:solidFill>
-                <a:schemeClr val="tx1"/>
-              </a:solidFill>
-              <a:effectLst/>
-              <a:latin typeface="+mn-lt"/>
-              <a:ea typeface="+mn-ea"/>
-              <a:cs typeface="+mn-cs"/>
-            </a:endParaRPr>
-          </a:p>
-          <a:p>
-            <a:r>
-              <a:rPr lang="en-US" sz="1200" b="0" i="0" kern="1200" dirty="0" smtClean="0">
-                <a:solidFill>
-                  <a:schemeClr val="tx1"/>
-                </a:solidFill>
-                <a:effectLst/>
-                <a:latin typeface="+mn-lt"/>
-                <a:ea typeface="+mn-ea"/>
-                <a:cs typeface="+mn-cs"/>
-              </a:rPr>
-              <a:t>Input element</a:t>
-            </a:r>
-            <a:r>
-              <a:rPr lang="en-US" sz="1200" b="0" i="0" kern="1200" baseline="0" dirty="0" smtClean="0">
-                <a:solidFill>
-                  <a:schemeClr val="tx1"/>
-                </a:solidFill>
-                <a:effectLst/>
-                <a:latin typeface="+mn-lt"/>
-                <a:ea typeface="+mn-ea"/>
-                <a:cs typeface="+mn-cs"/>
-              </a:rPr>
-              <a:t> is a native element now you can define their own elements</a:t>
-            </a:r>
             <a:endParaRPr lang="en-US" dirty="0"/>
           </a:p>
         </p:txBody>
@@ -5764,18 +5445,6 @@
           <a:bodyPr/>
           <a:lstStyle/>
           <a:p>
-            <a:r>
-              <a:rPr lang="en-US" sz="1200" b="0" i="0" kern="1200" dirty="0" smtClean="0">
-                <a:solidFill>
-                  <a:schemeClr val="tx1"/>
-                </a:solidFill>
-                <a:effectLst/>
-                <a:latin typeface="+mn-lt"/>
-                <a:ea typeface="+mn-ea"/>
-                <a:cs typeface="+mn-cs"/>
-              </a:rPr>
-              <a:t>Combining templates with Shadow DOM and Custom Elements gives us the future component model for the web</a:t>
-            </a:r>
             <a:endParaRPr lang="en-US" dirty="0"/>
           </a:p>
         </p:txBody>
@@ -5860,529 +5529,6 @@
           <a:bodyPr/>
           <a:lstStyle/>
           <a:p>
-            <a:pPr marL="0" marR="0" indent="0" algn="l" defTabSz="914400" rtl="0" eaLnBrk="1" fontAlgn="auto" latinLnBrk="0" hangingPunct="1">
-              <a:lnSpc>
-                <a:spcPct val="100000"/>
-              </a:lnSpc>
-              <a:spcBef>
-                <a:spcPts val="0"/>
-              </a:spcBef>
-              <a:spcAft>
-                <a:spcPts val="0"/>
-              </a:spcAft>
-              <a:buClrTx/>
-              <a:buSzTx/>
-              <a:buFontTx/>
-              <a:buNone/>
-              <a:tabLst/>
-              <a:defRPr/>
-            </a:pPr>
-            <a:r>
-              <a:rPr lang="en-US" dirty="0" smtClean="0"/>
-              <a:t>Templates, Shadow</a:t>
-            </a:r>
-            <a:r>
-              <a:rPr lang="en-US" baseline="0" dirty="0" smtClean="0"/>
-              <a:t> DOM, Custom Elements.</a:t>
-            </a:r>
-          </a:p>
-          <a:p>
-            <a:pPr marL="0" marR="0" indent="0" algn="l" defTabSz="914400" rtl="0" eaLnBrk="1" fontAlgn="auto" latinLnBrk="0" hangingPunct="1">
-              <a:lnSpc>
-                <a:spcPct val="100000"/>
-              </a:lnSpc>
-              <a:spcBef>
-                <a:spcPts val="0"/>
-              </a:spcBef>
-              <a:spcAft>
-                <a:spcPts val="0"/>
-              </a:spcAft>
-              <a:buClrTx/>
-              <a:buSzTx/>
-              <a:buFontTx/>
-              <a:buNone/>
-              <a:tabLst/>
-              <a:defRPr/>
-            </a:pPr>
-            <a:endParaRPr lang="en-US" baseline="0" dirty="0" smtClean="0"/>
-          </a:p>
-          <a:p>
-            <a:pPr marL="0" marR="0" indent="0" algn="l" defTabSz="914400" rtl="0" eaLnBrk="1" fontAlgn="auto" latinLnBrk="0" hangingPunct="1">
-              <a:lnSpc>
-                <a:spcPct val="100000"/>
-              </a:lnSpc>
-              <a:spcBef>
-                <a:spcPts val="0"/>
-              </a:spcBef>
-              <a:spcAft>
-                <a:spcPts val="0"/>
-              </a:spcAft>
-              <a:buClrTx/>
-              <a:buSzTx/>
-              <a:buFontTx/>
-              <a:buNone/>
-              <a:tabLst/>
-              <a:defRPr/>
-            </a:pPr>
-            <a:r>
-              <a:rPr lang="en-US" sz="1200" b="0" i="0" kern="1200" dirty="0" smtClean="0">
-                <a:solidFill>
-                  <a:schemeClr val="tx1"/>
-                </a:solidFill>
-                <a:effectLst/>
-                <a:latin typeface="+mn-lt"/>
-                <a:ea typeface="+mn-ea"/>
-                <a:cs typeface="+mn-cs"/>
-              </a:rPr>
-              <a:t>Templates define reusable parts of DOM.</a:t>
-            </a:r>
-          </a:p>
-          <a:p>
-            <a:pPr marL="0" marR="0" indent="0" algn="l" defTabSz="914400" rtl="0" eaLnBrk="1" fontAlgn="auto" latinLnBrk="0" hangingPunct="1">
-              <a:lnSpc>
-                <a:spcPct val="100000"/>
-              </a:lnSpc>
-              <a:spcBef>
-                <a:spcPts val="0"/>
-              </a:spcBef>
-              <a:spcAft>
-                <a:spcPts val="0"/>
-              </a:spcAft>
-              <a:buClrTx/>
-              <a:buSzTx/>
-              <a:buFontTx/>
-              <a:buNone/>
-              <a:tabLst/>
-              <a:defRPr/>
-            </a:pPr>
-            <a:endParaRPr lang="en-US" sz="1200" b="0" i="0" kern="1200" dirty="0" smtClean="0">
-              <a:solidFill>
-                <a:schemeClr val="tx1"/>
-              </a:solidFill>
-              <a:effectLst/>
-              <a:latin typeface="+mn-lt"/>
-              <a:ea typeface="+mn-ea"/>
-              <a:cs typeface="+mn-cs"/>
-            </a:endParaRPr>
-          </a:p>
-          <a:p>
-            <a:pPr marL="0" marR="0" indent="0" algn="l" defTabSz="914400" rtl="0" eaLnBrk="1" fontAlgn="auto" latinLnBrk="0" hangingPunct="1">
-              <a:lnSpc>
-                <a:spcPct val="100000"/>
-              </a:lnSpc>
-              <a:spcBef>
-                <a:spcPts val="0"/>
-              </a:spcBef>
-              <a:spcAft>
-                <a:spcPts val="0"/>
-              </a:spcAft>
-              <a:buClrTx/>
-              <a:buSzTx/>
-              <a:buFontTx/>
-              <a:buNone/>
-              <a:tabLst/>
-              <a:defRPr/>
-            </a:pPr>
-            <a:r>
-              <a:rPr lang="en-US" sz="1200" b="0" i="0" kern="1200" dirty="0" smtClean="0">
-                <a:solidFill>
-                  <a:schemeClr val="tx1"/>
-                </a:solidFill>
-                <a:effectLst/>
-                <a:latin typeface="+mn-lt"/>
-                <a:ea typeface="+mn-ea"/>
-                <a:cs typeface="+mn-cs"/>
-              </a:rPr>
-              <a:t>The </a:t>
-            </a:r>
-            <a:r>
-              <a:rPr lang="en-US" sz="1200" u="none" strike="noStrike" kern="1200" dirty="0" smtClean="0">
-                <a:solidFill>
-                  <a:schemeClr val="tx1"/>
-                </a:solidFill>
-                <a:effectLst/>
-                <a:latin typeface="+mn-lt"/>
-                <a:ea typeface="+mn-ea"/>
-                <a:cs typeface="+mn-cs"/>
-                <a:hlinkClick r:id="rId3"/>
-              </a:rPr>
-              <a:t>template</a:t>
-            </a:r>
-            <a:r>
-              <a:rPr lang="en-US" sz="1200" b="0" i="0" kern="1200" dirty="0" smtClean="0">
-                <a:solidFill>
-                  <a:schemeClr val="tx1"/>
-                </a:solidFill>
-                <a:effectLst/>
-                <a:latin typeface="+mn-lt"/>
-                <a:ea typeface="+mn-ea"/>
-                <a:cs typeface="+mn-cs"/>
-              </a:rPr>
-              <a:t> element is used to declare fragments of HTML that can be cloned and inserted in the document by script.</a:t>
-            </a:r>
-            <a:endParaRPr lang="en-US" dirty="0" smtClean="0"/>
-          </a:p>
-          <a:p>
-            <a:endParaRPr lang="en-US" dirty="0" smtClean="0"/>
-          </a:p>
-          <a:p>
-            <a:r>
-              <a:rPr lang="en-US" sz="1200" b="0" i="0" kern="1200" dirty="0" smtClean="0">
-                <a:solidFill>
-                  <a:schemeClr val="tx1"/>
-                </a:solidFill>
-                <a:effectLst/>
-                <a:latin typeface="+mn-lt"/>
-                <a:ea typeface="+mn-ea"/>
-                <a:cs typeface="+mn-cs"/>
-              </a:rPr>
-              <a:t>Don't know about you, but I love avoiding extra work. </a:t>
-            </a:r>
-          </a:p>
-          <a:p>
-            <a:endParaRPr lang="en-US" sz="1200" b="0" i="0" kern="1200" baseline="0" dirty="0" smtClean="0">
-              <a:solidFill>
-                <a:schemeClr val="tx1"/>
-              </a:solidFill>
-              <a:effectLst/>
-              <a:latin typeface="+mn-lt"/>
-              <a:ea typeface="+mn-ea"/>
-              <a:cs typeface="+mn-cs"/>
-            </a:endParaRPr>
-          </a:p>
-          <a:p>
-            <a:r>
-              <a:rPr lang="en-US" sz="1200" b="0" i="0" kern="1200" baseline="0" dirty="0" smtClean="0">
-                <a:solidFill>
-                  <a:schemeClr val="tx1"/>
-                </a:solidFill>
-                <a:effectLst/>
-                <a:latin typeface="+mn-lt"/>
-                <a:ea typeface="+mn-ea"/>
-                <a:cs typeface="+mn-cs"/>
-              </a:rPr>
-              <a:t>Templates </a:t>
-            </a:r>
-            <a:r>
-              <a:rPr lang="en-US" sz="1200" b="0" i="0" kern="1200" baseline="0" dirty="0" err="1" smtClean="0">
-                <a:solidFill>
-                  <a:schemeClr val="tx1"/>
-                </a:solidFill>
-                <a:effectLst/>
-                <a:latin typeface="+mn-lt"/>
-                <a:ea typeface="+mn-ea"/>
-                <a:cs typeface="+mn-cs"/>
-              </a:rPr>
-              <a:t>giup</a:t>
-            </a:r>
-            <a:r>
-              <a:rPr lang="en-US" sz="1200" b="0" i="0" kern="1200" baseline="0" dirty="0" smtClean="0">
-                <a:solidFill>
-                  <a:schemeClr val="tx1"/>
-                </a:solidFill>
-                <a:effectLst/>
-                <a:latin typeface="+mn-lt"/>
-                <a:ea typeface="+mn-ea"/>
-                <a:cs typeface="+mn-cs"/>
-              </a:rPr>
-              <a:t> </a:t>
-            </a:r>
-            <a:r>
-              <a:rPr lang="en-US" sz="1200" b="0" i="0" kern="1200" baseline="0" dirty="0" err="1" smtClean="0">
-                <a:solidFill>
-                  <a:schemeClr val="tx1"/>
-                </a:solidFill>
-                <a:effectLst/>
-                <a:latin typeface="+mn-lt"/>
-                <a:ea typeface="+mn-ea"/>
-                <a:cs typeface="+mn-cs"/>
-              </a:rPr>
-              <a:t>chung</a:t>
-            </a:r>
-            <a:r>
-              <a:rPr lang="en-US" sz="1200" b="0" i="0" kern="1200" baseline="0" dirty="0" smtClean="0">
-                <a:solidFill>
-                  <a:schemeClr val="tx1"/>
-                </a:solidFill>
-                <a:effectLst/>
-                <a:latin typeface="+mn-lt"/>
-                <a:ea typeface="+mn-ea"/>
-                <a:cs typeface="+mn-cs"/>
-              </a:rPr>
-              <a:t> ta </a:t>
-            </a:r>
-            <a:r>
-              <a:rPr lang="en-US" sz="1200" b="0" i="0" kern="1200" baseline="0" dirty="0" err="1" smtClean="0">
-                <a:solidFill>
-                  <a:schemeClr val="tx1"/>
-                </a:solidFill>
-                <a:effectLst/>
-                <a:latin typeface="+mn-lt"/>
-                <a:ea typeface="+mn-ea"/>
-                <a:cs typeface="+mn-cs"/>
-              </a:rPr>
-              <a:t>dinh</a:t>
-            </a:r>
-            <a:r>
-              <a:rPr lang="en-US" sz="1200" b="0" i="0" kern="1200" baseline="0" dirty="0" smtClean="0">
-                <a:solidFill>
-                  <a:schemeClr val="tx1"/>
-                </a:solidFill>
-                <a:effectLst/>
-                <a:latin typeface="+mn-lt"/>
-                <a:ea typeface="+mn-ea"/>
-                <a:cs typeface="+mn-cs"/>
-              </a:rPr>
-              <a:t> </a:t>
-            </a:r>
-            <a:r>
-              <a:rPr lang="en-US" sz="1200" b="0" i="0" kern="1200" baseline="0" dirty="0" err="1" smtClean="0">
-                <a:solidFill>
-                  <a:schemeClr val="tx1"/>
-                </a:solidFill>
-                <a:effectLst/>
-                <a:latin typeface="+mn-lt"/>
-                <a:ea typeface="+mn-ea"/>
-                <a:cs typeface="+mn-cs"/>
-              </a:rPr>
-              <a:t>nghia</a:t>
-            </a:r>
-            <a:r>
-              <a:rPr lang="en-US" sz="1200" b="0" i="0" kern="1200" baseline="0" dirty="0" smtClean="0">
-                <a:solidFill>
-                  <a:schemeClr val="tx1"/>
-                </a:solidFill>
-                <a:effectLst/>
-                <a:latin typeface="+mn-lt"/>
-                <a:ea typeface="+mn-ea"/>
-                <a:cs typeface="+mn-cs"/>
-              </a:rPr>
-              <a:t> hay them </a:t>
-            </a:r>
-            <a:r>
-              <a:rPr lang="en-US" sz="1200" b="0" i="0" kern="1200" baseline="0" dirty="0" err="1" smtClean="0">
-                <a:solidFill>
-                  <a:schemeClr val="tx1"/>
-                </a:solidFill>
-                <a:effectLst/>
-                <a:latin typeface="+mn-lt"/>
-                <a:ea typeface="+mn-ea"/>
-                <a:cs typeface="+mn-cs"/>
-              </a:rPr>
-              <a:t>nhung</a:t>
-            </a:r>
-            <a:r>
-              <a:rPr lang="en-US" sz="1200" b="0" i="0" kern="1200" baseline="0" dirty="0" smtClean="0">
-                <a:solidFill>
-                  <a:schemeClr val="tx1"/>
-                </a:solidFill>
-                <a:effectLst/>
-                <a:latin typeface="+mn-lt"/>
-                <a:ea typeface="+mn-ea"/>
-                <a:cs typeface="+mn-cs"/>
-              </a:rPr>
-              <a:t> the html ma co the </a:t>
-            </a:r>
-            <a:r>
-              <a:rPr lang="en-US" sz="1200" b="0" i="0" kern="1200" baseline="0" dirty="0" err="1" smtClean="0">
-                <a:solidFill>
-                  <a:schemeClr val="tx1"/>
-                </a:solidFill>
-                <a:effectLst/>
-                <a:latin typeface="+mn-lt"/>
-                <a:ea typeface="+mn-ea"/>
-                <a:cs typeface="+mn-cs"/>
-              </a:rPr>
-              <a:t>su</a:t>
-            </a:r>
-            <a:r>
-              <a:rPr lang="en-US" sz="1200" b="0" i="0" kern="1200" baseline="0" dirty="0" smtClean="0">
-                <a:solidFill>
-                  <a:schemeClr val="tx1"/>
-                </a:solidFill>
-                <a:effectLst/>
-                <a:latin typeface="+mn-lt"/>
-                <a:ea typeface="+mn-ea"/>
-                <a:cs typeface="+mn-cs"/>
-              </a:rPr>
-              <a:t> dung </a:t>
-            </a:r>
-            <a:r>
-              <a:rPr lang="en-US" sz="1200" b="0" i="0" kern="1200" baseline="0" dirty="0" err="1" smtClean="0">
-                <a:solidFill>
-                  <a:schemeClr val="tx1"/>
-                </a:solidFill>
-                <a:effectLst/>
-                <a:latin typeface="+mn-lt"/>
-                <a:ea typeface="+mn-ea"/>
-                <a:cs typeface="+mn-cs"/>
-              </a:rPr>
-              <a:t>lại</a:t>
-            </a:r>
-            <a:r>
-              <a:rPr lang="en-US" sz="1200" b="0" i="0" kern="1200" baseline="0" dirty="0" smtClean="0">
-                <a:solidFill>
-                  <a:schemeClr val="tx1"/>
-                </a:solidFill>
-                <a:effectLst/>
-                <a:latin typeface="+mn-lt"/>
-                <a:ea typeface="+mn-ea"/>
-                <a:cs typeface="+mn-cs"/>
-              </a:rPr>
-              <a:t> </a:t>
-            </a:r>
-            <a:r>
-              <a:rPr lang="en-US" sz="1200" b="0" i="0" kern="1200" baseline="0" dirty="0" err="1" smtClean="0">
-                <a:solidFill>
-                  <a:schemeClr val="tx1"/>
-                </a:solidFill>
-                <a:effectLst/>
-                <a:latin typeface="+mn-lt"/>
-                <a:ea typeface="+mn-ea"/>
-                <a:cs typeface="+mn-cs"/>
-              </a:rPr>
-              <a:t>sau</a:t>
-            </a:r>
-            <a:r>
-              <a:rPr lang="en-US" sz="1200" b="0" i="0" kern="1200" baseline="0" dirty="0" smtClean="0">
-                <a:solidFill>
-                  <a:schemeClr val="tx1"/>
-                </a:solidFill>
-                <a:effectLst/>
-                <a:latin typeface="+mn-lt"/>
-                <a:ea typeface="+mn-ea"/>
-                <a:cs typeface="+mn-cs"/>
-              </a:rPr>
-              <a:t> do. </a:t>
-            </a:r>
-          </a:p>
-          <a:p>
-            <a:endParaRPr lang="en-US" sz="1200" b="0" i="0" kern="1200" baseline="0" dirty="0" smtClean="0">
-              <a:solidFill>
-                <a:schemeClr val="tx1"/>
-              </a:solidFill>
-              <a:effectLst/>
-              <a:latin typeface="+mn-lt"/>
-              <a:ea typeface="+mn-ea"/>
-              <a:cs typeface="+mn-cs"/>
-            </a:endParaRPr>
-          </a:p>
-          <a:p>
-            <a:pPr marL="0" marR="0" indent="0" algn="l" defTabSz="914400" rtl="0" eaLnBrk="1" fontAlgn="auto" latinLnBrk="0" hangingPunct="1">
-              <a:lnSpc>
-                <a:spcPct val="100000"/>
-              </a:lnSpc>
-              <a:spcBef>
-                <a:spcPts val="0"/>
-              </a:spcBef>
-              <a:spcAft>
-                <a:spcPts val="0"/>
-              </a:spcAft>
-              <a:buClrTx/>
-              <a:buSzTx/>
-              <a:buFontTx/>
-              <a:buNone/>
-              <a:tabLst/>
-              <a:defRPr/>
-            </a:pPr>
-            <a:r>
-              <a:rPr lang="en-US" sz="1200" b="0" i="0" kern="1200" dirty="0" smtClean="0">
-                <a:solidFill>
-                  <a:schemeClr val="tx1"/>
-                </a:solidFill>
-                <a:effectLst/>
-                <a:latin typeface="+mn-lt"/>
-                <a:ea typeface="+mn-ea"/>
-                <a:cs typeface="+mn-cs"/>
-              </a:rPr>
-              <a:t>Vi</a:t>
-            </a:r>
-            <a:r>
-              <a:rPr lang="en-US" sz="1200" b="0" i="0" kern="1200" baseline="0" dirty="0" smtClean="0">
-                <a:solidFill>
-                  <a:schemeClr val="tx1"/>
-                </a:solidFill>
-                <a:effectLst/>
-                <a:latin typeface="+mn-lt"/>
-                <a:ea typeface="+mn-ea"/>
-                <a:cs typeface="+mn-cs"/>
-              </a:rPr>
-              <a:t> du </a:t>
-            </a:r>
-            <a:r>
-              <a:rPr lang="en-US" sz="1200" b="0" i="0" kern="1200" baseline="0" dirty="0" err="1" smtClean="0">
-                <a:solidFill>
-                  <a:schemeClr val="tx1"/>
-                </a:solidFill>
-                <a:effectLst/>
-                <a:latin typeface="+mn-lt"/>
-                <a:ea typeface="+mn-ea"/>
-                <a:cs typeface="+mn-cs"/>
-              </a:rPr>
-              <a:t>nhu</a:t>
-            </a:r>
-            <a:r>
-              <a:rPr lang="en-US" sz="1200" b="0" i="0" kern="1200" baseline="0" dirty="0" smtClean="0">
-                <a:solidFill>
-                  <a:schemeClr val="tx1"/>
-                </a:solidFill>
-                <a:effectLst/>
-                <a:latin typeface="+mn-lt"/>
-                <a:ea typeface="+mn-ea"/>
-                <a:cs typeface="+mn-cs"/>
-              </a:rPr>
-              <a:t> don </a:t>
-            </a:r>
-            <a:r>
-              <a:rPr lang="en-US" sz="1200" b="0" i="0" kern="1200" baseline="0" dirty="0" err="1" smtClean="0">
-                <a:solidFill>
-                  <a:schemeClr val="tx1"/>
-                </a:solidFill>
-                <a:effectLst/>
-                <a:latin typeface="+mn-lt"/>
-                <a:ea typeface="+mn-ea"/>
-                <a:cs typeface="+mn-cs"/>
-              </a:rPr>
-              <a:t>xin</a:t>
-            </a:r>
-            <a:r>
-              <a:rPr lang="en-US" sz="1200" b="0" i="0" kern="1200" baseline="0" dirty="0" smtClean="0">
-                <a:solidFill>
-                  <a:schemeClr val="tx1"/>
-                </a:solidFill>
-                <a:effectLst/>
-                <a:latin typeface="+mn-lt"/>
-                <a:ea typeface="+mn-ea"/>
-                <a:cs typeface="+mn-cs"/>
-              </a:rPr>
-              <a:t> </a:t>
-            </a:r>
-            <a:r>
-              <a:rPr lang="en-US" sz="1200" b="0" i="0" kern="1200" baseline="0" dirty="0" err="1" smtClean="0">
-                <a:solidFill>
-                  <a:schemeClr val="tx1"/>
-                </a:solidFill>
-                <a:effectLst/>
-                <a:latin typeface="+mn-lt"/>
-                <a:ea typeface="+mn-ea"/>
-                <a:cs typeface="+mn-cs"/>
-              </a:rPr>
-              <a:t>viec</a:t>
-            </a:r>
-            <a:r>
-              <a:rPr lang="en-US" sz="1200" b="0" i="0" kern="1200" baseline="0" dirty="0" smtClean="0">
-                <a:solidFill>
-                  <a:schemeClr val="tx1"/>
-                </a:solidFill>
-                <a:effectLst/>
-                <a:latin typeface="+mn-lt"/>
-                <a:ea typeface="+mn-ea"/>
-                <a:cs typeface="+mn-cs"/>
-              </a:rPr>
-              <a:t>.</a:t>
-            </a:r>
-          </a:p>
-          <a:p>
             <a:endParaRPr lang="en-US" dirty="0"/>
           </a:p>
         </p:txBody>
@@ -6635,130 +5781,6 @@
           <a:bodyPr/>
           <a:lstStyle/>
           <a:p>
-            <a:r>
-              <a:rPr lang="en-US" dirty="0" err="1" smtClean="0"/>
-              <a:t>Lưu</a:t>
-            </a:r>
-            <a:r>
-              <a:rPr lang="en-US" baseline="0" dirty="0" smtClean="0"/>
-              <a:t> ý: </a:t>
-            </a:r>
-            <a:r>
-              <a:rPr lang="en-US" dirty="0" smtClean="0"/>
-              <a:t>We</a:t>
-            </a:r>
-            <a:r>
-              <a:rPr lang="en-US" baseline="0" dirty="0" smtClean="0"/>
-              <a:t> can import also for html file, </a:t>
-            </a:r>
-            <a:r>
-              <a:rPr lang="en-US" baseline="0" dirty="0" err="1" smtClean="0"/>
-              <a:t>khác</a:t>
-            </a:r>
-            <a:r>
-              <a:rPr lang="en-US" baseline="0" dirty="0" smtClean="0"/>
-              <a:t> </a:t>
-            </a:r>
-            <a:r>
-              <a:rPr lang="en-US" baseline="0" dirty="0" err="1" smtClean="0"/>
-              <a:t>với</a:t>
-            </a:r>
-            <a:r>
-              <a:rPr lang="en-US" baseline="0" dirty="0" smtClean="0"/>
-              <a:t> </a:t>
-            </a:r>
-            <a:r>
-              <a:rPr lang="en-US" baseline="0" dirty="0" err="1" smtClean="0"/>
-              <a:t>các</a:t>
-            </a:r>
-            <a:r>
-              <a:rPr lang="en-US" baseline="0" dirty="0" smtClean="0"/>
-              <a:t> </a:t>
-            </a:r>
-            <a:r>
-              <a:rPr lang="en-US" baseline="0" dirty="0" err="1" smtClean="0"/>
-              <a:t>kiểu</a:t>
-            </a:r>
-            <a:r>
-              <a:rPr lang="en-US" baseline="0" dirty="0" smtClean="0"/>
-              <a:t> import </a:t>
-            </a:r>
-            <a:r>
-              <a:rPr lang="en-US" baseline="0" dirty="0" err="1" smtClean="0"/>
-              <a:t>khác</a:t>
-            </a:r>
-            <a:r>
-              <a:rPr lang="en-US" baseline="0" dirty="0" smtClean="0"/>
-              <a:t> </a:t>
-            </a:r>
-            <a:r>
-              <a:rPr lang="en-US" baseline="0" dirty="0" err="1" smtClean="0"/>
-              <a:t>css</a:t>
-            </a:r>
-            <a:r>
-              <a:rPr lang="en-US" baseline="0" dirty="0" smtClean="0"/>
-              <a:t>, </a:t>
-            </a:r>
-            <a:r>
-              <a:rPr lang="en-US" baseline="0" dirty="0" err="1" smtClean="0"/>
-              <a:t>javascript</a:t>
-            </a:r>
-            <a:endParaRPr lang="en-US" baseline="0" dirty="0" smtClean="0"/>
-          </a:p>
-          <a:p>
-            <a:endParaRPr lang="en-US" baseline="0" dirty="0" smtClean="0"/>
-          </a:p>
-          <a:p>
-            <a:r>
-              <a:rPr lang="en-US" sz="1200" b="0" i="0" kern="1200" dirty="0" smtClean="0">
-                <a:solidFill>
-                  <a:schemeClr val="tx1"/>
-                </a:solidFill>
-                <a:effectLst/>
-                <a:latin typeface="+mn-lt"/>
-                <a:ea typeface="+mn-ea"/>
-                <a:cs typeface="+mn-cs"/>
-              </a:rPr>
-              <a:t>HTML Imports allow bundling HTML/CSS/JS as a single resource. While useful by themselves, this idea becomes extremely powerful in the world of Web Components. </a:t>
-            </a:r>
-          </a:p>
-          <a:p>
-            <a:r>
-              <a:rPr lang="en-US" sz="1200" b="0" i="0" kern="1200" dirty="0" smtClean="0">
-                <a:solidFill>
-                  <a:schemeClr val="tx1"/>
-                </a:solidFill>
-                <a:effectLst/>
-                <a:latin typeface="+mn-lt"/>
-                <a:ea typeface="+mn-ea"/>
-                <a:cs typeface="+mn-cs"/>
-              </a:rPr>
-              <a:t>Developers can create reusable components for others to consume and bring in to their own app, all delivered through </a:t>
-            </a:r>
-            <a:r>
-              <a:rPr lang="en-US" dirty="0" smtClean="0"/>
-              <a:t>&lt;link </a:t>
-            </a:r>
-            <a:r>
-              <a:rPr lang="en-US" dirty="0" err="1" smtClean="0"/>
-              <a:t>rel</a:t>
-            </a:r>
-            <a:r>
-              <a:rPr lang="en-US" dirty="0" smtClean="0"/>
-              <a:t>="import"&gt;</a:t>
-            </a:r>
-            <a:r>
-              <a:rPr lang="en-US" sz="1200" b="0" i="0" kern="1200" dirty="0" smtClean="0">
-                <a:solidFill>
-                  <a:schemeClr val="tx1"/>
-                </a:solidFill>
-                <a:effectLst/>
-                <a:latin typeface="+mn-lt"/>
-                <a:ea typeface="+mn-ea"/>
-                <a:cs typeface="+mn-cs"/>
-              </a:rPr>
-              <a:t>.</a:t>
-            </a:r>
             <a:endParaRPr lang="en-US" dirty="0"/>
           </a:p>
         </p:txBody>
@@ -6927,198 +5949,6 @@
           <a:bodyPr/>
           <a:lstStyle/>
           <a:p>
-            <a:r>
-              <a:rPr lang="en-US" sz="1200" b="0" i="0" kern="1200" dirty="0" smtClean="0">
-                <a:solidFill>
-                  <a:schemeClr val="tx1"/>
-                </a:solidFill>
-                <a:effectLst/>
-                <a:latin typeface="+mn-lt"/>
-                <a:ea typeface="+mn-ea"/>
-                <a:cs typeface="+mn-cs"/>
-              </a:rPr>
-              <a:t>+ Because there is no way to package Bootstrap components you must write out the HTML exactly as it is documented. </a:t>
-            </a:r>
-          </a:p>
-          <a:p>
-            <a:r>
-              <a:rPr lang="en-US" sz="1200" b="0" i="0" kern="1200" dirty="0" smtClean="0">
-                <a:solidFill>
-                  <a:schemeClr val="tx1"/>
-                </a:solidFill>
-                <a:effectLst/>
-                <a:latin typeface="+mn-lt"/>
-                <a:ea typeface="+mn-ea"/>
-                <a:cs typeface="+mn-cs"/>
-              </a:rPr>
-              <a:t>+ A real-world example is Bootstrap. Bootstrap is comprised of individual files (bootstrap.css, bootstrap.js, fonts), requires JQuery for its plugins, and provides markup examples</a:t>
-            </a:r>
-          </a:p>
-          <a:p>
-            <a:r>
-              <a:rPr lang="en-US" sz="1200" b="0" i="0" kern="1200" dirty="0" smtClean="0">
-                <a:solidFill>
-                  <a:schemeClr val="tx1"/>
-                </a:solidFill>
-                <a:effectLst/>
-                <a:latin typeface="+mn-lt"/>
-                <a:ea typeface="+mn-ea"/>
-                <a:cs typeface="+mn-cs"/>
-              </a:rPr>
-              <a:t>+ And the root problem is that CSS really has no opinion about scoping. Everything’s everywhere. Everything’s global.  Classes everybody can have a class.</a:t>
-            </a:r>
-          </a:p>
-          <a:p>
-            <a:r>
-              <a:rPr lang="en-US" sz="1200" b="0" i="0" kern="1200" dirty="0" smtClean="0">
-                <a:solidFill>
-                  <a:schemeClr val="tx1"/>
-                </a:solidFill>
-                <a:effectLst/>
-                <a:latin typeface="+mn-lt"/>
-                <a:ea typeface="+mn-ea"/>
-                <a:cs typeface="+mn-cs"/>
-              </a:rPr>
-              <a:t>+ The only thing stopping is that you should name things really well.</a:t>
-            </a:r>
-          </a:p>
-          <a:p>
-            <a:r>
-              <a:rPr lang="en-US" sz="1200" b="0" i="0" kern="1200" dirty="0" smtClean="0">
-                <a:solidFill>
-                  <a:schemeClr val="tx1"/>
-                </a:solidFill>
-                <a:effectLst/>
-                <a:latin typeface="+mn-lt"/>
-                <a:ea typeface="+mn-ea"/>
-                <a:cs typeface="+mn-cs"/>
-              </a:rPr>
-              <a:t>+ The way I like to think about the Shadow DOM. It is actually a tiny little castle.  </a:t>
-            </a:r>
-          </a:p>
-          <a:p>
-            <a:r>
-              <a:rPr lang="en-US" sz="1200" b="0" i="0" kern="1200" dirty="0" smtClean="0">
-                <a:solidFill>
-                  <a:schemeClr val="tx1"/>
-                </a:solidFill>
-                <a:effectLst/>
-                <a:latin typeface="+mn-lt"/>
-                <a:ea typeface="+mn-ea"/>
-                <a:cs typeface="+mn-cs"/>
-              </a:rPr>
-              <a:t>+ You put your markup. You put your styles. And you close it down with walls around it.</a:t>
-            </a:r>
-          </a:p>
-          <a:p>
-            <a:r>
-              <a:rPr lang="en-US" sz="1200" b="0" i="0" kern="1200" dirty="0" smtClean="0">
-                <a:solidFill>
-                  <a:schemeClr val="tx1"/>
-                </a:solidFill>
-                <a:effectLst/>
-                <a:latin typeface="+mn-lt"/>
-                <a:ea typeface="+mn-ea"/>
-                <a:cs typeface="+mn-cs"/>
-              </a:rPr>
-              <a:t>+ And that castle is basically your web component</a:t>
-            </a:r>
-          </a:p>
-          <a:p>
-            <a:r>
-              <a:rPr lang="en-US" sz="1200" b="0" i="0" kern="1200" dirty="0" smtClean="0">
-                <a:solidFill>
-                  <a:schemeClr val="tx1"/>
-                </a:solidFill>
-                <a:effectLst/>
-                <a:latin typeface="+mn-lt"/>
-                <a:ea typeface="+mn-ea"/>
-                <a:cs typeface="+mn-cs"/>
-              </a:rPr>
-              <a:t>+ Everything that is does and all its styles just live inside. And they do not leak out and nothing gets in.</a:t>
-            </a:r>
-          </a:p>
-          <a:p>
-            <a:r>
-              <a:rPr lang="en-US" sz="1200" b="0" i="0" kern="1200" dirty="0" smtClean="0">
-                <a:solidFill>
-                  <a:schemeClr val="tx1"/>
-                </a:solidFill>
-                <a:effectLst/>
-                <a:latin typeface="+mn-lt"/>
-                <a:ea typeface="+mn-ea"/>
-                <a:cs typeface="+mn-cs"/>
-              </a:rPr>
-              <a:t>+ Because in Sass and Less, styles and variables are still global</a:t>
-            </a:r>
-          </a:p>
-          <a:p>
-            <a:endParaRPr lang="en-US" sz="1200" b="0" i="0" kern="1200" dirty="0" smtClean="0">
-              <a:solidFill>
-                <a:schemeClr val="tx1"/>
-              </a:solidFill>
-              <a:effectLst/>
-              <a:latin typeface="+mn-lt"/>
-              <a:ea typeface="+mn-ea"/>
-              <a:cs typeface="+mn-cs"/>
-            </a:endParaRPr>
-          </a:p>
-          <a:p>
-            <a:endParaRPr lang="en-US" sz="1200" b="0" i="0" kern="1200" dirty="0" smtClean="0">
-              <a:solidFill>
-                <a:schemeClr val="tx1"/>
-              </a:solidFill>
-              <a:effectLst/>
-              <a:latin typeface="+mn-lt"/>
-              <a:ea typeface="+mn-ea"/>
-              <a:cs typeface="+mn-cs"/>
-            </a:endParaRPr>
-          </a:p>
-          <a:p>
-            <a:endParaRPr lang="en-US" sz="1200" b="0" i="0" kern="1200" dirty="0" smtClean="0">
-              <a:solidFill>
-                <a:schemeClr val="tx1"/>
-              </a:solidFill>
-              <a:effectLst/>
-              <a:latin typeface="+mn-lt"/>
-              <a:ea typeface="+mn-ea"/>
-              <a:cs typeface="+mn-cs"/>
-            </a:endParaRPr>
-          </a:p>
-          <a:p>
-            <a:endParaRPr lang="en-US" sz="1200" b="0" i="0" kern="1200" dirty="0" smtClean="0">
-              <a:solidFill>
-                <a:schemeClr val="tx1"/>
-              </a:solidFill>
-              <a:effectLst/>
-              <a:latin typeface="+mn-lt"/>
-              <a:ea typeface="+mn-ea"/>
-              <a:cs typeface="+mn-cs"/>
-            </a:endParaRPr>
-          </a:p>
-          <a:p>
-            <a:endParaRPr lang="en-US" sz="1200" b="0" i="0" kern="1200" dirty="0" smtClean="0">
-              <a:solidFill>
-                <a:schemeClr val="tx1"/>
-              </a:solidFill>
-              <a:effectLst/>
-              <a:latin typeface="+mn-lt"/>
-              <a:ea typeface="+mn-ea"/>
-              <a:cs typeface="+mn-cs"/>
-            </a:endParaRPr>
-          </a:p>
-          <a:p>
-            <a:endParaRPr lang="en-US" sz="1200" b="0" i="0" kern="1200" dirty="0" smtClean="0">
-              <a:solidFill>
-                <a:schemeClr val="tx1"/>
-              </a:solidFill>
-              <a:effectLst/>
-              <a:latin typeface="+mn-lt"/>
-              <a:ea typeface="+mn-ea"/>
-              <a:cs typeface="+mn-cs"/>
-            </a:endParaRPr>
-          </a:p>
-          <a:p>
             <a:endParaRPr lang="en-US" sz="1200" b="0" i="0" kern="1200" dirty="0" smtClean="0">
               <a:solidFill>
                 <a:schemeClr val="tx1"/>
@@ -7211,102 +6041,6 @@
           <a:bodyPr/>
           <a:lstStyle/>
           <a:p>
-            <a:r>
-              <a:rPr lang="en-US" sz="1200" b="0" i="0" kern="1200" dirty="0" smtClean="0">
-                <a:solidFill>
-                  <a:schemeClr val="tx1"/>
-                </a:solidFill>
-                <a:effectLst/>
-                <a:latin typeface="+mn-lt"/>
-                <a:ea typeface="+mn-ea"/>
-                <a:cs typeface="+mn-cs"/>
-              </a:rPr>
-              <a:t>Bootstrap comes with </a:t>
-            </a:r>
-            <a:r>
-              <a:rPr lang="en-US" sz="1200" b="0" i="1" kern="1200" dirty="0" smtClean="0">
-                <a:solidFill>
-                  <a:schemeClr val="tx1"/>
-                </a:solidFill>
-                <a:effectLst/>
-                <a:latin typeface="+mn-lt"/>
-                <a:ea typeface="+mn-ea"/>
-                <a:cs typeface="+mn-cs"/>
-              </a:rPr>
-              <a:t>a lot</a:t>
-            </a:r>
-            <a:r>
-              <a:rPr lang="en-US" sz="1200" b="0" i="0" kern="1200" dirty="0" smtClean="0">
-                <a:solidFill>
-                  <a:schemeClr val="tx1"/>
-                </a:solidFill>
-                <a:effectLst/>
-                <a:latin typeface="+mn-lt"/>
-                <a:ea typeface="+mn-ea"/>
-                <a:cs typeface="+mn-cs"/>
-              </a:rPr>
-              <a:t> of CSS which means, right out of the gate, there are a ton of class names which you probably shouldn't use for your own elements. </a:t>
-            </a:r>
-          </a:p>
-          <a:p>
-            <a:r>
-              <a:rPr lang="en-US" sz="1200" b="0" i="0" kern="1200" dirty="0" smtClean="0">
-                <a:solidFill>
-                  <a:schemeClr val="tx1"/>
-                </a:solidFill>
-                <a:effectLst/>
-                <a:latin typeface="+mn-lt"/>
-                <a:ea typeface="+mn-ea"/>
-                <a:cs typeface="+mn-cs"/>
-              </a:rPr>
-              <a:t>Want to define a class of </a:t>
-            </a:r>
-            <a:r>
-              <a:rPr lang="en-US" dirty="0" smtClean="0"/>
-              <a:t>.container</a:t>
-            </a:r>
-            <a:r>
-              <a:rPr lang="en-US" sz="1200" b="0" i="0" kern="1200" dirty="0" smtClean="0">
-                <a:solidFill>
-                  <a:schemeClr val="tx1"/>
-                </a:solidFill>
-                <a:effectLst/>
-                <a:latin typeface="+mn-lt"/>
-                <a:ea typeface="+mn-ea"/>
-                <a:cs typeface="+mn-cs"/>
-              </a:rPr>
-              <a:t>? Too bad, Bootstrap already uses that name. Want to upgrade Bootstrap in a few months? OK, but you need to double check that none of their new classes conflict with any of yours. </a:t>
-            </a:r>
-          </a:p>
-          <a:p>
-            <a:r>
-              <a:rPr lang="en-US" sz="1200" b="0" i="0" kern="1200" dirty="0" smtClean="0">
-                <a:solidFill>
-                  <a:schemeClr val="tx1"/>
-                </a:solidFill>
-                <a:effectLst/>
-                <a:latin typeface="+mn-lt"/>
-                <a:ea typeface="+mn-ea"/>
-                <a:cs typeface="+mn-cs"/>
-              </a:rPr>
-              <a:t>Wouldn't it be awesome if you could use all of the little widgets from Bootstrap and not worry at all about possible collisions? </a:t>
-            </a:r>
-          </a:p>
-          <a:p>
-            <a:r>
-              <a:rPr lang="en-US" sz="1200" b="0" i="0" kern="1200" dirty="0" smtClean="0">
-                <a:solidFill>
-                  <a:schemeClr val="tx1"/>
-                </a:solidFill>
-                <a:effectLst/>
-                <a:latin typeface="+mn-lt"/>
-                <a:ea typeface="+mn-ea"/>
-                <a:cs typeface="+mn-cs"/>
-              </a:rPr>
-              <a:t>Well, that's what Web Components are trying to solve and so today I want to look at one part of the Web Components standards</a:t>
-            </a:r>
-          </a:p>
-          <a:p>
             <a:endParaRPr lang="en-US" sz="1200" b="0" i="0" kern="1200" dirty="0">
               <a:solidFill>
                 <a:schemeClr val="tx1"/>
@@ -7399,176 +6133,6 @@
           <a:bodyPr/>
           <a:lstStyle/>
           <a:p>
-            <a:r>
-              <a:rPr lang="en-US" sz="1200" b="0" i="0" kern="1200" baseline="0" dirty="0" err="1" smtClean="0">
-                <a:solidFill>
-                  <a:schemeClr val="tx1"/>
-                </a:solidFill>
-                <a:effectLst/>
-                <a:latin typeface="+mn-lt"/>
-                <a:ea typeface="+mn-ea"/>
-                <a:cs typeface="+mn-cs"/>
-              </a:rPr>
-              <a:t>Nói</a:t>
-            </a:r>
-            <a:r>
-              <a:rPr lang="en-US" sz="1200" b="0" i="0" kern="1200" baseline="0" dirty="0" smtClean="0">
-                <a:solidFill>
-                  <a:schemeClr val="tx1"/>
-                </a:solidFill>
-                <a:effectLst/>
-                <a:latin typeface="+mn-lt"/>
-                <a:ea typeface="+mn-ea"/>
-                <a:cs typeface="+mn-cs"/>
-              </a:rPr>
-              <a:t> </a:t>
-            </a:r>
-            <a:r>
-              <a:rPr lang="en-US" sz="1200" b="0" i="0" kern="1200" baseline="0" dirty="0" err="1" smtClean="0">
-                <a:solidFill>
-                  <a:schemeClr val="tx1"/>
-                </a:solidFill>
-                <a:effectLst/>
-                <a:latin typeface="+mn-lt"/>
-                <a:ea typeface="+mn-ea"/>
-                <a:cs typeface="+mn-cs"/>
-              </a:rPr>
-              <a:t>về</a:t>
-            </a:r>
-            <a:r>
-              <a:rPr lang="en-US" sz="1200" b="0" i="0" kern="1200" baseline="0" dirty="0" smtClean="0">
-                <a:solidFill>
-                  <a:schemeClr val="tx1"/>
-                </a:solidFill>
-                <a:effectLst/>
-                <a:latin typeface="+mn-lt"/>
-                <a:ea typeface="+mn-ea"/>
-                <a:cs typeface="+mn-cs"/>
-              </a:rPr>
-              <a:t> </a:t>
-            </a:r>
-            <a:r>
-              <a:rPr lang="en-US" sz="1200" b="0" i="0" kern="1200" baseline="0" dirty="0" err="1" smtClean="0">
-                <a:solidFill>
-                  <a:schemeClr val="tx1"/>
-                </a:solidFill>
-                <a:effectLst/>
-                <a:latin typeface="+mn-lt"/>
-                <a:ea typeface="+mn-ea"/>
-                <a:cs typeface="+mn-cs"/>
-              </a:rPr>
-              <a:t>tương</a:t>
-            </a:r>
-            <a:r>
-              <a:rPr lang="en-US" sz="1200" b="0" i="0" kern="1200" baseline="0" dirty="0" smtClean="0">
-                <a:solidFill>
-                  <a:schemeClr val="tx1"/>
-                </a:solidFill>
-                <a:effectLst/>
-                <a:latin typeface="+mn-lt"/>
-                <a:ea typeface="+mn-ea"/>
-                <a:cs typeface="+mn-cs"/>
-              </a:rPr>
-              <a:t> </a:t>
-            </a:r>
-            <a:r>
-              <a:rPr lang="en-US" sz="1200" b="0" i="0" kern="1200" baseline="0" dirty="0" err="1" smtClean="0">
-                <a:solidFill>
-                  <a:schemeClr val="tx1"/>
-                </a:solidFill>
-                <a:effectLst/>
-                <a:latin typeface="+mn-lt"/>
-                <a:ea typeface="+mn-ea"/>
-                <a:cs typeface="+mn-cs"/>
-              </a:rPr>
-              <a:t>lai</a:t>
-            </a:r>
-            <a:r>
-              <a:rPr lang="en-US" sz="1200" b="0" i="0" kern="1200" baseline="0" dirty="0" smtClean="0">
-                <a:solidFill>
-                  <a:schemeClr val="tx1"/>
-                </a:solidFill>
-                <a:effectLst/>
-                <a:latin typeface="+mn-lt"/>
-                <a:ea typeface="+mn-ea"/>
-                <a:cs typeface="+mn-cs"/>
-              </a:rPr>
-              <a:t> </a:t>
-            </a:r>
-            <a:r>
-              <a:rPr lang="en-US" sz="1200" b="0" i="0" kern="1200" baseline="0" dirty="0" err="1" smtClean="0">
-                <a:solidFill>
-                  <a:schemeClr val="tx1"/>
-                </a:solidFill>
-                <a:effectLst/>
-                <a:latin typeface="+mn-lt"/>
-                <a:ea typeface="+mn-ea"/>
-                <a:cs typeface="+mn-cs"/>
-              </a:rPr>
-              <a:t>khi</a:t>
-            </a:r>
-            <a:r>
-              <a:rPr lang="en-US" sz="1200" b="0" i="0" kern="1200" baseline="0" dirty="0" smtClean="0">
-                <a:solidFill>
-                  <a:schemeClr val="tx1"/>
-                </a:solidFill>
-                <a:effectLst/>
-                <a:latin typeface="+mn-lt"/>
-                <a:ea typeface="+mn-ea"/>
-                <a:cs typeface="+mn-cs"/>
-              </a:rPr>
-              <a:t> </a:t>
-            </a:r>
-            <a:r>
-              <a:rPr lang="en-US" sz="1200" b="0" i="0" kern="1200" baseline="0" dirty="0" err="1" smtClean="0">
-                <a:solidFill>
-                  <a:schemeClr val="tx1"/>
-                </a:solidFill>
-                <a:effectLst/>
-                <a:latin typeface="+mn-lt"/>
-                <a:ea typeface="+mn-ea"/>
-                <a:cs typeface="+mn-cs"/>
-              </a:rPr>
-              <a:t>sử</a:t>
-            </a:r>
-            <a:r>
-              <a:rPr lang="en-US" sz="1200" b="0" i="0" kern="1200" baseline="0" dirty="0" smtClean="0">
-                <a:solidFill>
-                  <a:schemeClr val="tx1"/>
-                </a:solidFill>
-                <a:effectLst/>
-                <a:latin typeface="+mn-lt"/>
-                <a:ea typeface="+mn-ea"/>
-                <a:cs typeface="+mn-cs"/>
-              </a:rPr>
-              <a:t> </a:t>
-            </a:r>
-            <a:r>
-              <a:rPr lang="en-US" sz="1200" b="0" i="0" kern="1200" baseline="0" dirty="0" err="1" smtClean="0">
-                <a:solidFill>
-                  <a:schemeClr val="tx1"/>
-                </a:solidFill>
-                <a:effectLst/>
-                <a:latin typeface="+mn-lt"/>
-                <a:ea typeface="+mn-ea"/>
-                <a:cs typeface="+mn-cs"/>
-              </a:rPr>
-              <a:t>dụng</a:t>
-            </a:r>
-            <a:r>
-              <a:rPr lang="en-US" sz="1200" b="0" i="0" kern="1200" baseline="0" dirty="0" smtClean="0">
-                <a:solidFill>
-                  <a:schemeClr val="tx1"/>
-                </a:solidFill>
-                <a:effectLst/>
-                <a:latin typeface="+mn-lt"/>
-                <a:ea typeface="+mn-ea"/>
-                <a:cs typeface="+mn-cs"/>
-              </a:rPr>
-              <a:t> web components</a:t>
-            </a:r>
-          </a:p>
-          <a:p>
             <a:endParaRPr lang="en-US" sz="1200" b="0" i="0" kern="1200" dirty="0" smtClean="0">
               <a:solidFill>
                 <a:schemeClr val="tx1"/>
@@ -7661,157 +6225,6 @@
           <a:bodyPr/>
           <a:lstStyle/>
           <a:p>
-            <a:pPr marL="0" marR="0" indent="0" algn="l" defTabSz="914400" rtl="0" eaLnBrk="1" fontAlgn="auto" latinLnBrk="0" hangingPunct="1">
-              <a:lnSpc>
-                <a:spcPct val="100000"/>
-              </a:lnSpc>
-              <a:spcBef>
-                <a:spcPts val="0"/>
-              </a:spcBef>
-              <a:spcAft>
-                <a:spcPts val="0"/>
-              </a:spcAft>
-              <a:buClrTx/>
-              <a:buSzTx/>
-              <a:buFontTx/>
-              <a:buNone/>
-              <a:tabLst/>
-              <a:defRPr/>
-            </a:pPr>
-            <a:r>
-              <a:rPr lang="en-US" sz="1200" b="0" i="0" kern="1200" baseline="0" dirty="0" smtClean="0">
-                <a:solidFill>
-                  <a:schemeClr val="tx1"/>
-                </a:solidFill>
-                <a:effectLst/>
-                <a:latin typeface="+mn-lt"/>
-                <a:ea typeface="+mn-ea"/>
-                <a:cs typeface="+mn-cs"/>
-              </a:rPr>
-              <a:t>Material design </a:t>
-            </a:r>
-            <a:r>
-              <a:rPr lang="en-US" sz="1200" b="0" i="0" kern="1200" baseline="0" dirty="0" err="1" smtClean="0">
-                <a:solidFill>
-                  <a:schemeClr val="tx1"/>
-                </a:solidFill>
-                <a:effectLst/>
-                <a:latin typeface="+mn-lt"/>
-                <a:ea typeface="+mn-ea"/>
-                <a:cs typeface="+mn-cs"/>
-              </a:rPr>
-              <a:t>xu</a:t>
-            </a:r>
-            <a:r>
-              <a:rPr lang="en-US" sz="1200" b="0" i="0" kern="1200" baseline="0" dirty="0" smtClean="0">
-                <a:solidFill>
-                  <a:schemeClr val="tx1"/>
-                </a:solidFill>
-                <a:effectLst/>
-                <a:latin typeface="+mn-lt"/>
-                <a:ea typeface="+mn-ea"/>
-                <a:cs typeface="+mn-cs"/>
-              </a:rPr>
-              <a:t> </a:t>
-            </a:r>
-            <a:r>
-              <a:rPr lang="en-US" sz="1200" b="0" i="0" kern="1200" baseline="0" dirty="0" err="1" smtClean="0">
-                <a:solidFill>
-                  <a:schemeClr val="tx1"/>
-                </a:solidFill>
-                <a:effectLst/>
-                <a:latin typeface="+mn-lt"/>
-                <a:ea typeface="+mn-ea"/>
-                <a:cs typeface="+mn-cs"/>
-              </a:rPr>
-              <a:t>hướng</a:t>
-            </a:r>
-            <a:r>
-              <a:rPr lang="en-US" sz="1200" b="0" i="0" kern="1200" baseline="0" dirty="0" smtClean="0">
-                <a:solidFill>
-                  <a:schemeClr val="tx1"/>
-                </a:solidFill>
-                <a:effectLst/>
-                <a:latin typeface="+mn-lt"/>
-                <a:ea typeface="+mn-ea"/>
-                <a:cs typeface="+mn-cs"/>
-              </a:rPr>
-              <a:t> </a:t>
-            </a:r>
-            <a:r>
-              <a:rPr lang="en-US" sz="1200" b="0" i="0" kern="1200" baseline="0" dirty="0" err="1" smtClean="0">
-                <a:solidFill>
-                  <a:schemeClr val="tx1"/>
-                </a:solidFill>
-                <a:effectLst/>
-                <a:latin typeface="+mn-lt"/>
-                <a:ea typeface="+mn-ea"/>
-                <a:cs typeface="+mn-cs"/>
-              </a:rPr>
-              <a:t>hiện</a:t>
-            </a:r>
-            <a:r>
-              <a:rPr lang="en-US" sz="1200" b="0" i="0" kern="1200" baseline="0" dirty="0" smtClean="0">
-                <a:solidFill>
-                  <a:schemeClr val="tx1"/>
-                </a:solidFill>
-                <a:effectLst/>
-                <a:latin typeface="+mn-lt"/>
-                <a:ea typeface="+mn-ea"/>
-                <a:cs typeface="+mn-cs"/>
-              </a:rPr>
-              <a:t> </a:t>
-            </a:r>
-            <a:r>
-              <a:rPr lang="en-US" sz="1200" b="0" i="0" kern="1200" baseline="0" dirty="0" err="1" smtClean="0">
-                <a:solidFill>
-                  <a:schemeClr val="tx1"/>
-                </a:solidFill>
-                <a:effectLst/>
-                <a:latin typeface="+mn-lt"/>
-                <a:ea typeface="+mn-ea"/>
-                <a:cs typeface="+mn-cs"/>
-              </a:rPr>
-              <a:t>tại</a:t>
-            </a:r>
-            <a:r>
-              <a:rPr lang="en-US" sz="1200" b="0" i="0" kern="1200" baseline="0" dirty="0" smtClean="0">
-                <a:solidFill>
-                  <a:schemeClr val="tx1"/>
-                </a:solidFill>
-                <a:effectLst/>
-                <a:latin typeface="+mn-lt"/>
-                <a:ea typeface="+mn-ea"/>
-                <a:cs typeface="+mn-cs"/>
-              </a:rPr>
-              <a:t>, </a:t>
-            </a:r>
-            <a:r>
-              <a:rPr lang="en-US" sz="1200" b="0" i="0" kern="1200" baseline="0" dirty="0" err="1" smtClean="0">
-                <a:solidFill>
-                  <a:schemeClr val="tx1"/>
-                </a:solidFill>
-                <a:effectLst/>
-                <a:latin typeface="+mn-lt"/>
-                <a:ea typeface="+mn-ea"/>
-                <a:cs typeface="+mn-cs"/>
-              </a:rPr>
-              <a:t>google</a:t>
-            </a:r>
-            <a:r>
-              <a:rPr lang="en-US" sz="1200" b="0" i="0" kern="1200" baseline="0" dirty="0" smtClean="0">
-                <a:solidFill>
-                  <a:schemeClr val="tx1"/>
-                </a:solidFill>
-                <a:effectLst/>
-                <a:latin typeface="+mn-lt"/>
-                <a:ea typeface="+mn-ea"/>
-                <a:cs typeface="+mn-cs"/>
-              </a:rPr>
-              <a:t> mail</a:t>
-            </a:r>
-          </a:p>
-          <a:p>
             <a:endParaRPr lang="en-US" dirty="0"/>
           </a:p>
         </p:txBody>
@@ -7896,115 +6309,6 @@
           <a:bodyPr/>
           <a:lstStyle/>
           <a:p>
-            <a:r>
-              <a:rPr lang="en-US" baseline="0" dirty="0" err="1" smtClean="0"/>
-              <a:t>Giới</a:t>
-            </a:r>
-            <a:r>
-              <a:rPr lang="en-US" baseline="0" dirty="0" smtClean="0"/>
-              <a:t> </a:t>
-            </a:r>
-            <a:r>
-              <a:rPr lang="en-US" baseline="0" dirty="0" err="1" smtClean="0"/>
-              <a:t>thiệu</a:t>
-            </a:r>
-            <a:r>
-              <a:rPr lang="en-US" baseline="0" dirty="0" smtClean="0"/>
-              <a:t> them </a:t>
-            </a:r>
-            <a:r>
-              <a:rPr lang="en-US" baseline="0" dirty="0" err="1" smtClean="0"/>
-              <a:t>một</a:t>
-            </a:r>
-            <a:r>
-              <a:rPr lang="en-US" baseline="0" dirty="0" smtClean="0"/>
-              <a:t> </a:t>
-            </a:r>
-            <a:r>
-              <a:rPr lang="en-US" baseline="0" dirty="0" err="1" smtClean="0"/>
-              <a:t>số</a:t>
-            </a:r>
-            <a:r>
-              <a:rPr lang="en-US" baseline="0" dirty="0" smtClean="0"/>
-              <a:t> </a:t>
-            </a:r>
-            <a:r>
-              <a:rPr lang="en-US" baseline="0" dirty="0" err="1" smtClean="0"/>
-              <a:t>từ</a:t>
-            </a:r>
-            <a:r>
-              <a:rPr lang="en-US" baseline="0" dirty="0" smtClean="0"/>
-              <a:t> </a:t>
-            </a:r>
-            <a:r>
-              <a:rPr lang="en-US" baseline="0" dirty="0" err="1" smtClean="0"/>
-              <a:t>khóa</a:t>
-            </a:r>
-            <a:r>
-              <a:rPr lang="en-US" baseline="0" dirty="0" smtClean="0"/>
-              <a:t> </a:t>
-            </a:r>
-            <a:r>
-              <a:rPr lang="en-US" baseline="0" dirty="0" err="1" smtClean="0"/>
-              <a:t>để</a:t>
-            </a:r>
-            <a:r>
-              <a:rPr lang="en-US" baseline="0" dirty="0" smtClean="0"/>
-              <a:t> </a:t>
-            </a:r>
-            <a:r>
-              <a:rPr lang="en-US" baseline="0" dirty="0" err="1" smtClean="0"/>
-              <a:t>sinh</a:t>
-            </a:r>
-            <a:r>
-              <a:rPr lang="en-US" baseline="0" dirty="0" smtClean="0"/>
-              <a:t> </a:t>
-            </a:r>
-            <a:r>
-              <a:rPr lang="en-US" baseline="0" dirty="0" err="1" smtClean="0"/>
-              <a:t>viên</a:t>
-            </a:r>
-            <a:r>
-              <a:rPr lang="en-US" baseline="0" dirty="0" smtClean="0"/>
-              <a:t> </a:t>
-            </a:r>
-            <a:r>
-              <a:rPr lang="en-US" baseline="0" dirty="0" err="1" smtClean="0"/>
-              <a:t>có</a:t>
-            </a:r>
-            <a:r>
-              <a:rPr lang="en-US" baseline="0" dirty="0" smtClean="0"/>
-              <a:t> </a:t>
-            </a:r>
-            <a:r>
-              <a:rPr lang="en-US" baseline="0" dirty="0" err="1" smtClean="0"/>
-              <a:t>thể</a:t>
-            </a:r>
-            <a:r>
-              <a:rPr lang="en-US" baseline="0" dirty="0" smtClean="0"/>
-              <a:t> </a:t>
-            </a:r>
-            <a:r>
-              <a:rPr lang="en-US" baseline="0" dirty="0" err="1" smtClean="0"/>
-              <a:t>tìm</a:t>
-            </a:r>
-            <a:r>
-              <a:rPr lang="en-US" baseline="0" dirty="0" smtClean="0"/>
-              <a:t> </a:t>
-            </a:r>
-            <a:r>
-              <a:rPr lang="en-US" baseline="0" dirty="0" err="1" smtClean="0"/>
-              <a:t>hiểu</a:t>
-            </a:r>
-            <a:r>
-              <a:rPr lang="en-US" baseline="0" dirty="0" smtClean="0"/>
-              <a:t> them</a:t>
-            </a:r>
-          </a:p>
-          <a:p>
-            <a:endParaRPr lang="en-US" baseline="0" dirty="0" smtClean="0"/>
-          </a:p>
-          <a:p>
             <a:endParaRPr lang="en-US" dirty="0"/>
           </a:p>
         </p:txBody>
@@ -8026,7 +6330,7 @@
           <a:p>
             <a:fld id="{A8DA89C0-4AE9-413F-B3DD-BF6BAA60D6E0}" type="slidenum">
               <a:rPr lang="en-US" smtClean="0"/>
-              <a:t>29</a:t>
+              <a:t>28</a:t>
             </a:fld>
             <a:endParaRPr lang="en-US"/>
           </a:p>
@@ -8035,7 +6339,7 @@
     </p:spTree>
     <p:extLst>
       <p:ext uri="{BB962C8B-B14F-4D97-AF65-F5344CB8AC3E}">
-        <p14:creationId xmlns:p14="http://schemas.microsoft.com/office/powerpoint/2010/main" val="2767312480"/>
+        <p14:creationId xmlns:p14="http://schemas.microsoft.com/office/powerpoint/2010/main" val="2087188451"/>
       </p:ext>
     </p:extLst>
   </p:cSld>
@@ -8089,177 +6393,6 @@
           <a:bodyPr/>
           <a:lstStyle/>
           <a:p>
-            <a:r>
-              <a:rPr lang="en-US" dirty="0" err="1" smtClean="0"/>
-              <a:t>Ví</a:t>
-            </a:r>
-            <a:r>
-              <a:rPr lang="en-US" baseline="0" dirty="0" smtClean="0"/>
-              <a:t> </a:t>
-            </a:r>
-            <a:r>
-              <a:rPr lang="en-US" baseline="0" dirty="0" err="1" smtClean="0"/>
-              <a:t>dụ</a:t>
-            </a:r>
-            <a:r>
-              <a:rPr lang="en-US" baseline="0" dirty="0" smtClean="0"/>
-              <a:t>  button </a:t>
-            </a:r>
-            <a:r>
-              <a:rPr lang="en-US" baseline="0" dirty="0" err="1" smtClean="0"/>
-              <a:t>cho</a:t>
-            </a:r>
-            <a:r>
-              <a:rPr lang="en-US" baseline="0" dirty="0" smtClean="0"/>
-              <a:t> </a:t>
-            </a:r>
-            <a:r>
-              <a:rPr lang="en-US" baseline="0" dirty="0" err="1" smtClean="0"/>
-              <a:t>dễ</a:t>
-            </a:r>
-            <a:r>
-              <a:rPr lang="en-US" baseline="0" dirty="0" smtClean="0"/>
-              <a:t> </a:t>
-            </a:r>
-            <a:r>
-              <a:rPr lang="en-US" baseline="0" dirty="0" err="1" smtClean="0"/>
-              <a:t>hiểu</a:t>
-            </a:r>
-            <a:endParaRPr lang="en-US" baseline="0" dirty="0" smtClean="0"/>
-          </a:p>
-          <a:p>
-            <a:r>
-              <a:rPr lang="en-US" sz="1200" b="0" i="0" kern="1200" dirty="0" smtClean="0">
-                <a:solidFill>
-                  <a:schemeClr val="tx1"/>
-                </a:solidFill>
-                <a:effectLst/>
-                <a:latin typeface="+mn-lt"/>
-                <a:ea typeface="+mn-ea"/>
-                <a:cs typeface="+mn-cs"/>
-              </a:rPr>
-              <a:t>To specify DOM to use for an element’s local DOM, use the </a:t>
-            </a:r>
-            <a:r>
-              <a:rPr lang="en-US" dirty="0" smtClean="0"/>
-              <a:t>&lt;</a:t>
-            </a:r>
-            <a:r>
-              <a:rPr lang="en-US" dirty="0" err="1" smtClean="0"/>
-              <a:t>dom</a:t>
-            </a:r>
-            <a:r>
-              <a:rPr lang="en-US" dirty="0" smtClean="0"/>
-              <a:t>-module&gt;</a:t>
-            </a:r>
-            <a:r>
-              <a:rPr lang="en-US" sz="1200" b="0" i="0" kern="1200" dirty="0" smtClean="0">
-                <a:solidFill>
-                  <a:schemeClr val="tx1"/>
-                </a:solidFill>
-                <a:effectLst/>
-                <a:latin typeface="+mn-lt"/>
-                <a:ea typeface="+mn-ea"/>
-                <a:cs typeface="+mn-cs"/>
-              </a:rPr>
-              <a:t> element. Give the </a:t>
-            </a:r>
-            <a:r>
-              <a:rPr lang="en-US" dirty="0" smtClean="0"/>
-              <a:t>&lt;</a:t>
-            </a:r>
-            <a:r>
-              <a:rPr lang="en-US" dirty="0" err="1" smtClean="0"/>
-              <a:t>dom</a:t>
-            </a:r>
-            <a:r>
-              <a:rPr lang="en-US" dirty="0" smtClean="0"/>
-              <a:t>-module&gt;</a:t>
-            </a:r>
-            <a:r>
-              <a:rPr lang="en-US" sz="1200" b="0" i="0" kern="1200" dirty="0" smtClean="0">
-                <a:solidFill>
-                  <a:schemeClr val="tx1"/>
-                </a:solidFill>
-                <a:effectLst/>
-                <a:latin typeface="+mn-lt"/>
-                <a:ea typeface="+mn-ea"/>
-                <a:cs typeface="+mn-cs"/>
-              </a:rPr>
-              <a:t>an </a:t>
-            </a:r>
-            <a:r>
-              <a:rPr lang="en-US" dirty="0" smtClean="0"/>
-              <a:t>id</a:t>
-            </a:r>
-            <a:r>
-              <a:rPr lang="en-US" sz="1200" b="0" i="0" kern="1200" dirty="0" smtClean="0">
-                <a:solidFill>
-                  <a:schemeClr val="tx1"/>
-                </a:solidFill>
-                <a:effectLst/>
-                <a:latin typeface="+mn-lt"/>
-                <a:ea typeface="+mn-ea"/>
-                <a:cs typeface="+mn-cs"/>
-              </a:rPr>
-              <a:t> attribute that matches its element’s </a:t>
-            </a:r>
-            <a:r>
-              <a:rPr lang="en-US" dirty="0" smtClean="0"/>
-              <a:t>is</a:t>
-            </a:r>
-            <a:r>
-              <a:rPr lang="en-US" sz="1200" b="0" i="0" kern="1200" dirty="0" smtClean="0">
-                <a:solidFill>
-                  <a:schemeClr val="tx1"/>
-                </a:solidFill>
-                <a:effectLst/>
-                <a:latin typeface="+mn-lt"/>
-                <a:ea typeface="+mn-ea"/>
-                <a:cs typeface="+mn-cs"/>
-              </a:rPr>
-              <a:t> property and put a </a:t>
-            </a:r>
-            <a:r>
-              <a:rPr lang="en-US" dirty="0" smtClean="0"/>
-              <a:t>&lt;template&gt;</a:t>
-            </a:r>
-            <a:r>
-              <a:rPr lang="en-US" sz="1200" b="0" i="0" kern="1200" dirty="0" smtClean="0">
-                <a:solidFill>
-                  <a:schemeClr val="tx1"/>
-                </a:solidFill>
-                <a:effectLst/>
-                <a:latin typeface="+mn-lt"/>
-                <a:ea typeface="+mn-ea"/>
-                <a:cs typeface="+mn-cs"/>
-              </a:rPr>
-              <a:t> inside the </a:t>
-            </a:r>
-            <a:r>
-              <a:rPr lang="en-US" dirty="0" smtClean="0"/>
-              <a:t>&lt;</a:t>
-            </a:r>
-            <a:r>
-              <a:rPr lang="en-US" dirty="0" err="1" smtClean="0"/>
-              <a:t>dom</a:t>
-            </a:r>
-            <a:r>
-              <a:rPr lang="en-US" dirty="0" smtClean="0"/>
-              <a:t>-module&gt;</a:t>
-            </a:r>
-            <a:r>
-              <a:rPr lang="en-US" sz="1200" b="0" i="0" kern="1200" dirty="0" smtClean="0">
-                <a:solidFill>
-                  <a:schemeClr val="tx1"/>
-                </a:solidFill>
-                <a:effectLst/>
-                <a:latin typeface="+mn-lt"/>
-                <a:ea typeface="+mn-ea"/>
-                <a:cs typeface="+mn-cs"/>
-              </a:rPr>
-              <a:t>. Polymer will automatically clone this template’s contents into the element’s local DOM.</a:t>
-            </a:r>
             <a:endParaRPr lang="en-US" dirty="0"/>
           </a:p>
         </p:txBody>
@@ -8281,7 +6414,7 @@
           <a:p>
             <a:fld id="{A8DA89C0-4AE9-413F-B3DD-BF6BAA60D6E0}" type="slidenum">
               <a:rPr lang="en-US" smtClean="0"/>
-              <a:t>30</a:t>
+              <a:t>29</a:t>
             </a:fld>
             <a:endParaRPr lang="en-US"/>
           </a:p>
@@ -8290,7 +6423,7 @@
     </p:spTree>
     <p:extLst>
       <p:ext uri="{BB962C8B-B14F-4D97-AF65-F5344CB8AC3E}">
-        <p14:creationId xmlns:p14="http://schemas.microsoft.com/office/powerpoint/2010/main" val="1816167142"/>
+        <p14:creationId xmlns:p14="http://schemas.microsoft.com/office/powerpoint/2010/main" val="2767312480"/>
       </p:ext>
     </p:extLst>
   </p:cSld>
@@ -8344,14 +6477,6 @@
           <a:bodyPr/>
           <a:lstStyle/>
           <a:p>
-            <a:r>
-              <a:rPr lang="en-US" dirty="0" smtClean="0"/>
-              <a:t>Import</a:t>
-            </a:r>
-            <a:r>
-              <a:rPr lang="en-US" baseline="0" dirty="0" smtClean="0"/>
-              <a:t> html</a:t>
-            </a:r>
             <a:endParaRPr lang="en-US" dirty="0"/>
           </a:p>
         </p:txBody>
@@ -8373,7 +6498,7 @@
           <a:p>
             <a:fld id="{A8DA89C0-4AE9-413F-B3DD-BF6BAA60D6E0}" type="slidenum">
               <a:rPr lang="en-US" smtClean="0"/>
-              <a:t>31</a:t>
+              <a:t>30</a:t>
             </a:fld>
             <a:endParaRPr lang="en-US"/>
           </a:p>
@@ -8382,7 +6507,7 @@
     </p:spTree>
     <p:extLst>
       <p:ext uri="{BB962C8B-B14F-4D97-AF65-F5344CB8AC3E}">
-        <p14:creationId xmlns:p14="http://schemas.microsoft.com/office/powerpoint/2010/main" val="742764995"/>
+        <p14:creationId xmlns:p14="http://schemas.microsoft.com/office/powerpoint/2010/main" val="1816167142"/>
       </p:ext>
     </p:extLst>
   </p:cSld>
@@ -8465,7 +6590,7 @@
           <a:p>
             <a:fld id="{A8DA89C0-4AE9-413F-B3DD-BF6BAA60D6E0}" type="slidenum">
               <a:rPr lang="en-US" smtClean="0"/>
-              <a:t>32</a:t>
+              <a:t>31</a:t>
             </a:fld>
             <a:endParaRPr lang="en-US"/>
           </a:p>
@@ -8474,7 +6599,7 @@
     </p:spTree>
     <p:extLst>
       <p:ext uri="{BB962C8B-B14F-4D97-AF65-F5344CB8AC3E}">
-        <p14:creationId xmlns:p14="http://schemas.microsoft.com/office/powerpoint/2010/main" val="1827367971"/>
+        <p14:creationId xmlns:p14="http://schemas.microsoft.com/office/powerpoint/2010/main" val="742764995"/>
       </p:ext>
     </p:extLst>
   </p:cSld>
@@ -8620,132 +6745,6 @@
               <a:rPr lang="en-US" baseline="0" dirty="0" smtClean="0"/>
               <a:t> html</a:t>
             </a:r>
-          </a:p>
-          <a:p>
-            <a:endParaRPr lang="en-US" baseline="0" dirty="0" smtClean="0"/>
-          </a:p>
-          <a:p>
-            <a:r>
-              <a:rPr lang="en-US" sz="1200" b="1" i="0" kern="1200" dirty="0" smtClean="0">
-                <a:solidFill>
-                  <a:schemeClr val="tx1"/>
-                </a:solidFill>
-                <a:effectLst/>
-                <a:latin typeface="+mn-lt"/>
-                <a:ea typeface="+mn-ea"/>
-                <a:cs typeface="+mn-cs"/>
-              </a:rPr>
-              <a:t>Custom elements</a:t>
-            </a:r>
-            <a:r>
-              <a:rPr lang="en-US" sz="1200" b="0" i="0" kern="1200" dirty="0" smtClean="0">
-                <a:solidFill>
-                  <a:schemeClr val="tx1"/>
-                </a:solidFill>
-                <a:effectLst/>
-                <a:latin typeface="+mn-lt"/>
-                <a:ea typeface="+mn-ea"/>
-                <a:cs typeface="+mn-cs"/>
-              </a:rPr>
-              <a:t> let you define new </a:t>
-            </a:r>
-            <a:r>
-              <a:rPr lang="en-US" sz="1200" b="0" i="0" kern="1200" dirty="0" err="1" smtClean="0">
-                <a:solidFill>
-                  <a:schemeClr val="tx1"/>
-                </a:solidFill>
-                <a:effectLst/>
-                <a:latin typeface="+mn-lt"/>
-                <a:ea typeface="+mn-ea"/>
-                <a:cs typeface="+mn-cs"/>
-                <a:hlinkClick r:id="rId3"/>
-              </a:rPr>
-              <a:t>HTMLElements</a:t>
-            </a:r>
-            <a:r>
-              <a:rPr lang="en-US" sz="1200" b="0" i="0" kern="1200" dirty="0" smtClean="0">
-                <a:solidFill>
-                  <a:schemeClr val="tx1"/>
-                </a:solidFill>
-                <a:effectLst/>
-                <a:latin typeface="+mn-lt"/>
-                <a:ea typeface="+mn-ea"/>
-                <a:cs typeface="+mn-cs"/>
-              </a:rPr>
-              <a:t>, i.e. creating new tags. Custom elements leverage </a:t>
-            </a:r>
-            <a:r>
-              <a:rPr lang="en-US" sz="1200" b="1" i="0" kern="1200" dirty="0" smtClean="0">
-                <a:solidFill>
-                  <a:schemeClr val="tx1"/>
-                </a:solidFill>
-                <a:effectLst/>
-                <a:latin typeface="+mn-lt"/>
-                <a:ea typeface="+mn-ea"/>
-                <a:cs typeface="+mn-cs"/>
-              </a:rPr>
-              <a:t>templates</a:t>
-            </a:r>
-            <a:r>
-              <a:rPr lang="en-US" sz="1200" b="0" i="0" kern="1200" dirty="0" smtClean="0">
-                <a:solidFill>
-                  <a:schemeClr val="tx1"/>
-                </a:solidFill>
-                <a:effectLst/>
-                <a:latin typeface="+mn-lt"/>
-                <a:ea typeface="+mn-ea"/>
-                <a:cs typeface="+mn-cs"/>
-              </a:rPr>
-              <a:t> and </a:t>
-            </a:r>
-            <a:r>
-              <a:rPr lang="en-US" sz="1200" b="1" i="0" kern="1200" dirty="0" smtClean="0">
-                <a:solidFill>
-                  <a:schemeClr val="tx1"/>
-                </a:solidFill>
-                <a:effectLst/>
-                <a:latin typeface="+mn-lt"/>
-                <a:ea typeface="+mn-ea"/>
-                <a:cs typeface="+mn-cs"/>
-              </a:rPr>
-              <a:t>shadow DOM</a:t>
-            </a:r>
-            <a:r>
-              <a:rPr lang="en-US" sz="1200" b="0" i="0" kern="1200" dirty="0" smtClean="0">
-                <a:solidFill>
-                  <a:schemeClr val="tx1"/>
-                </a:solidFill>
-                <a:effectLst/>
-                <a:latin typeface="+mn-lt"/>
-                <a:ea typeface="+mn-ea"/>
-                <a:cs typeface="+mn-cs"/>
-              </a:rPr>
-              <a:t> to encapsulate their markup and styles, and often are loaded into an application via </a:t>
-            </a:r>
-            <a:r>
-              <a:rPr lang="en-US" sz="1200" b="1" i="0" kern="1200" dirty="0" smtClean="0">
-                <a:solidFill>
-                  <a:schemeClr val="tx1"/>
-                </a:solidFill>
-                <a:effectLst/>
-                <a:latin typeface="+mn-lt"/>
-                <a:ea typeface="+mn-ea"/>
-                <a:cs typeface="+mn-cs"/>
-              </a:rPr>
-              <a:t>HTML imports</a:t>
-            </a:r>
-            <a:r>
-              <a:rPr lang="en-US" sz="1200" b="0" i="0" kern="1200" dirty="0" smtClean="0">
-                <a:solidFill>
-                  <a:schemeClr val="tx1"/>
-                </a:solidFill>
-                <a:effectLst/>
-                <a:latin typeface="+mn-lt"/>
-                <a:ea typeface="+mn-ea"/>
-                <a:cs typeface="+mn-cs"/>
-              </a:rPr>
-              <a:t>.</a:t>
-            </a:r>
             <a:endParaRPr lang="en-US" dirty="0"/>
           </a:p>
         </p:txBody>
@@ -8767,7 +6766,7 @@
           <a:p>
             <a:fld id="{A8DA89C0-4AE9-413F-B3DD-BF6BAA60D6E0}" type="slidenum">
               <a:rPr lang="en-US" smtClean="0"/>
-              <a:t>33</a:t>
+              <a:t>32</a:t>
             </a:fld>
             <a:endParaRPr lang="en-US"/>
           </a:p>
@@ -8776,7 +6775,7 @@
     </p:spTree>
     <p:extLst>
       <p:ext uri="{BB962C8B-B14F-4D97-AF65-F5344CB8AC3E}">
-        <p14:creationId xmlns:p14="http://schemas.microsoft.com/office/powerpoint/2010/main" val="3883049527"/>
+        <p14:creationId xmlns:p14="http://schemas.microsoft.com/office/powerpoint/2010/main" val="1827367971"/>
       </p:ext>
     </p:extLst>
   </p:cSld>
@@ -8830,14 +6829,6 @@
           <a:bodyPr/>
           <a:lstStyle/>
           <a:p>
-            <a:r>
-              <a:rPr lang="en-US" dirty="0" smtClean="0"/>
-              <a:t>Import</a:t>
-            </a:r>
-            <a:r>
-              <a:rPr lang="en-US" baseline="0" dirty="0" smtClean="0"/>
-              <a:t> html</a:t>
-            </a:r>
             <a:endParaRPr lang="en-US" dirty="0"/>
           </a:p>
         </p:txBody>
@@ -8859,7 +6850,7 @@
           <a:p>
             <a:fld id="{A8DA89C0-4AE9-413F-B3DD-BF6BAA60D6E0}" type="slidenum">
               <a:rPr lang="en-US" smtClean="0"/>
-              <a:t>34</a:t>
+              <a:t>33</a:t>
             </a:fld>
             <a:endParaRPr lang="en-US"/>
           </a:p>
@@ -8868,7 +6859,7 @@
     </p:spTree>
     <p:extLst>
       <p:ext uri="{BB962C8B-B14F-4D97-AF65-F5344CB8AC3E}">
-        <p14:creationId xmlns:p14="http://schemas.microsoft.com/office/powerpoint/2010/main" val="3899364848"/>
+        <p14:creationId xmlns:p14="http://schemas.microsoft.com/office/powerpoint/2010/main" val="3883049527"/>
       </p:ext>
     </p:extLst>
   </p:cSld>
@@ -8951,7 +6942,7 @@
           <a:p>
             <a:fld id="{A8DA89C0-4AE9-413F-B3DD-BF6BAA60D6E0}" type="slidenum">
               <a:rPr lang="en-US" smtClean="0"/>
-              <a:t>35</a:t>
+              <a:t>34</a:t>
             </a:fld>
             <a:endParaRPr lang="en-US"/>
           </a:p>
@@ -8960,7 +6951,7 @@
     </p:spTree>
     <p:extLst>
       <p:ext uri="{BB962C8B-B14F-4D97-AF65-F5344CB8AC3E}">
-        <p14:creationId xmlns:p14="http://schemas.microsoft.com/office/powerpoint/2010/main" val="1951514887"/>
+        <p14:creationId xmlns:p14="http://schemas.microsoft.com/office/powerpoint/2010/main" val="3899364848"/>
       </p:ext>
     </p:extLst>
   </p:cSld>
@@ -9014,6 +7005,84 @@
           <a:bodyPr/>
           <a:lstStyle/>
           <a:p>
+            <a:r>
+              <a:rPr lang="en-US" dirty="0" smtClean="0"/>
+              <a:t>Import</a:t>
+            </a:r>
+            <a:r>
+              <a:rPr lang="en-US" baseline="0" dirty="0" smtClean="0"/>
+              <a:t> html</a:t>
+            </a:r>
+          </a:p>
+          <a:p>
+            <a:pPr fontAlgn="t"/>
+            <a:r>
+              <a:rPr lang="en-US" sz="1200" kern="1200" dirty="0" smtClean="0">
+                <a:solidFill>
+                  <a:schemeClr val="tx1"/>
+                </a:solidFill>
+                <a:effectLst/>
+                <a:latin typeface="+mn-lt"/>
+                <a:ea typeface="+mn-ea"/>
+                <a:cs typeface="+mn-cs"/>
+              </a:rPr>
+              <a:t/>
+            </a:r>
+            <a:br>
+              <a:rPr lang="en-US" sz="1200" kern="1200" dirty="0" smtClean="0">
+                <a:solidFill>
+                  <a:schemeClr val="tx1"/>
+                </a:solidFill>
+                <a:effectLst/>
+                <a:latin typeface="+mn-lt"/>
+                <a:ea typeface="+mn-ea"/>
+                <a:cs typeface="+mn-cs"/>
+              </a:rPr>
+            </a:br>
+            <a:r>
+              <a:rPr lang="en-US" dirty="0" smtClean="0">
+                <a:effectLst/>
+              </a:rPr>
+              <a:t>A </a:t>
+            </a:r>
+            <a:r>
+              <a:rPr lang="en-US" dirty="0" err="1" smtClean="0">
+                <a:effectLst/>
+              </a:rPr>
+              <a:t>polyfill</a:t>
+            </a:r>
+            <a:r>
+              <a:rPr lang="en-US" dirty="0" smtClean="0">
+                <a:effectLst/>
+              </a:rPr>
+              <a:t> is a browser fallback, made in </a:t>
+            </a:r>
+            <a:r>
+              <a:rPr lang="en-US" dirty="0" err="1" smtClean="0">
+                <a:effectLst/>
+              </a:rPr>
+              <a:t>javascript</a:t>
+            </a:r>
+            <a:r>
+              <a:rPr lang="en-US" dirty="0" smtClean="0">
+                <a:effectLst/>
+              </a:rPr>
+              <a:t>, that allows functionality you expect to work in modern browsers to work in older browsers. </a:t>
+            </a:r>
+            <a:r>
+              <a:rPr lang="en-US" dirty="0" err="1" smtClean="0">
+                <a:effectLst/>
+              </a:rPr>
+              <a:t>Ie</a:t>
+            </a:r>
+            <a:r>
+              <a:rPr lang="en-US" dirty="0" smtClean="0">
+                <a:effectLst/>
+              </a:rPr>
+              <a:t> to support canvas (an html5 feature) in older browsers.</a:t>
+            </a:r>
+          </a:p>
+          <a:p>
             <a:endParaRPr lang="en-US" dirty="0"/>
           </a:p>
         </p:txBody>
@@ -9035,7 +7104,7 @@
           <a:p>
             <a:fld id="{A8DA89C0-4AE9-413F-B3DD-BF6BAA60D6E0}" type="slidenum">
               <a:rPr lang="en-US" smtClean="0"/>
-              <a:t>36</a:t>
+              <a:t>35</a:t>
             </a:fld>
             <a:endParaRPr lang="en-US"/>
           </a:p>
@@ -9044,7 +7113,7 @@
     </p:spTree>
     <p:extLst>
       <p:ext uri="{BB962C8B-B14F-4D97-AF65-F5344CB8AC3E}">
-        <p14:creationId xmlns:p14="http://schemas.microsoft.com/office/powerpoint/2010/main" val="625165307"/>
+        <p14:creationId xmlns:p14="http://schemas.microsoft.com/office/powerpoint/2010/main" val="1951514887"/>
       </p:ext>
     </p:extLst>
   </p:cSld>
@@ -9119,7 +7188,7 @@
           <a:p>
             <a:fld id="{A8DA89C0-4AE9-413F-B3DD-BF6BAA60D6E0}" type="slidenum">
               <a:rPr lang="en-US" smtClean="0"/>
-              <a:t>37</a:t>
+              <a:t>36</a:t>
             </a:fld>
             <a:endParaRPr lang="en-US"/>
           </a:p>
@@ -9128,7 +7197,7 @@
     </p:spTree>
     <p:extLst>
       <p:ext uri="{BB962C8B-B14F-4D97-AF65-F5344CB8AC3E}">
-        <p14:creationId xmlns:p14="http://schemas.microsoft.com/office/powerpoint/2010/main" val="929600801"/>
+        <p14:creationId xmlns:p14="http://schemas.microsoft.com/office/powerpoint/2010/main" val="625165307"/>
       </p:ext>
     </p:extLst>
   </p:cSld>
@@ -9203,7 +7272,7 @@
           <a:p>
             <a:fld id="{A8DA89C0-4AE9-413F-B3DD-BF6BAA60D6E0}" type="slidenum">
               <a:rPr lang="en-US" smtClean="0"/>
-              <a:t>38</a:t>
+              <a:t>37</a:t>
             </a:fld>
             <a:endParaRPr lang="en-US"/>
           </a:p>
@@ -9212,7 +7281,7 @@
     </p:spTree>
     <p:extLst>
       <p:ext uri="{BB962C8B-B14F-4D97-AF65-F5344CB8AC3E}">
-        <p14:creationId xmlns:p14="http://schemas.microsoft.com/office/powerpoint/2010/main" val="1559141117"/>
+        <p14:creationId xmlns:p14="http://schemas.microsoft.com/office/powerpoint/2010/main" val="929600801"/>
       </p:ext>
     </p:extLst>
   </p:cSld>
@@ -9287,7 +7356,7 @@
           <a:p>
             <a:fld id="{A8DA89C0-4AE9-413F-B3DD-BF6BAA60D6E0}" type="slidenum">
               <a:rPr lang="en-US" smtClean="0"/>
-              <a:t>39</a:t>
+              <a:t>38</a:t>
             </a:fld>
             <a:endParaRPr lang="en-US"/>
           </a:p>
@@ -9296,7 +7365,7 @@
     </p:spTree>
     <p:extLst>
       <p:ext uri="{BB962C8B-B14F-4D97-AF65-F5344CB8AC3E}">
-        <p14:creationId xmlns:p14="http://schemas.microsoft.com/office/powerpoint/2010/main" val="1722027991"/>
+        <p14:creationId xmlns:p14="http://schemas.microsoft.com/office/powerpoint/2010/main" val="1559141117"/>
       </p:ext>
     </p:extLst>
   </p:cSld>
@@ -9371,7 +7440,7 @@
           <a:p>
             <a:fld id="{A8DA89C0-4AE9-413F-B3DD-BF6BAA60D6E0}" type="slidenum">
               <a:rPr lang="en-US" smtClean="0"/>
-              <a:t>40</a:t>
+              <a:t>39</a:t>
             </a:fld>
             <a:endParaRPr lang="en-US"/>
           </a:p>
@@ -9380,7 +7449,7 @@
     </p:spTree>
     <p:extLst>
       <p:ext uri="{BB962C8B-B14F-4D97-AF65-F5344CB8AC3E}">
-        <p14:creationId xmlns:p14="http://schemas.microsoft.com/office/powerpoint/2010/main" val="3509717245"/>
+        <p14:creationId xmlns:p14="http://schemas.microsoft.com/office/powerpoint/2010/main" val="1722027991"/>
       </p:ext>
     </p:extLst>
   </p:cSld>
@@ -9434,99 +7503,6 @@
           <a:bodyPr/>
           <a:lstStyle/>
           <a:p>
-            <a:pPr marL="0" marR="0" indent="0" algn="l" defTabSz="914400" rtl="0" eaLnBrk="1" fontAlgn="auto" latinLnBrk="0" hangingPunct="1">
-              <a:lnSpc>
-                <a:spcPct val="100000"/>
-              </a:lnSpc>
-              <a:spcBef>
-                <a:spcPts val="0"/>
-              </a:spcBef>
-              <a:spcAft>
-                <a:spcPts val="0"/>
-              </a:spcAft>
-              <a:buClrTx/>
-              <a:buSzTx/>
-              <a:buFontTx/>
-              <a:buNone/>
-              <a:tabLst/>
-              <a:defRPr/>
-            </a:pPr>
-            <a:r>
-              <a:rPr lang="en-US" sz="1200" b="0" i="0" kern="1200" dirty="0" smtClean="0">
-                <a:solidFill>
-                  <a:schemeClr val="tx1"/>
-                </a:solidFill>
-                <a:effectLst/>
-                <a:latin typeface="+mn-lt"/>
-                <a:ea typeface="+mn-ea"/>
-                <a:cs typeface="+mn-cs"/>
-              </a:rPr>
-              <a:t>Responsive app layout boilerplate</a:t>
-            </a:r>
-          </a:p>
-          <a:p>
-            <a:pPr marL="0" marR="0" indent="0" algn="l" defTabSz="914400" rtl="0" eaLnBrk="1" fontAlgn="auto" latinLnBrk="0" hangingPunct="1">
-              <a:lnSpc>
-                <a:spcPct val="100000"/>
-              </a:lnSpc>
-              <a:spcBef>
-                <a:spcPts val="0"/>
-              </a:spcBef>
-              <a:spcAft>
-                <a:spcPts val="0"/>
-              </a:spcAft>
-              <a:buClrTx/>
-              <a:buSzTx/>
-              <a:buFontTx/>
-              <a:buNone/>
-              <a:tabLst/>
-              <a:defRPr/>
-            </a:pPr>
-            <a:r>
-              <a:rPr lang="en-US" sz="1200" b="0" i="0" kern="1200" dirty="0" smtClean="0">
-                <a:solidFill>
-                  <a:schemeClr val="tx1"/>
-                </a:solidFill>
-                <a:effectLst/>
-                <a:latin typeface="+mn-lt"/>
-                <a:ea typeface="+mn-ea"/>
-                <a:cs typeface="+mn-cs"/>
-              </a:rPr>
-              <a:t>Components for nearly any app, out of the box</a:t>
-            </a:r>
-          </a:p>
-          <a:p>
-            <a:pPr marL="0" marR="0" indent="0" algn="l" defTabSz="914400" rtl="0" eaLnBrk="1" fontAlgn="auto" latinLnBrk="0" hangingPunct="1">
-              <a:lnSpc>
-                <a:spcPct val="100000"/>
-              </a:lnSpc>
-              <a:spcBef>
-                <a:spcPts val="0"/>
-              </a:spcBef>
-              <a:spcAft>
-                <a:spcPts val="0"/>
-              </a:spcAft>
-              <a:buClrTx/>
-              <a:buSzTx/>
-              <a:buFontTx/>
-              <a:buNone/>
-              <a:tabLst/>
-              <a:defRPr/>
-            </a:pPr>
-            <a:r>
-              <a:rPr lang="en-US" sz="1200" b="0" i="0" kern="1200" dirty="0" smtClean="0">
-                <a:solidFill>
-                  <a:schemeClr val="tx1"/>
-                </a:solidFill>
-                <a:effectLst/>
-                <a:latin typeface="+mn-lt"/>
-                <a:ea typeface="+mn-ea"/>
-                <a:cs typeface="+mn-cs"/>
-              </a:rPr>
-              <a:t>Material design ready</a:t>
-            </a:r>
-          </a:p>
-          <a:p>
             <a:endParaRPr lang="en-US" dirty="0"/>
           </a:p>
         </p:txBody>
@@ -9548,7 +7524,7 @@
           <a:p>
             <a:fld id="{A8DA89C0-4AE9-413F-B3DD-BF6BAA60D6E0}" type="slidenum">
               <a:rPr lang="en-US" smtClean="0"/>
-              <a:t>41</a:t>
+              <a:t>40</a:t>
             </a:fld>
             <a:endParaRPr lang="en-US"/>
           </a:p>
@@ -9557,7 +7533,7 @@
     </p:spTree>
     <p:extLst>
       <p:ext uri="{BB962C8B-B14F-4D97-AF65-F5344CB8AC3E}">
-        <p14:creationId xmlns:p14="http://schemas.microsoft.com/office/powerpoint/2010/main" val="3870110262"/>
+        <p14:creationId xmlns:p14="http://schemas.microsoft.com/office/powerpoint/2010/main" val="3509717245"/>
       </p:ext>
     </p:extLst>
   </p:cSld>
@@ -9632,7 +7608,7 @@
           <a:p>
             <a:fld id="{A8DA89C0-4AE9-413F-B3DD-BF6BAA60D6E0}" type="slidenum">
               <a:rPr lang="en-US" smtClean="0"/>
-              <a:t>42</a:t>
+              <a:t>41</a:t>
             </a:fld>
             <a:endParaRPr lang="en-US"/>
           </a:p>
@@ -9641,7 +7617,7 @@
     </p:spTree>
     <p:extLst>
       <p:ext uri="{BB962C8B-B14F-4D97-AF65-F5344CB8AC3E}">
-        <p14:creationId xmlns:p14="http://schemas.microsoft.com/office/powerpoint/2010/main" val="2825263298"/>
+        <p14:creationId xmlns:p14="http://schemas.microsoft.com/office/powerpoint/2010/main" val="3870110262"/>
       </p:ext>
     </p:extLst>
   </p:cSld>
@@ -9725,7 +7701,91 @@
     </p:spTree>
     <p:extLst>
       <p:ext uri="{BB962C8B-B14F-4D97-AF65-F5344CB8AC3E}">
-        <p14:creationId xmlns:p14="http://schemas.microsoft.com/office/powerpoint/2010/main" val="1786549769"/>
+        <p14:creationId xmlns:p14="http://schemas.microsoft.com/office/powerpoint/2010/main" val="1856354584"/>
+      </p:ext>
+    </p:extLst>
+  </p:cSld>
+  <p:clrMapOvr>
+    <a:masterClrMapping/>
+  </p:clrMapOvr>
+</p:notes>
+</file>
+
+<file path=ppt/notesSlides/notesSlide40.xml><?xml version="1.0" encoding="utf-8"?>
+<p:notes xmlns:a="http://schemas.openxmlformats.org/drawingml/2006/main" xmlns:r="http://schemas.openxmlformats.org/officeDocument/2006/relationships" xmlns:p="http://schemas.openxmlformats.org/presentationml/2006/main">
+  <p:cSld>
+    <p:spTree>
+      <p:nvGrpSpPr>
+        <p:cNvPr id="1" name=""/>
+        <p:cNvGrpSpPr/>
+        <p:nvPr/>
+      </p:nvGrpSpPr>
+      <p:grpSpPr>
+        <a:xfrm>
+          <a:off x="0" y="0"/>
+          <a:ext cx="0" cy="0"/>
+          <a:chOff x="0" y="0"/>
+          <a:chExt cx="0" cy="0"/>
+        </a:xfrm>
+      </p:grpSpPr>
+      <p:sp>
+        <p:nvSpPr>
+          <p:cNvPr id="2" name="Slide Image Placeholder 1"/>
+          <p:cNvSpPr>
+            <a:spLocks noGrp="1" noRot="1" noChangeAspect="1"/>
+          </p:cNvSpPr>
+          <p:nvPr>
+            <p:ph type="sldImg"/>
+          </p:nvPr>
+        </p:nvSpPr>
+        <p:spPr/>
+      </p:sp>
+      <p:sp>
+        <p:nvSpPr>
+          <p:cNvPr id="3" name="Notes Placeholder 2"/>
+          <p:cNvSpPr>
+            <a:spLocks noGrp="1"/>
+          </p:cNvSpPr>
+          <p:nvPr>
+            <p:ph type="body" idx="1"/>
+          </p:nvPr>
+        </p:nvSpPr>
+        <p:spPr/>
+        <p:txBody>
+          <a:bodyPr/>
+          <a:lstStyle/>
+          <a:p>
+            <a:endParaRPr lang="en-US" dirty="0"/>
+          </a:p>
+        </p:txBody>
+      </p:sp>
+      <p:sp>
+        <p:nvSpPr>
+          <p:cNvPr id="4" name="Slide Number Placeholder 3"/>
+          <p:cNvSpPr>
+            <a:spLocks noGrp="1"/>
+          </p:cNvSpPr>
+          <p:nvPr>
+            <p:ph type="sldNum" sz="quarter" idx="10"/>
+          </p:nvPr>
+        </p:nvSpPr>
+        <p:spPr/>
+        <p:txBody>
+          <a:bodyPr/>
+          <a:lstStyle/>
+          <a:p>
+            <a:fld id="{A8DA89C0-4AE9-413F-B3DD-BF6BAA60D6E0}" type="slidenum">
+              <a:rPr lang="en-US" smtClean="0"/>
+              <a:t>42</a:t>
+            </a:fld>
+            <a:endParaRPr lang="en-US"/>
+          </a:p>
+        </p:txBody>
+      </p:sp>
+    </p:spTree>
+    <p:extLst>
+      <p:ext uri="{BB962C8B-B14F-4D97-AF65-F5344CB8AC3E}">
+        <p14:creationId xmlns:p14="http://schemas.microsoft.com/office/powerpoint/2010/main" val="2825263298"/>
       </p:ext>
     </p:extLst>
   </p:cSld>
@@ -9779,164 +7839,6 @@
           <a:bodyPr/>
           <a:lstStyle/>
           <a:p>
-            <a:r>
-              <a:rPr lang="en-US" dirty="0" smtClean="0"/>
-              <a:t>+ item</a:t>
-            </a:r>
-            <a:r>
-              <a:rPr lang="en-US" baseline="0" dirty="0" smtClean="0"/>
-              <a:t> </a:t>
-            </a:r>
-            <a:r>
-              <a:rPr lang="en-US" baseline="0" dirty="0" err="1" smtClean="0"/>
-              <a:t>sua</a:t>
-            </a:r>
-            <a:r>
-              <a:rPr lang="en-US" baseline="0" dirty="0" smtClean="0"/>
-              <a:t> mot  </a:t>
-            </a:r>
-            <a:r>
-              <a:rPr lang="en-US" baseline="0" dirty="0" err="1" smtClean="0"/>
-              <a:t>lan</a:t>
-            </a:r>
-            <a:r>
-              <a:rPr lang="en-US" baseline="0" dirty="0" smtClean="0"/>
-              <a:t> </a:t>
-            </a:r>
-            <a:r>
-              <a:rPr lang="en-US" baseline="0" dirty="0" err="1" smtClean="0"/>
-              <a:t>anh</a:t>
-            </a:r>
-            <a:r>
-              <a:rPr lang="en-US" baseline="0" dirty="0" smtClean="0"/>
-              <a:t> </a:t>
-            </a:r>
-            <a:r>
-              <a:rPr lang="en-US" baseline="0" dirty="0" err="1" smtClean="0"/>
-              <a:t>huong</a:t>
-            </a:r>
-            <a:r>
-              <a:rPr lang="en-US" baseline="0" dirty="0" smtClean="0"/>
-              <a:t> tat </a:t>
-            </a:r>
-            <a:r>
-              <a:rPr lang="en-US" baseline="0" dirty="0" err="1" smtClean="0"/>
-              <a:t>ca</a:t>
-            </a:r>
-            <a:r>
-              <a:rPr lang="en-US" baseline="0" dirty="0" smtClean="0"/>
-              <a:t> </a:t>
-            </a:r>
-            <a:r>
-              <a:rPr lang="en-US" baseline="0" dirty="0" err="1" smtClean="0"/>
-              <a:t>cac</a:t>
-            </a:r>
-            <a:r>
-              <a:rPr lang="en-US" baseline="0" dirty="0" smtClean="0"/>
-              <a:t> </a:t>
-            </a:r>
-            <a:r>
-              <a:rPr lang="en-US" baseline="0" dirty="0" err="1" smtClean="0"/>
-              <a:t>trang</a:t>
-            </a:r>
-            <a:r>
-              <a:rPr lang="en-US" baseline="0" dirty="0" smtClean="0"/>
-              <a:t> </a:t>
-            </a:r>
-            <a:r>
-              <a:rPr lang="en-US" baseline="0" dirty="0" err="1" smtClean="0"/>
-              <a:t>trong</a:t>
-            </a:r>
-            <a:r>
-              <a:rPr lang="en-US" baseline="0" dirty="0" smtClean="0"/>
-              <a:t> web site </a:t>
-            </a:r>
-            <a:r>
-              <a:rPr lang="en-US" baseline="0" dirty="0" err="1" smtClean="0"/>
-              <a:t>va</a:t>
-            </a:r>
-            <a:r>
-              <a:rPr lang="en-US" baseline="0" dirty="0" smtClean="0"/>
-              <a:t> </a:t>
-            </a:r>
-            <a:r>
-              <a:rPr lang="en-US" baseline="0" dirty="0" err="1" smtClean="0"/>
-              <a:t>tham</a:t>
-            </a:r>
-            <a:r>
-              <a:rPr lang="en-US" baseline="0" dirty="0" smtClean="0"/>
-              <a:t> chi </a:t>
-            </a:r>
-            <a:r>
-              <a:rPr lang="en-US" baseline="0" dirty="0" err="1" smtClean="0"/>
-              <a:t>dua</a:t>
-            </a:r>
-            <a:r>
-              <a:rPr lang="en-US" baseline="0" dirty="0" smtClean="0"/>
-              <a:t> </a:t>
-            </a:r>
-            <a:r>
-              <a:rPr lang="en-US" baseline="0" dirty="0" err="1" smtClean="0"/>
-              <a:t>cai</a:t>
-            </a:r>
-            <a:r>
-              <a:rPr lang="en-US" baseline="0" dirty="0" smtClean="0"/>
-              <a:t> item nay </a:t>
-            </a:r>
-            <a:r>
-              <a:rPr lang="en-US" baseline="0" dirty="0" err="1" smtClean="0"/>
-              <a:t>len</a:t>
-            </a:r>
-            <a:r>
-              <a:rPr lang="en-US" baseline="0" dirty="0" smtClean="0"/>
-              <a:t>  </a:t>
-            </a:r>
-            <a:r>
-              <a:rPr lang="en-US" baseline="0" dirty="0" err="1" smtClean="0"/>
-              <a:t>mang</a:t>
-            </a:r>
-            <a:r>
-              <a:rPr lang="en-US" baseline="0" dirty="0" smtClean="0"/>
-              <a:t>, app </a:t>
-            </a:r>
-            <a:r>
-              <a:rPr lang="en-US" baseline="0" dirty="0" err="1" smtClean="0"/>
-              <a:t>khac</a:t>
-            </a:r>
-            <a:r>
-              <a:rPr lang="en-US" baseline="0" dirty="0" smtClean="0"/>
-              <a:t> van </a:t>
-            </a:r>
-            <a:r>
-              <a:rPr lang="en-US" baseline="0" dirty="0" err="1" smtClean="0"/>
-              <a:t>su</a:t>
-            </a:r>
-            <a:r>
-              <a:rPr lang="en-US" baseline="0" dirty="0" smtClean="0"/>
-              <a:t> dung dc.</a:t>
-            </a:r>
-          </a:p>
-          <a:p>
-            <a:r>
-              <a:rPr lang="en-US" baseline="0" dirty="0" smtClean="0"/>
-              <a:t>+ item going </a:t>
-            </a:r>
-            <a:r>
-              <a:rPr lang="en-US" baseline="0" dirty="0" err="1" smtClean="0"/>
-              <a:t>nhau</a:t>
-            </a:r>
-            <a:r>
-              <a:rPr lang="en-US" baseline="0" dirty="0" smtClean="0"/>
-              <a:t> </a:t>
-            </a:r>
-            <a:r>
-              <a:rPr lang="en-US" baseline="0" dirty="0" err="1" smtClean="0"/>
-              <a:t>ve</a:t>
-            </a:r>
-            <a:r>
-              <a:rPr lang="en-US" baseline="0" dirty="0" smtClean="0"/>
-              <a:t> style, behavior.</a:t>
-            </a:r>
             <a:endParaRPr lang="en-US" dirty="0"/>
           </a:p>
         </p:txBody>
@@ -9967,7 +7869,7 @@
     </p:spTree>
     <p:extLst>
       <p:ext uri="{BB962C8B-B14F-4D97-AF65-F5344CB8AC3E}">
-        <p14:creationId xmlns:p14="http://schemas.microsoft.com/office/powerpoint/2010/main" val="4284480411"/>
+        <p14:creationId xmlns:p14="http://schemas.microsoft.com/office/powerpoint/2010/main" val="1786549769"/>
       </p:ext>
     </p:extLst>
   </p:cSld>
@@ -16852,8 +14754,8 @@
         </p:nvSpPr>
         <p:spPr>
           <a:xfrm>
-            <a:off x="1199042" y="3179987"/>
-            <a:ext cx="7033364" cy="523220"/>
+            <a:off x="587787" y="3179987"/>
+            <a:ext cx="7644619" cy="523220"/>
           </a:xfrm>
           <a:prstGeom prst="rect">
             <a:avLst/>
@@ -16866,53 +14768,123 @@
           <a:lstStyle/>
           <a:p>
             <a:r>
-              <a:rPr lang="en-US" sz="2800" dirty="0"/>
-              <a:t>&lt;</a:t>
+              <a:rPr lang="en-US" sz="2800" b="1" dirty="0">
+                <a:solidFill>
+                  <a:srgbClr val="0397D6"/>
+                </a:solidFill>
+              </a:rPr>
+              <a:t>&lt;link </a:t>
             </a:r>
             <a:r>
-              <a:rPr lang="en-US" sz="2800" dirty="0">
+              <a:rPr lang="en-US" sz="2800" b="1" dirty="0" err="1" smtClean="0">
                 <a:solidFill>
-                  <a:srgbClr val="0096D6"/>
+                  <a:srgbClr val="0397D6"/>
                 </a:solidFill>
               </a:rPr>
-              <a:t>link</a:t>
-            </a:r>
-            <a:r>
-              <a:rPr lang="en-US" sz="2800" dirty="0"/>
-              <a:t> </a:t>
-            </a:r>
-            <a:r>
-              <a:rPr lang="en-US" sz="2800" dirty="0" err="1" smtClean="0"/>
               <a:t>rel</a:t>
             </a:r>
             <a:r>
-              <a:rPr lang="en-US" sz="2800" dirty="0" smtClean="0"/>
-              <a:t>=“</a:t>
+              <a:rPr lang="en-US" sz="2800" b="1" dirty="0" smtClean="0">
+                <a:solidFill>
+                  <a:srgbClr val="0397D6"/>
+                </a:solidFill>
+              </a:rPr>
+              <a:t>=“import” </a:t>
             </a:r>
             <a:r>
-              <a:rPr lang="en-US" sz="2800" dirty="0" smtClean="0">
+              <a:rPr lang="en-US" sz="2800" b="1" dirty="0" err="1" smtClean="0">
                 <a:solidFill>
-                  <a:srgbClr val="0096D6"/>
+                  <a:srgbClr val="0397D6"/>
                 </a:solidFill>
               </a:rPr>
-              <a:t>import</a:t>
-            </a:r>
-            <a:r>
-              <a:rPr lang="en-US" sz="2800" dirty="0" smtClean="0"/>
-              <a:t>” </a:t>
-            </a:r>
-            <a:r>
-              <a:rPr lang="en-US" sz="2800" dirty="0" err="1" smtClean="0"/>
               <a:t>href</a:t>
             </a:r>
             <a:r>
-              <a:rPr lang="en-US" sz="2800" dirty="0" smtClean="0"/>
-              <a:t>=“myElement.html”&gt;</a:t>
+              <a:rPr lang="en-US" sz="2800" b="1" dirty="0" smtClean="0">
+                <a:solidFill>
+                  <a:srgbClr val="0397D6"/>
+                </a:solidFill>
+              </a:rPr>
+              <a:t>=“my-element.html”&gt;</a:t>
             </a:r>
-            <a:endParaRPr lang="en-US" sz="2800" dirty="0"/>
+            <a:endParaRPr lang="en-US" sz="2800" b="1" dirty="0">
+              <a:solidFill>
+                <a:srgbClr val="0397D6"/>
+              </a:solidFill>
+            </a:endParaRPr>
           </a:p>
         </p:txBody>
       </p:sp>
+      <p:cxnSp>
+        <p:nvCxnSpPr>
+          <p:cNvPr id="8" name="Straight Connector 7"/>
+          <p:cNvCxnSpPr/>
+          <p:nvPr/>
+        </p:nvCxnSpPr>
+        <p:spPr>
+          <a:xfrm>
+            <a:off x="2438400" y="3703207"/>
+            <a:ext cx="1072055" cy="0"/>
+          </a:xfrm>
+          <a:prstGeom prst="line">
+            <a:avLst/>
+          </a:prstGeom>
+          <a:ln w="28575">
+            <a:solidFill>
+              <a:srgbClr val="FF0000"/>
+            </a:solidFill>
+          </a:ln>
+        </p:spPr>
+        <p:style>
+          <a:lnRef idx="1">
+            <a:schemeClr val="accent1"/>
+          </a:lnRef>
+          <a:fillRef idx="0">
+            <a:schemeClr val="accent1"/>
+          </a:fillRef>
+          <a:effectRef idx="0">
+            <a:schemeClr val="accent1"/>
+          </a:effectRef>
+          <a:fontRef idx="minor">
+            <a:schemeClr val="tx1"/>
+          </a:fontRef>
+        </p:style>
+      </p:cxnSp>
+      <p:cxnSp>
+        <p:nvCxnSpPr>
+          <p:cNvPr id="10" name="Straight Connector 9"/>
+          <p:cNvCxnSpPr/>
+          <p:nvPr/>
+        </p:nvCxnSpPr>
+        <p:spPr>
+          <a:xfrm>
+            <a:off x="4866290" y="3703207"/>
+            <a:ext cx="2722179" cy="0"/>
+          </a:xfrm>
+          <a:prstGeom prst="line">
+            <a:avLst/>
+          </a:prstGeom>
+          <a:ln w="28575">
+            <a:solidFill>
+              <a:srgbClr val="FF0000"/>
+            </a:solidFill>
+          </a:ln>
+        </p:spPr>
+        <p:style>
+          <a:lnRef idx="1">
+            <a:schemeClr val="accent1"/>
+          </a:lnRef>
+          <a:fillRef idx="0">
+            <a:schemeClr val="accent1"/>
+          </a:fillRef>
+          <a:effectRef idx="0">
+            <a:schemeClr val="accent1"/>
+          </a:effectRef>
+          <a:fontRef idx="minor">
+            <a:schemeClr val="tx1"/>
+          </a:fontRef>
+        </p:style>
+      </p:cxnSp>
     </p:spTree>
     <p:extLst>
       <p:ext uri="{BB962C8B-B14F-4D97-AF65-F5344CB8AC3E}">
@@ -17045,6 +15017,112 @@
                       </p:childTnLst>
                     </p:cTn>
                   </p:par>
+                  <p:par>
+                    <p:cTn id="13" fill="hold">
+                      <p:stCondLst>
+                        <p:cond delay="indefinite"/>
+                      </p:stCondLst>
+                      <p:childTnLst>
+                        <p:par>
+                          <p:cTn id="14" fill="hold">
+                            <p:stCondLst>
+                              <p:cond delay="0"/>
+                            </p:stCondLst>
+                            <p:childTnLst>
+                              <p:par>
+                                <p:cTn id="15" presetID="10" presetClass="entr" presetSubtype="0" fill="hold" nodeType="clickEffect">
+                                  <p:stCondLst>
+                                    <p:cond delay="0"/>
+                                  </p:stCondLst>
+                                  <p:childTnLst>
+                                    <p:set>
+                                      <p:cBhvr>
+                                        <p:cTn id="16" dur="1" fill="hold">
+                                          <p:stCondLst>
+                                            <p:cond delay="0"/>
+                                          </p:stCondLst>
+                                        </p:cTn>
+                                        <p:tgtEl>
+                                          <p:spTgt spid="8"/>
+                                        </p:tgtEl>
+                                        <p:attrNameLst>
+                                          <p:attrName>style.visibility</p:attrName>
+                                        </p:attrNameLst>
+                                      </p:cBhvr>
+                                      <p:to>
+                                        <p:strVal val="visible"/>
+                                      </p:to>
+                                    </p:set>
+                                    <p:animEffect transition="in" filter="fade">
+                                      <p:cBhvr>
+                                        <p:cTn id="17" dur="500"/>
+                                        <p:tgtEl>
+                                          <p:spTgt spid="8"/>
+                                        </p:tgtEl>
+                                      </p:cBhvr>
+                                    </p:animEffect>
+                                  </p:childTnLst>
+                                </p:cTn>
+                              </p:par>
+                            </p:childTnLst>
+                          </p:cTn>
+                        </p:par>
+                      </p:childTnLst>
+                    </p:cTn>
+                  </p:par>
+                  <p:par>
+                    <p:cTn id="18" fill="hold">
+                      <p:stCondLst>
+                        <p:cond delay="indefinite"/>
+                      </p:stCondLst>
+                      <p:childTnLst>
+                        <p:par>
+                          <p:cTn id="19" fill="hold">
+                            <p:stCondLst>
+                              <p:cond delay="0"/>
+                            </p:stCondLst>
+                            <p:childTnLst>
+                              <p:par>
+                                <p:cTn id="20" presetID="10" presetClass="entr" presetSubtype="0" fill="hold" nodeType="clickEffect">
+                                  <p:stCondLst>
+                                    <p:cond delay="0"/>
+                                  </p:stCondLst>
+                                  <p:childTnLst>
+                                    <p:set>
+                                      <p:cBhvr>
+                                        <p:cTn id="21" dur="1" fill="hold">
+                                          <p:stCondLst>
+                                            <p:cond delay="0"/>
+                                          </p:stCondLst>
+                                        </p:cTn>
+                                        <p:tgtEl>
+                                          <p:spTgt spid="10"/>
+                                        </p:tgtEl>
+                                        <p:attrNameLst>
+                                          <p:attrName>style.visibility</p:attrName>
+                                        </p:attrNameLst>
+                                      </p:cBhvr>
+                                      <p:to>
+                                        <p:strVal val="visible"/>
+                                      </p:to>
+                                    </p:set>
+                                    <p:animEffect transition="in" filter="fade">
+                                      <p:cBhvr>
+                                        <p:cTn id="22" dur="500"/>
+                                        <p:tgtEl>
+                                          <p:spTgt spid="10"/>
+                                        </p:tgtEl>
+                                      </p:cBhvr>
+                                    </p:animEffect>
+                                  </p:childTnLst>
+                                </p:cTn>
+                              </p:par>
+                            </p:childTnLst>
+                          </p:cTn>
+                        </p:par>
+                      </p:childTnLst>
+                    </p:cTn>
+                  </p:par>
                 </p:childTnLst>
               </p:cTn>
               <p:prevCondLst>
@@ -17258,6 +15336,456 @@
           </a:prstGeom>
         </p:spPr>
       </p:pic>
+      <p:sp>
+        <p:nvSpPr>
+          <p:cNvPr id="2" name="TextBox 1"/>
+          <p:cNvSpPr txBox="1"/>
+          <p:nvPr/>
+        </p:nvSpPr>
+        <p:spPr>
+          <a:xfrm>
+            <a:off x="5391807" y="1618593"/>
+            <a:ext cx="2417379" cy="369332"/>
+          </a:xfrm>
+          <a:prstGeom prst="rect">
+            <a:avLst/>
+          </a:prstGeom>
+          <a:noFill/>
+        </p:spPr>
+        <p:txBody>
+          <a:bodyPr wrap="square" rtlCol="0">
+            <a:spAutoFit/>
+          </a:bodyPr>
+          <a:lstStyle/>
+          <a:p>
+            <a:endParaRPr lang="en-US" dirty="0">
+              <a:solidFill>
+                <a:schemeClr val="bg1"/>
+              </a:solidFill>
+            </a:endParaRPr>
+          </a:p>
+        </p:txBody>
+      </p:sp>
+      <p:cxnSp>
+        <p:nvCxnSpPr>
+          <p:cNvPr id="8" name="Straight Connector 7"/>
+          <p:cNvCxnSpPr/>
+          <p:nvPr/>
+        </p:nvCxnSpPr>
+        <p:spPr>
+          <a:xfrm>
+            <a:off x="168166" y="315310"/>
+            <a:ext cx="378372" cy="0"/>
+          </a:xfrm>
+          <a:prstGeom prst="line">
+            <a:avLst/>
+          </a:prstGeom>
+          <a:ln w="19050">
+            <a:solidFill>
+              <a:srgbClr val="FF0000"/>
+            </a:solidFill>
+          </a:ln>
+        </p:spPr>
+        <p:style>
+          <a:lnRef idx="1">
+            <a:schemeClr val="accent1"/>
+          </a:lnRef>
+          <a:fillRef idx="0">
+            <a:schemeClr val="accent1"/>
+          </a:fillRef>
+          <a:effectRef idx="0">
+            <a:schemeClr val="accent1"/>
+          </a:effectRef>
+          <a:fontRef idx="minor">
+            <a:schemeClr val="tx1"/>
+          </a:fontRef>
+        </p:style>
+      </p:cxnSp>
+      <p:cxnSp>
+        <p:nvCxnSpPr>
+          <p:cNvPr id="10" name="Straight Connector 9"/>
+          <p:cNvCxnSpPr/>
+          <p:nvPr/>
+        </p:nvCxnSpPr>
+        <p:spPr>
+          <a:xfrm>
+            <a:off x="415158" y="635873"/>
+            <a:ext cx="378372" cy="0"/>
+          </a:xfrm>
+          <a:prstGeom prst="line">
+            <a:avLst/>
+          </a:prstGeom>
+          <a:ln w="19050">
+            <a:solidFill>
+              <a:srgbClr val="FF0000"/>
+            </a:solidFill>
+          </a:ln>
+        </p:spPr>
+        <p:style>
+          <a:lnRef idx="1">
+            <a:schemeClr val="accent1"/>
+          </a:lnRef>
+          <a:fillRef idx="0">
+            <a:schemeClr val="accent1"/>
+          </a:fillRef>
+          <a:effectRef idx="0">
+            <a:schemeClr val="accent1"/>
+          </a:effectRef>
+          <a:fontRef idx="minor">
+            <a:schemeClr val="tx1"/>
+          </a:fontRef>
+        </p:style>
+      </p:cxnSp>
+      <p:cxnSp>
+        <p:nvCxnSpPr>
+          <p:cNvPr id="11" name="Straight Connector 10"/>
+          <p:cNvCxnSpPr/>
+          <p:nvPr/>
+        </p:nvCxnSpPr>
+        <p:spPr>
+          <a:xfrm>
+            <a:off x="567558" y="924904"/>
+            <a:ext cx="966952" cy="6"/>
+          </a:xfrm>
+          <a:prstGeom prst="line">
+            <a:avLst/>
+          </a:prstGeom>
+          <a:ln w="19050">
+            <a:solidFill>
+              <a:srgbClr val="FF0000"/>
+            </a:solidFill>
+          </a:ln>
+        </p:spPr>
+        <p:style>
+          <a:lnRef idx="1">
+            <a:schemeClr val="accent1"/>
+          </a:lnRef>
+          <a:fillRef idx="0">
+            <a:schemeClr val="accent1"/>
+          </a:fillRef>
+          <a:effectRef idx="0">
+            <a:schemeClr val="accent1"/>
+          </a:effectRef>
+          <a:fontRef idx="minor">
+            <a:schemeClr val="tx1"/>
+          </a:fontRef>
+        </p:style>
+      </p:cxnSp>
+      <p:cxnSp>
+        <p:nvCxnSpPr>
+          <p:cNvPr id="15" name="Straight Connector 14"/>
+          <p:cNvCxnSpPr/>
+          <p:nvPr/>
+        </p:nvCxnSpPr>
+        <p:spPr>
+          <a:xfrm>
+            <a:off x="861847" y="1523994"/>
+            <a:ext cx="641133" cy="0"/>
+          </a:xfrm>
+          <a:prstGeom prst="line">
+            <a:avLst/>
+          </a:prstGeom>
+          <a:ln w="19050">
+            <a:solidFill>
+              <a:srgbClr val="FF0000"/>
+            </a:solidFill>
+          </a:ln>
+        </p:spPr>
+        <p:style>
+          <a:lnRef idx="1">
+            <a:schemeClr val="accent1"/>
+          </a:lnRef>
+          <a:fillRef idx="0">
+            <a:schemeClr val="accent1"/>
+          </a:fillRef>
+          <a:effectRef idx="0">
+            <a:schemeClr val="accent1"/>
+          </a:effectRef>
+          <a:fontRef idx="minor">
+            <a:schemeClr val="tx1"/>
+          </a:fontRef>
+        </p:style>
+      </p:cxnSp>
+      <p:cxnSp>
+        <p:nvCxnSpPr>
+          <p:cNvPr id="17" name="Straight Connector 16"/>
+          <p:cNvCxnSpPr/>
+          <p:nvPr/>
+        </p:nvCxnSpPr>
+        <p:spPr>
+          <a:xfrm>
+            <a:off x="856593" y="1834049"/>
+            <a:ext cx="641133" cy="0"/>
+          </a:xfrm>
+          <a:prstGeom prst="line">
+            <a:avLst/>
+          </a:prstGeom>
+          <a:ln w="19050">
+            <a:solidFill>
+              <a:srgbClr val="FF0000"/>
+            </a:solidFill>
+          </a:ln>
+        </p:spPr>
+        <p:style>
+          <a:lnRef idx="1">
+            <a:schemeClr val="accent1"/>
+          </a:lnRef>
+          <a:fillRef idx="0">
+            <a:schemeClr val="accent1"/>
+          </a:fillRef>
+          <a:effectRef idx="0">
+            <a:schemeClr val="accent1"/>
+          </a:effectRef>
+          <a:fontRef idx="minor">
+            <a:schemeClr val="tx1"/>
+          </a:fontRef>
+        </p:style>
+      </p:cxnSp>
+      <p:cxnSp>
+        <p:nvCxnSpPr>
+          <p:cNvPr id="18" name="Straight Connector 17"/>
+          <p:cNvCxnSpPr/>
+          <p:nvPr/>
+        </p:nvCxnSpPr>
+        <p:spPr>
+          <a:xfrm>
+            <a:off x="861849" y="2123080"/>
+            <a:ext cx="641133" cy="0"/>
+          </a:xfrm>
+          <a:prstGeom prst="line">
+            <a:avLst/>
+          </a:prstGeom>
+          <a:ln w="19050">
+            <a:solidFill>
+              <a:srgbClr val="FF0000"/>
+            </a:solidFill>
+          </a:ln>
+        </p:spPr>
+        <p:style>
+          <a:lnRef idx="1">
+            <a:schemeClr val="accent1"/>
+          </a:lnRef>
+          <a:fillRef idx="0">
+            <a:schemeClr val="accent1"/>
+          </a:fillRef>
+          <a:effectRef idx="0">
+            <a:schemeClr val="accent1"/>
+          </a:effectRef>
+          <a:fontRef idx="minor">
+            <a:schemeClr val="tx1"/>
+          </a:fontRef>
+        </p:style>
+      </p:cxnSp>
+      <p:cxnSp>
+        <p:nvCxnSpPr>
+          <p:cNvPr id="19" name="Straight Connector 18"/>
+          <p:cNvCxnSpPr/>
+          <p:nvPr/>
+        </p:nvCxnSpPr>
+        <p:spPr>
+          <a:xfrm>
+            <a:off x="856598" y="2422623"/>
+            <a:ext cx="641133" cy="0"/>
+          </a:xfrm>
+          <a:prstGeom prst="line">
+            <a:avLst/>
+          </a:prstGeom>
+          <a:ln w="19050">
+            <a:solidFill>
+              <a:srgbClr val="FF0000"/>
+            </a:solidFill>
+          </a:ln>
+        </p:spPr>
+        <p:style>
+          <a:lnRef idx="1">
+            <a:schemeClr val="accent1"/>
+          </a:lnRef>
+          <a:fillRef idx="0">
+            <a:schemeClr val="accent1"/>
+          </a:fillRef>
+          <a:effectRef idx="0">
+            <a:schemeClr val="accent1"/>
+          </a:effectRef>
+          <a:fontRef idx="minor">
+            <a:schemeClr val="tx1"/>
+          </a:fontRef>
+        </p:style>
+      </p:cxnSp>
+      <p:cxnSp>
+        <p:nvCxnSpPr>
+          <p:cNvPr id="20" name="Straight Connector 19"/>
+          <p:cNvCxnSpPr/>
+          <p:nvPr/>
+        </p:nvCxnSpPr>
+        <p:spPr>
+          <a:xfrm>
+            <a:off x="415158" y="3620814"/>
+            <a:ext cx="378372" cy="0"/>
+          </a:xfrm>
+          <a:prstGeom prst="line">
+            <a:avLst/>
+          </a:prstGeom>
+          <a:ln w="19050">
+            <a:solidFill>
+              <a:srgbClr val="FF0000"/>
+            </a:solidFill>
+          </a:ln>
+        </p:spPr>
+        <p:style>
+          <a:lnRef idx="1">
+            <a:schemeClr val="accent1"/>
+          </a:lnRef>
+          <a:fillRef idx="0">
+            <a:schemeClr val="accent1"/>
+          </a:fillRef>
+          <a:effectRef idx="0">
+            <a:schemeClr val="accent1"/>
+          </a:effectRef>
+          <a:fontRef idx="minor">
+            <a:schemeClr val="tx1"/>
+          </a:fontRef>
+        </p:style>
+      </p:cxnSp>
+      <p:cxnSp>
+        <p:nvCxnSpPr>
+          <p:cNvPr id="21" name="Straight Connector 20"/>
+          <p:cNvCxnSpPr/>
+          <p:nvPr/>
+        </p:nvCxnSpPr>
+        <p:spPr>
+          <a:xfrm>
+            <a:off x="578068" y="3888827"/>
+            <a:ext cx="378372" cy="0"/>
+          </a:xfrm>
+          <a:prstGeom prst="line">
+            <a:avLst/>
+          </a:prstGeom>
+          <a:ln w="19050">
+            <a:solidFill>
+              <a:srgbClr val="FF0000"/>
+            </a:solidFill>
+          </a:ln>
+        </p:spPr>
+        <p:style>
+          <a:lnRef idx="1">
+            <a:schemeClr val="accent1"/>
+          </a:lnRef>
+          <a:fillRef idx="0">
+            <a:schemeClr val="accent1"/>
+          </a:fillRef>
+          <a:effectRef idx="0">
+            <a:schemeClr val="accent1"/>
+          </a:effectRef>
+          <a:fontRef idx="minor">
+            <a:schemeClr val="tx1"/>
+          </a:fontRef>
+        </p:style>
+      </p:cxnSp>
+      <p:cxnSp>
+        <p:nvCxnSpPr>
+          <p:cNvPr id="22" name="Straight Connector 21"/>
+          <p:cNvCxnSpPr/>
+          <p:nvPr/>
+        </p:nvCxnSpPr>
+        <p:spPr>
+          <a:xfrm>
+            <a:off x="867101" y="4198882"/>
+            <a:ext cx="378372" cy="0"/>
+          </a:xfrm>
+          <a:prstGeom prst="line">
+            <a:avLst/>
+          </a:prstGeom>
+          <a:ln w="19050">
+            <a:solidFill>
+              <a:srgbClr val="FF0000"/>
+            </a:solidFill>
+          </a:ln>
+        </p:spPr>
+        <p:style>
+          <a:lnRef idx="1">
+            <a:schemeClr val="accent1"/>
+          </a:lnRef>
+          <a:fillRef idx="0">
+            <a:schemeClr val="accent1"/>
+          </a:fillRef>
+          <a:effectRef idx="0">
+            <a:schemeClr val="accent1"/>
+          </a:effectRef>
+          <a:fontRef idx="minor">
+            <a:schemeClr val="tx1"/>
+          </a:fontRef>
+        </p:style>
+      </p:cxnSp>
+      <p:cxnSp>
+        <p:nvCxnSpPr>
+          <p:cNvPr id="23" name="Straight Connector 22"/>
+          <p:cNvCxnSpPr/>
+          <p:nvPr/>
+        </p:nvCxnSpPr>
+        <p:spPr>
+          <a:xfrm>
+            <a:off x="882869" y="4498427"/>
+            <a:ext cx="378372" cy="0"/>
+          </a:xfrm>
+          <a:prstGeom prst="line">
+            <a:avLst/>
+          </a:prstGeom>
+          <a:ln w="19050">
+            <a:solidFill>
+              <a:srgbClr val="FF0000"/>
+            </a:solidFill>
+          </a:ln>
+        </p:spPr>
+        <p:style>
+          <a:lnRef idx="1">
+            <a:schemeClr val="accent1"/>
+          </a:lnRef>
+          <a:fillRef idx="0">
+            <a:schemeClr val="accent1"/>
+          </a:fillRef>
+          <a:effectRef idx="0">
+            <a:schemeClr val="accent1"/>
+          </a:effectRef>
+          <a:fontRef idx="minor">
+            <a:schemeClr val="tx1"/>
+          </a:fontRef>
+        </p:style>
+      </p:cxnSp>
+      <p:cxnSp>
+        <p:nvCxnSpPr>
+          <p:cNvPr id="24" name="Straight Connector 23"/>
+          <p:cNvCxnSpPr/>
+          <p:nvPr/>
+        </p:nvCxnSpPr>
+        <p:spPr>
+          <a:xfrm>
+            <a:off x="867104" y="4787459"/>
+            <a:ext cx="378372" cy="0"/>
+          </a:xfrm>
+          <a:prstGeom prst="line">
+            <a:avLst/>
+          </a:prstGeom>
+          <a:ln w="19050">
+            <a:solidFill>
+              <a:srgbClr val="FF0000"/>
+            </a:solidFill>
+          </a:ln>
+        </p:spPr>
+        <p:style>
+          <a:lnRef idx="1">
+            <a:schemeClr val="accent1"/>
+          </a:lnRef>
+          <a:fillRef idx="0">
+            <a:schemeClr val="accent1"/>
+          </a:fillRef>
+          <a:effectRef idx="0">
+            <a:schemeClr val="accent1"/>
+          </a:effectRef>
+          <a:fontRef idx="minor">
+            <a:schemeClr val="tx1"/>
+          </a:fontRef>
+        </p:style>
+      </p:cxnSp>
     </p:spTree>
     <p:extLst>
       <p:ext uri="{BB962C8B-B14F-4D97-AF65-F5344CB8AC3E}">
@@ -17271,7 +15799,468 @@
   <p:timing>
     <p:tnLst>
       <p:par>
-        <p:cTn id="1" dur="indefinite" restart="never" nodeType="tmRoot"/>
+        <p:cTn id="1" dur="indefinite" restart="never" nodeType="tmRoot">
+          <p:childTnLst>
+            <p:seq concurrent="1" nextAc="seek">
+              <p:cTn id="2" dur="indefinite" nodeType="mainSeq">
+                <p:childTnLst>
+                  <p:par>
+                    <p:cTn id="3" fill="hold">
+                      <p:stCondLst>
+                        <p:cond delay="indefinite"/>
+                      </p:stCondLst>
+                      <p:childTnLst>
+                        <p:par>
+                          <p:cTn id="4" fill="hold">
+                            <p:stCondLst>
+                              <p:cond delay="0"/>
+                            </p:stCondLst>
+                            <p:childTnLst>
+                              <p:par>
+                                <p:cTn id="5" presetID="10" presetClass="entr" presetSubtype="0" fill="hold" nodeType="clickEffect">
+                                  <p:stCondLst>
+                                    <p:cond delay="0"/>
+                                  </p:stCondLst>
+                                  <p:childTnLst>
+                                    <p:set>
+                                      <p:cBhvr>
+                                        <p:cTn id="6" dur="1" fill="hold">
+                                          <p:stCondLst>
+                                            <p:cond delay="0"/>
+                                          </p:stCondLst>
+                                        </p:cTn>
+                                        <p:tgtEl>
+                                          <p:spTgt spid="8"/>
+                                        </p:tgtEl>
+                                        <p:attrNameLst>
+                                          <p:attrName>style.visibility</p:attrName>
+                                        </p:attrNameLst>
+                                      </p:cBhvr>
+                                      <p:to>
+                                        <p:strVal val="visible"/>
+                                      </p:to>
+                                    </p:set>
+                                    <p:animEffect transition="in" filter="fade">
+                                      <p:cBhvr>
+                                        <p:cTn id="7" dur="500"/>
+                                        <p:tgtEl>
+                                          <p:spTgt spid="8"/>
+                                        </p:tgtEl>
+                                      </p:cBhvr>
+                                    </p:animEffect>
+                                  </p:childTnLst>
+                                </p:cTn>
+                              </p:par>
+                              <p:par>
+                                <p:cTn id="8" presetID="10" presetClass="entr" presetSubtype="0" fill="hold" nodeType="withEffect">
+                                  <p:stCondLst>
+                                    <p:cond delay="0"/>
+                                  </p:stCondLst>
+                                  <p:childTnLst>
+                                    <p:set>
+                                      <p:cBhvr>
+                                        <p:cTn id="9" dur="1" fill="hold">
+                                          <p:stCondLst>
+                                            <p:cond delay="0"/>
+                                          </p:stCondLst>
+                                        </p:cTn>
+                                        <p:tgtEl>
+                                          <p:spTgt spid="10"/>
+                                        </p:tgtEl>
+                                        <p:attrNameLst>
+                                          <p:attrName>style.visibility</p:attrName>
+                                        </p:attrNameLst>
+                                      </p:cBhvr>
+                                      <p:to>
+                                        <p:strVal val="visible"/>
+                                      </p:to>
+                                    </p:set>
+                                    <p:animEffect transition="in" filter="fade">
+                                      <p:cBhvr>
+                                        <p:cTn id="10" dur="500"/>
+                                        <p:tgtEl>
+                                          <p:spTgt spid="10"/>
+                                        </p:tgtEl>
+                                      </p:cBhvr>
+                                    </p:animEffect>
+                                  </p:childTnLst>
+                                </p:cTn>
+                              </p:par>
+                              <p:par>
+                                <p:cTn id="11" presetID="10" presetClass="entr" presetSubtype="0" fill="hold" nodeType="withEffect">
+                                  <p:stCondLst>
+                                    <p:cond delay="0"/>
+                                  </p:stCondLst>
+                                  <p:childTnLst>
+                                    <p:set>
+                                      <p:cBhvr>
+                                        <p:cTn id="12" dur="1" fill="hold">
+                                          <p:stCondLst>
+                                            <p:cond delay="0"/>
+                                          </p:stCondLst>
+                                        </p:cTn>
+                                        <p:tgtEl>
+                                          <p:spTgt spid="11"/>
+                                        </p:tgtEl>
+                                        <p:attrNameLst>
+                                          <p:attrName>style.visibility</p:attrName>
+                                        </p:attrNameLst>
+                                      </p:cBhvr>
+                                      <p:to>
+                                        <p:strVal val="visible"/>
+                                      </p:to>
+                                    </p:set>
+                                    <p:animEffect transition="in" filter="fade">
+                                      <p:cBhvr>
+                                        <p:cTn id="13" dur="500"/>
+                                        <p:tgtEl>
+                                          <p:spTgt spid="11"/>
+                                        </p:tgtEl>
+                                      </p:cBhvr>
+                                    </p:animEffect>
+                                  </p:childTnLst>
+                                </p:cTn>
+                              </p:par>
+                              <p:par>
+                                <p:cTn id="14" presetID="10" presetClass="entr" presetSubtype="0" fill="hold" nodeType="withEffect">
+                                  <p:stCondLst>
+                                    <p:cond delay="0"/>
+                                  </p:stCondLst>
+                                  <p:childTnLst>
+                                    <p:set>
+                                      <p:cBhvr>
+                                        <p:cTn id="15" dur="1" fill="hold">
+                                          <p:stCondLst>
+                                            <p:cond delay="0"/>
+                                          </p:stCondLst>
+                                        </p:cTn>
+                                        <p:tgtEl>
+                                          <p:spTgt spid="15"/>
+                                        </p:tgtEl>
+                                        <p:attrNameLst>
+                                          <p:attrName>style.visibility</p:attrName>
+                                        </p:attrNameLst>
+                                      </p:cBhvr>
+                                      <p:to>
+                                        <p:strVal val="visible"/>
+                                      </p:to>
+                                    </p:set>
+                                    <p:animEffect transition="in" filter="fade">
+                                      <p:cBhvr>
+                                        <p:cTn id="16" dur="500"/>
+                                        <p:tgtEl>
+                                          <p:spTgt spid="15"/>
+                                        </p:tgtEl>
+                                      </p:cBhvr>
+                                    </p:animEffect>
+                                  </p:childTnLst>
+                                </p:cTn>
+                              </p:par>
+                              <p:par>
+                                <p:cTn id="17" presetID="10" presetClass="entr" presetSubtype="0" fill="hold" nodeType="withEffect">
+                                  <p:stCondLst>
+                                    <p:cond delay="0"/>
+                                  </p:stCondLst>
+                                  <p:childTnLst>
+                                    <p:set>
+                                      <p:cBhvr>
+                                        <p:cTn id="18" dur="1" fill="hold">
+                                          <p:stCondLst>
+                                            <p:cond delay="0"/>
+                                          </p:stCondLst>
+                                        </p:cTn>
+                                        <p:tgtEl>
+                                          <p:spTgt spid="17"/>
+                                        </p:tgtEl>
+                                        <p:attrNameLst>
+                                          <p:attrName>style.visibility</p:attrName>
+                                        </p:attrNameLst>
+                                      </p:cBhvr>
+                                      <p:to>
+                                        <p:strVal val="visible"/>
+                                      </p:to>
+                                    </p:set>
+                                    <p:animEffect transition="in" filter="fade">
+                                      <p:cBhvr>
+                                        <p:cTn id="19" dur="500"/>
+                                        <p:tgtEl>
+                                          <p:spTgt spid="17"/>
+                                        </p:tgtEl>
+                                      </p:cBhvr>
+                                    </p:animEffect>
+                                  </p:childTnLst>
+                                </p:cTn>
+                              </p:par>
+                              <p:par>
+                                <p:cTn id="20" presetID="10" presetClass="entr" presetSubtype="0" fill="hold" nodeType="withEffect">
+                                  <p:stCondLst>
+                                    <p:cond delay="0"/>
+                                  </p:stCondLst>
+                                  <p:childTnLst>
+                                    <p:set>
+                                      <p:cBhvr>
+                                        <p:cTn id="21" dur="1" fill="hold">
+                                          <p:stCondLst>
+                                            <p:cond delay="0"/>
+                                          </p:stCondLst>
+                                        </p:cTn>
+                                        <p:tgtEl>
+                                          <p:spTgt spid="18"/>
+                                        </p:tgtEl>
+                                        <p:attrNameLst>
+                                          <p:attrName>style.visibility</p:attrName>
+                                        </p:attrNameLst>
+                                      </p:cBhvr>
+                                      <p:to>
+                                        <p:strVal val="visible"/>
+                                      </p:to>
+                                    </p:set>
+                                    <p:animEffect transition="in" filter="fade">
+                                      <p:cBhvr>
+                                        <p:cTn id="22" dur="500"/>
+                                        <p:tgtEl>
+                                          <p:spTgt spid="18"/>
+                                        </p:tgtEl>
+                                      </p:cBhvr>
+                                    </p:animEffect>
+                                  </p:childTnLst>
+                                </p:cTn>
+                              </p:par>
+                              <p:par>
+                                <p:cTn id="23" presetID="10" presetClass="entr" presetSubtype="0" fill="hold" nodeType="withEffect">
+                                  <p:stCondLst>
+                                    <p:cond delay="0"/>
+                                  </p:stCondLst>
+                                  <p:childTnLst>
+                                    <p:set>
+                                      <p:cBhvr>
+                                        <p:cTn id="24" dur="1" fill="hold">
+                                          <p:stCondLst>
+                                            <p:cond delay="0"/>
+                                          </p:stCondLst>
+                                        </p:cTn>
+                                        <p:tgtEl>
+                                          <p:spTgt spid="19"/>
+                                        </p:tgtEl>
+                                        <p:attrNameLst>
+                                          <p:attrName>style.visibility</p:attrName>
+                                        </p:attrNameLst>
+                                      </p:cBhvr>
+                                      <p:to>
+                                        <p:strVal val="visible"/>
+                                      </p:to>
+                                    </p:set>
+                                    <p:animEffect transition="in" filter="fade">
+                                      <p:cBhvr>
+                                        <p:cTn id="25" dur="500"/>
+                                        <p:tgtEl>
+                                          <p:spTgt spid="19"/>
+                                        </p:tgtEl>
+                                      </p:cBhvr>
+                                    </p:animEffect>
+                                  </p:childTnLst>
+                                </p:cTn>
+                              </p:par>
+                              <p:par>
+                                <p:cTn id="26" presetID="10" presetClass="entr" presetSubtype="0" fill="hold" nodeType="withEffect">
+                                  <p:stCondLst>
+                                    <p:cond delay="0"/>
+                                  </p:stCondLst>
+                                  <p:childTnLst>
+                                    <p:set>
+                                      <p:cBhvr>
+                                        <p:cTn id="27" dur="1" fill="hold">
+                                          <p:stCondLst>
+                                            <p:cond delay="0"/>
+                                          </p:stCondLst>
+                                        </p:cTn>
+                                        <p:tgtEl>
+                                          <p:spTgt spid="20"/>
+                                        </p:tgtEl>
+                                        <p:attrNameLst>
+                                          <p:attrName>style.visibility</p:attrName>
+                                        </p:attrNameLst>
+                                      </p:cBhvr>
+                                      <p:to>
+                                        <p:strVal val="visible"/>
+                                      </p:to>
+                                    </p:set>
+                                    <p:animEffect transition="in" filter="fade">
+                                      <p:cBhvr>
+                                        <p:cTn id="28" dur="500"/>
+                                        <p:tgtEl>
+                                          <p:spTgt spid="20"/>
+                                        </p:tgtEl>
+                                      </p:cBhvr>
+                                    </p:animEffect>
+                                  </p:childTnLst>
+                                </p:cTn>
+                              </p:par>
+                              <p:par>
+                                <p:cTn id="29" presetID="10" presetClass="entr" presetSubtype="0" fill="hold" nodeType="withEffect">
+                                  <p:stCondLst>
+                                    <p:cond delay="0"/>
+                                  </p:stCondLst>
+                                  <p:childTnLst>
+                                    <p:set>
+                                      <p:cBhvr>
+                                        <p:cTn id="30" dur="1" fill="hold">
+                                          <p:stCondLst>
+                                            <p:cond delay="0"/>
+                                          </p:stCondLst>
+                                        </p:cTn>
+                                        <p:tgtEl>
+                                          <p:spTgt spid="21"/>
+                                        </p:tgtEl>
+                                        <p:attrNameLst>
+                                          <p:attrName>style.visibility</p:attrName>
+                                        </p:attrNameLst>
+                                      </p:cBhvr>
+                                      <p:to>
+                                        <p:strVal val="visible"/>
+                                      </p:to>
+                                    </p:set>
+                                    <p:animEffect transition="in" filter="fade">
+                                      <p:cBhvr>
+                                        <p:cTn id="31" dur="500"/>
+                                        <p:tgtEl>
+                                          <p:spTgt spid="21"/>
+                                        </p:tgtEl>
+                                      </p:cBhvr>
+                                    </p:animEffect>
+                                  </p:childTnLst>
+                                </p:cTn>
+                              </p:par>
+                              <p:par>
+                                <p:cTn id="32" presetID="10" presetClass="entr" presetSubtype="0" fill="hold" nodeType="withEffect">
+                                  <p:stCondLst>
+                                    <p:cond delay="0"/>
+                                  </p:stCondLst>
+                                  <p:childTnLst>
+                                    <p:set>
+                                      <p:cBhvr>
+                                        <p:cTn id="33" dur="1" fill="hold">
+                                          <p:stCondLst>
+                                            <p:cond delay="0"/>
+                                          </p:stCondLst>
+                                        </p:cTn>
+                                        <p:tgtEl>
+                                          <p:spTgt spid="22"/>
+                                        </p:tgtEl>
+                                        <p:attrNameLst>
+                                          <p:attrName>style.visibility</p:attrName>
+                                        </p:attrNameLst>
+                                      </p:cBhvr>
+                                      <p:to>
+                                        <p:strVal val="visible"/>
+                                      </p:to>
+                                    </p:set>
+                                    <p:animEffect transition="in" filter="fade">
+                                      <p:cBhvr>
+                                        <p:cTn id="34" dur="500"/>
+                                        <p:tgtEl>
+                                          <p:spTgt spid="22"/>
+                                        </p:tgtEl>
+                                      </p:cBhvr>
+                                    </p:animEffect>
+                                  </p:childTnLst>
+                                </p:cTn>
+                              </p:par>
+                              <p:par>
+                                <p:cTn id="35" presetID="10" presetClass="entr" presetSubtype="0" fill="hold" nodeType="withEffect">
+                                  <p:stCondLst>
+                                    <p:cond delay="0"/>
+                                  </p:stCondLst>
+                                  <p:childTnLst>
+                                    <p:set>
+                                      <p:cBhvr>
+                                        <p:cTn id="36" dur="1" fill="hold">
+                                          <p:stCondLst>
+                                            <p:cond delay="0"/>
+                                          </p:stCondLst>
+                                        </p:cTn>
+                                        <p:tgtEl>
+                                          <p:spTgt spid="23"/>
+                                        </p:tgtEl>
+                                        <p:attrNameLst>
+                                          <p:attrName>style.visibility</p:attrName>
+                                        </p:attrNameLst>
+                                      </p:cBhvr>
+                                      <p:to>
+                                        <p:strVal val="visible"/>
+                                      </p:to>
+                                    </p:set>
+                                    <p:animEffect transition="in" filter="fade">
+                                      <p:cBhvr>
+                                        <p:cTn id="37" dur="500"/>
+                                        <p:tgtEl>
+                                          <p:spTgt spid="23"/>
+                                        </p:tgtEl>
+                                      </p:cBhvr>
+                                    </p:animEffect>
+                                  </p:childTnLst>
+                                </p:cTn>
+                              </p:par>
+                              <p:par>
+                                <p:cTn id="38" presetID="10" presetClass="entr" presetSubtype="0" fill="hold" nodeType="withEffect">
+                                  <p:stCondLst>
+                                    <p:cond delay="0"/>
+                                  </p:stCondLst>
+                                  <p:childTnLst>
+                                    <p:set>
+                                      <p:cBhvr>
+                                        <p:cTn id="39" dur="1" fill="hold">
+                                          <p:stCondLst>
+                                            <p:cond delay="0"/>
+                                          </p:stCondLst>
+                                        </p:cTn>
+                                        <p:tgtEl>
+                                          <p:spTgt spid="24"/>
+                                        </p:tgtEl>
+                                        <p:attrNameLst>
+                                          <p:attrName>style.visibility</p:attrName>
+                                        </p:attrNameLst>
+                                      </p:cBhvr>
+                                      <p:to>
+                                        <p:strVal val="visible"/>
+                                      </p:to>
+                                    </p:set>
+                                    <p:animEffect transition="in" filter="fade">
+                                      <p:cBhvr>
+                                        <p:cTn id="40" dur="500"/>
+                                        <p:tgtEl>
+                                          <p:spTgt spid="24"/>
+                                        </p:tgtEl>
+                                      </p:cBhvr>
+                                    </p:animEffect>
+                                  </p:childTnLst>
+                                </p:cTn>
+                              </p:par>
+                            </p:childTnLst>
+                          </p:cTn>
+                        </p:par>
+                      </p:childTnLst>
+                    </p:cTn>
+                  </p:par>
+                </p:childTnLst>
+              </p:cTn>
+              <p:prevCondLst>
+                <p:cond evt="onPrev" delay="0">
+                  <p:tgtEl>
+                    <p:sldTgt/>
+                  </p:tgtEl>
+                </p:cond>
+              </p:prevCondLst>
+              <p:nextCondLst>
+                <p:cond evt="onNext" delay="0">
+                  <p:tgtEl>
+                    <p:sldTgt/>
+                  </p:tgtEl>
+                </p:cond>
+              </p:nextCondLst>
+            </p:seq>
+          </p:childTnLst>
+        </p:cTn>
       </p:par>
     </p:tnLst>
   </p:timing>
@@ -17343,7 +16332,7 @@
         </p:blipFill>
         <p:spPr>
           <a:xfrm>
-            <a:off x="2489638" y="1925282"/>
+            <a:off x="2479128" y="1925282"/>
             <a:ext cx="4038600" cy="1543050"/>
           </a:xfrm>
           <a:prstGeom prst="rect">
@@ -17359,8 +16348,8 @@
         </p:nvSpPr>
         <p:spPr>
           <a:xfrm>
-            <a:off x="2575034" y="1923393"/>
-            <a:ext cx="2091559" cy="336331"/>
+            <a:off x="2564524" y="1946302"/>
+            <a:ext cx="2091559" cy="334442"/>
           </a:xfrm>
           <a:prstGeom prst="rect">
             <a:avLst/>
@@ -17397,6 +16386,52 @@
           </a:p>
         </p:txBody>
       </p:sp>
+      <p:sp>
+        <p:nvSpPr>
+          <p:cNvPr id="5" name="Rectangle 4"/>
+          <p:cNvSpPr/>
+          <p:nvPr/>
+        </p:nvSpPr>
+        <p:spPr>
+          <a:xfrm>
+            <a:off x="2559272" y="3034122"/>
+            <a:ext cx="2370080" cy="297657"/>
+          </a:xfrm>
+          <a:prstGeom prst="rect">
+            <a:avLst/>
+          </a:prstGeom>
+          <a:noFill/>
+          <a:ln>
+            <a:solidFill>
+              <a:srgbClr val="FF0000"/>
+            </a:solidFill>
+          </a:ln>
+        </p:spPr>
+        <p:style>
+          <a:lnRef idx="2">
+            <a:schemeClr val="accent1">
+              <a:shade val="50000"/>
+            </a:schemeClr>
+          </a:lnRef>
+          <a:fillRef idx="1">
+            <a:schemeClr val="accent1"/>
+          </a:fillRef>
+          <a:effectRef idx="0">
+            <a:schemeClr val="accent1"/>
+          </a:effectRef>
+          <a:fontRef idx="minor">
+            <a:schemeClr val="lt1"/>
+          </a:fontRef>
+        </p:style>
+        <p:txBody>
+          <a:bodyPr rtlCol="0" anchor="ctr"/>
+          <a:lstStyle/>
+          <a:p>
+            <a:pPr algn="ctr"/>
+            <a:endParaRPr lang="en-US"/>
+          </a:p>
+        </p:txBody>
+      </p:sp>
     </p:spTree>
     <p:extLst>
       <p:ext uri="{BB962C8B-B14F-4D97-AF65-F5344CB8AC3E}">
@@ -17410,9 +16445,177 @@
   <p:timing>
     <p:tnLst>
       <p:par>
-        <p:cTn id="1" dur="indefinite" restart="never" nodeType="tmRoot"/>
+        <p:cTn id="1" dur="indefinite" restart="never" nodeType="tmRoot">
+          <p:childTnLst>
+            <p:seq concurrent="1" nextAc="seek">
+              <p:cTn id="2" dur="indefinite" nodeType="mainSeq">
+                <p:childTnLst>
+                  <p:par>
+                    <p:cTn id="3" fill="hold">
+                      <p:stCondLst>
+                        <p:cond delay="indefinite"/>
+                      </p:stCondLst>
+                      <p:childTnLst>
+                        <p:par>
+                          <p:cTn id="4" fill="hold">
+                            <p:stCondLst>
+                              <p:cond delay="0"/>
+                            </p:stCondLst>
+                            <p:childTnLst>
+                              <p:par>
+                                <p:cTn id="5" presetID="10" presetClass="entr" presetSubtype="0" fill="hold" nodeType="clickEffect">
+                                  <p:stCondLst>
+                                    <p:cond delay="0"/>
+                                  </p:stCondLst>
+                                  <p:childTnLst>
+                                    <p:set>
+                                      <p:cBhvr>
+                                        <p:cTn id="6" dur="1" fill="hold">
+                                          <p:stCondLst>
+                                            <p:cond delay="0"/>
+                                          </p:stCondLst>
+                                        </p:cTn>
+                                        <p:tgtEl>
+                                          <p:spTgt spid="3"/>
+                                        </p:tgtEl>
+                                        <p:attrNameLst>
+                                          <p:attrName>style.visibility</p:attrName>
+                                        </p:attrNameLst>
+                                      </p:cBhvr>
+                                      <p:to>
+                                        <p:strVal val="visible"/>
+                                      </p:to>
+                                    </p:set>
+                                    <p:animEffect transition="in" filter="fade">
+                                      <p:cBhvr>
+                                        <p:cTn id="7" dur="500"/>
+                                        <p:tgtEl>
+                                          <p:spTgt spid="3"/>
+                                        </p:tgtEl>
+                                      </p:cBhvr>
+                                    </p:animEffect>
+                                  </p:childTnLst>
+                                </p:cTn>
+                              </p:par>
+                            </p:childTnLst>
+                          </p:cTn>
+                        </p:par>
+                      </p:childTnLst>
+                    </p:cTn>
+                  </p:par>
+                  <p:par>
+                    <p:cTn id="8" fill="hold">
+                      <p:stCondLst>
+                        <p:cond delay="indefinite"/>
+                      </p:stCondLst>
+                      <p:childTnLst>
+                        <p:par>
+                          <p:cTn id="9" fill="hold">
+                            <p:stCondLst>
+                              <p:cond delay="0"/>
+                            </p:stCondLst>
+                            <p:childTnLst>
+                              <p:par>
+                                <p:cTn id="10" presetID="10" presetClass="entr" presetSubtype="0" fill="hold" grpId="0" nodeType="clickEffect">
+                                  <p:stCondLst>
+                                    <p:cond delay="0"/>
+                                  </p:stCondLst>
+                                  <p:childTnLst>
+                                    <p:set>
+                                      <p:cBhvr>
+                                        <p:cTn id="11" dur="1" fill="hold">
+                                          <p:stCondLst>
+                                            <p:cond delay="0"/>
+                                          </p:stCondLst>
+                                        </p:cTn>
+                                        <p:tgtEl>
+                                          <p:spTgt spid="6"/>
+                                        </p:tgtEl>
+                                        <p:attrNameLst>
+                                          <p:attrName>style.visibility</p:attrName>
+                                        </p:attrNameLst>
+                                      </p:cBhvr>
+                                      <p:to>
+                                        <p:strVal val="visible"/>
+                                      </p:to>
+                                    </p:set>
+                                    <p:animEffect transition="in" filter="fade">
+                                      <p:cBhvr>
+                                        <p:cTn id="12" dur="500"/>
+                                        <p:tgtEl>
+                                          <p:spTgt spid="6"/>
+                                        </p:tgtEl>
+                                      </p:cBhvr>
+                                    </p:animEffect>
+                                  </p:childTnLst>
+                                </p:cTn>
+                              </p:par>
+                              <p:par>
+                                <p:cTn id="13" presetID="10" presetClass="entr" presetSubtype="0" fill="hold" grpId="0" nodeType="withEffect">
+                                  <p:stCondLst>
+                                    <p:cond delay="0"/>
+                                  </p:stCondLst>
+                                  <p:childTnLst>
+                                    <p:set>
+                                      <p:cBhvr>
+                                        <p:cTn id="14" dur="1" fill="hold">
+                                          <p:stCondLst>
+                                            <p:cond delay="0"/>
+                                          </p:stCondLst>
+                                        </p:cTn>
+                                        <p:tgtEl>
+                                          <p:spTgt spid="5"/>
+                                        </p:tgtEl>
+                                        <p:attrNameLst>
+                                          <p:attrName>style.visibility</p:attrName>
+                                        </p:attrNameLst>
+                                      </p:cBhvr>
+                                      <p:to>
+                                        <p:strVal val="visible"/>
+                                      </p:to>
+                                    </p:set>
+                                    <p:animEffect transition="in" filter="fade">
+                                      <p:cBhvr>
+                                        <p:cTn id="15" dur="500"/>
+                                        <p:tgtEl>
+                                          <p:spTgt spid="5"/>
+                                        </p:tgtEl>
+                                      </p:cBhvr>
+                                    </p:animEffect>
+                                  </p:childTnLst>
+                                </p:cTn>
+                              </p:par>
+                            </p:childTnLst>
+                          </p:cTn>
+                        </p:par>
+                      </p:childTnLst>
+                    </p:cTn>
+                  </p:par>
+                </p:childTnLst>
+              </p:cTn>
+              <p:prevCondLst>
+                <p:cond evt="onPrev" delay="0">
+                  <p:tgtEl>
+                    <p:sldTgt/>
+                  </p:tgtEl>
+                </p:cond>
+              </p:prevCondLst>
+              <p:nextCondLst>
+                <p:cond evt="onNext" delay="0">
+                  <p:tgtEl>
+                    <p:sldTgt/>
+                  </p:tgtEl>
+                </p:cond>
+              </p:nextCondLst>
+            </p:seq>
+          </p:childTnLst>
+        </p:cTn>
       </p:par>
     </p:tnLst>
+    <p:bldLst>
+      <p:bldP spid="6" grpId="0" animBg="1"/>
+      <p:bldP spid="5" grpId="0" animBg="1"/>
+    </p:bldLst>
   </p:timing>
 </p:sld>
 </file>
@@ -17817,27 +17020,49 @@
           </a:bodyPr>
           <a:lstStyle/>
           <a:p>
+            <a:pPr marL="0" indent="0">
+              <a:buNone/>
+            </a:pPr>
+            <a:r>
+              <a:rPr lang="en-US" sz="2800" dirty="0" smtClean="0"/>
+              <a:t>The </a:t>
+            </a:r>
+            <a:r>
+              <a:rPr lang="en-US" sz="2800" b="1" dirty="0">
+                <a:solidFill>
+                  <a:srgbClr val="0096D6"/>
+                </a:solidFill>
+              </a:rPr>
+              <a:t>Polymer</a:t>
+            </a:r>
             <a:r>
               <a:rPr lang="en-US" sz="2800" dirty="0"/>
-              <a:t>It’s a core library makes it easier than ever, </a:t>
+              <a:t> library is designed to make it </a:t>
             </a:r>
             <a:r>
-              <a:rPr lang="en-US" sz="2800" b="1" dirty="0"/>
-              <a:t>to make fast, beautiful, and interoperable W</a:t>
+              <a:rPr lang="en-US" sz="2800" dirty="0">
+                <a:solidFill>
+                  <a:srgbClr val="0096D6"/>
+                </a:solidFill>
+              </a:rPr>
+              <a:t>easier</a:t>
             </a:r>
             <a:r>
-              <a:rPr lang="en-US" sz="2800" b="1" dirty="0" smtClean="0"/>
-              <a:t>eb </a:t>
+              <a:rPr lang="en-US" sz="2800" dirty="0"/>
+              <a:t> and </a:t>
             </a:r>
             <a:r>
-              <a:rPr lang="en-US" sz="2800" b="1" dirty="0"/>
-              <a:t>C</a:t>
+              <a:rPr lang="en-US" sz="2800" dirty="0">
+                <a:solidFill>
+                  <a:srgbClr val="0096D6"/>
+                </a:solidFill>
+              </a:rPr>
+              <a:t>faster</a:t>
             </a:r>
             <a:r>
-              <a:rPr lang="en-US" sz="2800" b="1" dirty="0" smtClean="0"/>
-              <a:t>omponents.</a:t>
+              <a:rPr lang="en-US" sz="2800" dirty="0"/>
+              <a:t> for developers to create great, reusable components for the modern web.</a:t>
             </a:r>
-            <a:endParaRPr lang="en-US" sz="2800" dirty="0"/>
           </a:p>
         </p:txBody>
       </p:sp>
@@ -17875,7 +17100,7 @@
           <p:nvPr/>
         </p:nvPicPr>
         <p:blipFill>
-          <a:blip r:embed="rId2" cstate="print">
+          <a:blip r:embed="rId3" cstate="print">
             <a:extLst>
               <a:ext uri="{28A0092B-C50C-407E-A947-70E740481C1C}">
                 <a14:useLocalDpi xmlns:a14="http://schemas.microsoft.com/office/drawing/2010/main" val="0"/>
@@ -18136,6 +17361,41 @@
           </a:p>
         </p:txBody>
       </p:sp>
+      <p:cxnSp>
+        <p:nvCxnSpPr>
+          <p:cNvPr id="3" name="Straight Connector 2"/>
+          <p:cNvCxnSpPr/>
+          <p:nvPr/>
+        </p:nvCxnSpPr>
+        <p:spPr>
+          <a:xfrm>
+            <a:off x="3184635" y="1208689"/>
+            <a:ext cx="5612524" cy="10510"/>
+          </a:xfrm>
+          <a:prstGeom prst="line">
+            <a:avLst/>
+          </a:prstGeom>
+          <a:ln w="19050">
+            <a:solidFill>
+              <a:srgbClr val="FF0000"/>
+            </a:solidFill>
+          </a:ln>
+        </p:spPr>
+        <p:style>
+          <a:lnRef idx="1">
+            <a:schemeClr val="accent1"/>
+          </a:lnRef>
+          <a:fillRef idx="0">
+            <a:schemeClr val="accent1"/>
+          </a:fillRef>
+          <a:effectRef idx="0">
+            <a:schemeClr val="accent1"/>
+          </a:effectRef>
+          <a:fontRef idx="minor">
+            <a:schemeClr val="tx1"/>
+          </a:fontRef>
+        </p:style>
+      </p:cxnSp>
     </p:spTree>
     <p:extLst>
       <p:ext uri="{BB962C8B-B14F-4D97-AF65-F5344CB8AC3E}">
@@ -18149,7 +17409,136 @@
   <p:timing>
     <p:tnLst>
       <p:par>
-        <p:cTn id="1" dur="indefinite" restart="never" nodeType="tmRoot"/>
+        <p:cTn id="1" dur="indefinite" restart="never" nodeType="tmRoot">
+          <p:childTnLst>
+            <p:seq concurrent="1" nextAc="seek">
+              <p:cTn id="2" dur="indefinite" nodeType="mainSeq">
+                <p:childTnLst>
+                  <p:par>
+                    <p:cTn id="3" fill="hold">
+                      <p:stCondLst>
+                        <p:cond delay="indefinite"/>
+                      </p:stCondLst>
+                      <p:childTnLst>
+                        <p:par>
+                          <p:cTn id="4" fill="hold">
+                            <p:stCondLst>
+                              <p:cond delay="0"/>
+                            </p:stCondLst>
+                            <p:childTnLst>
+                              <p:par>
+                                <p:cTn id="5" presetID="10" presetClass="entr" presetSubtype="0" fill="hold" nodeType="clickEffect">
+                                  <p:stCondLst>
+                                    <p:cond delay="0"/>
+                                  </p:stCondLst>
+                                  <p:childTnLst>
+                                    <p:set>
+                                      <p:cBhvr>
+                                        <p:cTn id="6" dur="1" fill="hold">
+                                          <p:stCondLst>
+                                            <p:cond delay="0"/>
+                                          </p:stCondLst>
+                                        </p:cTn>
+                                        <p:tgtEl>
+                                          <p:spTgt spid="10"/>
+                                        </p:tgtEl>
+                                        <p:attrNameLst>
+                                          <p:attrName>style.visibility</p:attrName>
+                                        </p:attrNameLst>
+                                      </p:cBhvr>
+                                      <p:to>
+                                        <p:strVal val="visible"/>
+                                      </p:to>
+                                    </p:set>
+                                    <p:animEffect transition="in" filter="fade">
+                                      <p:cBhvr>
+                                        <p:cTn id="7" dur="500"/>
+                                        <p:tgtEl>
+                                          <p:spTgt spid="10"/>
+                                        </p:tgtEl>
+                                      </p:cBhvr>
+                                    </p:animEffect>
+                                  </p:childTnLst>
+                                </p:cTn>
+                              </p:par>
+                            </p:childTnLst>
+                          </p:cTn>
+                        </p:par>
+                      </p:childTnLst>
+                    </p:cTn>
+                  </p:par>
+                  <p:par>
+                    <p:cTn id="8" fill="hold">
+                      <p:stCondLst>
+                        <p:cond delay="indefinite"/>
+                      </p:stCondLst>
+                      <p:childTnLst>
+                        <p:par>
+                          <p:cTn id="9" fill="hold">
+                            <p:stCondLst>
+                              <p:cond delay="0"/>
+                            </p:stCondLst>
+                            <p:childTnLst>
+                              <p:par>
+                                <p:cTn id="10" presetID="10" presetClass="entr" presetSubtype="0" fill="hold" nodeType="clickEffect">
+                                  <p:stCondLst>
+                                    <p:cond delay="0"/>
+                                  </p:stCondLst>
+                                  <p:childTnLst>
+                                    <p:set>
+                                      <p:cBhvr>
+                                        <p:cTn id="11" dur="1" fill="hold">
+                                          <p:stCondLst>
+                                            <p:cond delay="0"/>
+                                          </p:stCondLst>
+                                        </p:cTn>
+                                        <p:tgtEl>
+                                          <p:spTgt spid="3"/>
+                                        </p:tgtEl>
+                                        <p:attrNameLst>
+                                          <p:attrName>style.visibility</p:attrName>
+                                        </p:attrNameLst>
+                                      </p:cBhvr>
+                                      <p:to>
+                                        <p:strVal val="visible"/>
+                                      </p:to>
+                                    </p:set>
+                                    <p:animEffect transition="in" filter="fade">
+                                      <p:cBhvr>
+                                        <p:cTn id="12" dur="500"/>
+                                        <p:tgtEl>
+                                          <p:spTgt spid="3"/>
+                                        </p:tgtEl>
+                                      </p:cBhvr>
+                                    </p:animEffect>
+                                  </p:childTnLst>
+                                </p:cTn>
+                              </p:par>
+                            </p:childTnLst>
+                          </p:cTn>
+                        </p:par>
+                      </p:childTnLst>
+                    </p:cTn>
+                  </p:par>
+                </p:childTnLst>
+              </p:cTn>
+              <p:prevCondLst>
+                <p:cond evt="onPrev" delay="0">
+                  <p:tgtEl>
+                    <p:sldTgt/>
+                  </p:tgtEl>
+                </p:cond>
+              </p:prevCondLst>
+              <p:nextCondLst>
+                <p:cond evt="onNext" delay="0">
+                  <p:tgtEl>
+                    <p:sldTgt/>
+                  </p:tgtEl>
+                </p:cond>
+              </p:nextCondLst>
+            </p:seq>
+          </p:childTnLst>
+        </p:cTn>
       </p:par>
     </p:tnLst>
   </p:timing>
@@ -18205,7 +17594,7 @@
           <p:nvPr>
             <p:extLst>
               <p:ext uri="{D42A27DB-BD31-4B8C-83A1-F6EECF244321}">
-                <p14:modId xmlns:p14="http://schemas.microsoft.com/office/powerpoint/2010/main" val="155128198"/>
+                <p14:modId xmlns:p14="http://schemas.microsoft.com/office/powerpoint/2010/main" val="316167131"/>
               </p:ext>
             </p:extLst>
           </p:nvPr>
@@ -18376,6 +17765,122 @@
           </a:p>
         </p:txBody>
       </p:sp>
+      <p:sp>
+        <p:nvSpPr>
+          <p:cNvPr id="2" name="Rectangle 1"/>
+          <p:cNvSpPr/>
+          <p:nvPr/>
+        </p:nvSpPr>
+        <p:spPr>
+          <a:xfrm>
+            <a:off x="3132083" y="1387366"/>
+            <a:ext cx="2890345" cy="2028496"/>
+          </a:xfrm>
+          <a:prstGeom prst="rect">
+            <a:avLst/>
+          </a:prstGeom>
+          <a:noFill/>
+          <a:ln>
+            <a:solidFill>
+              <a:srgbClr val="FF0000"/>
+            </a:solidFill>
+          </a:ln>
+        </p:spPr>
+        <p:style>
+          <a:lnRef idx="2">
+            <a:schemeClr val="accent1">
+              <a:shade val="50000"/>
+            </a:schemeClr>
+          </a:lnRef>
+          <a:fillRef idx="1">
+            <a:schemeClr val="accent1"/>
+          </a:fillRef>
+          <a:effectRef idx="0">
+            <a:schemeClr val="accent1"/>
+          </a:effectRef>
+          <a:fontRef idx="minor">
+            <a:schemeClr val="lt1"/>
+          </a:fontRef>
+        </p:style>
+        <p:txBody>
+          <a:bodyPr rtlCol="0" anchor="ctr"/>
+          <a:lstStyle/>
+          <a:p>
+            <a:pPr algn="ctr"/>
+            <a:endParaRPr lang="en-US"/>
+          </a:p>
+        </p:txBody>
+      </p:sp>
+      <p:cxnSp>
+        <p:nvCxnSpPr>
+          <p:cNvPr id="8" name="Straight Connector 7"/>
+          <p:cNvCxnSpPr/>
+          <p:nvPr/>
+        </p:nvCxnSpPr>
+        <p:spPr>
+          <a:xfrm>
+            <a:off x="4519448" y="1692166"/>
+            <a:ext cx="1093076" cy="0"/>
+          </a:xfrm>
+          <a:prstGeom prst="line">
+            <a:avLst/>
+          </a:prstGeom>
+          <a:ln>
+            <a:solidFill>
+              <a:srgbClr val="FF0000"/>
+            </a:solidFill>
+          </a:ln>
+        </p:spPr>
+        <p:style>
+          <a:lnRef idx="1">
+            <a:schemeClr val="accent1"/>
+          </a:lnRef>
+          <a:fillRef idx="0">
+            <a:schemeClr val="accent1"/>
+          </a:fillRef>
+          <a:effectRef idx="0">
+            <a:schemeClr val="accent1"/>
+          </a:effectRef>
+          <a:fontRef idx="minor">
+            <a:schemeClr val="tx1"/>
+          </a:fontRef>
+        </p:style>
+      </p:cxnSp>
+      <p:cxnSp>
+        <p:nvCxnSpPr>
+          <p:cNvPr id="9" name="Straight Connector 8"/>
+          <p:cNvCxnSpPr/>
+          <p:nvPr/>
+        </p:nvCxnSpPr>
+        <p:spPr>
+          <a:xfrm>
+            <a:off x="4314497" y="2937642"/>
+            <a:ext cx="1093076" cy="0"/>
+          </a:xfrm>
+          <a:prstGeom prst="line">
+            <a:avLst/>
+          </a:prstGeom>
+          <a:ln>
+            <a:solidFill>
+              <a:srgbClr val="FF0000"/>
+            </a:solidFill>
+          </a:ln>
+        </p:spPr>
+        <p:style>
+          <a:lnRef idx="1">
+            <a:schemeClr val="accent1"/>
+          </a:lnRef>
+          <a:fillRef idx="0">
+            <a:schemeClr val="accent1"/>
+          </a:fillRef>
+          <a:effectRef idx="0">
+            <a:schemeClr val="accent1"/>
+          </a:effectRef>
+          <a:fontRef idx="minor">
+            <a:schemeClr val="tx1"/>
+          </a:fontRef>
+        </p:style>
+      </p:cxnSp>
     </p:spTree>
     <p:extLst>
       <p:ext uri="{BB962C8B-B14F-4D97-AF65-F5344CB8AC3E}">
@@ -18389,9 +17894,176 @@
   <p:timing>
     <p:tnLst>
       <p:par>
-        <p:cTn id="1" dur="indefinite" restart="never" nodeType="tmRoot"/>
+        <p:cTn id="1" dur="indefinite" restart="never" nodeType="tmRoot">
+          <p:childTnLst>
+            <p:seq concurrent="1" nextAc="seek">
+              <p:cTn id="2" dur="indefinite" nodeType="mainSeq">
+                <p:childTnLst>
+                  <p:par>
+                    <p:cTn id="3" fill="hold">
+                      <p:stCondLst>
+                        <p:cond delay="indefinite"/>
+                      </p:stCondLst>
+                      <p:childTnLst>
+                        <p:par>
+                          <p:cTn id="4" fill="hold">
+                            <p:stCondLst>
+                              <p:cond delay="0"/>
+                            </p:stCondLst>
+                            <p:childTnLst>
+                              <p:par>
+                                <p:cTn id="5" presetID="10" presetClass="entr" presetSubtype="0" fill="hold" grpId="0" nodeType="clickEffect">
+                                  <p:stCondLst>
+                                    <p:cond delay="0"/>
+                                  </p:stCondLst>
+                                  <p:childTnLst>
+                                    <p:set>
+                                      <p:cBhvr>
+                                        <p:cTn id="6" dur="1" fill="hold">
+                                          <p:stCondLst>
+                                            <p:cond delay="0"/>
+                                          </p:stCondLst>
+                                        </p:cTn>
+                                        <p:tgtEl>
+                                          <p:spTgt spid="2"/>
+                                        </p:tgtEl>
+                                        <p:attrNameLst>
+                                          <p:attrName>style.visibility</p:attrName>
+                                        </p:attrNameLst>
+                                      </p:cBhvr>
+                                      <p:to>
+                                        <p:strVal val="visible"/>
+                                      </p:to>
+                                    </p:set>
+                                    <p:animEffect transition="in" filter="fade">
+                                      <p:cBhvr>
+                                        <p:cTn id="7" dur="500"/>
+                                        <p:tgtEl>
+                                          <p:spTgt spid="2"/>
+                                        </p:tgtEl>
+                                      </p:cBhvr>
+                                    </p:animEffect>
+                                  </p:childTnLst>
+                                </p:cTn>
+                              </p:par>
+                            </p:childTnLst>
+                          </p:cTn>
+                        </p:par>
+                      </p:childTnLst>
+                    </p:cTn>
+                  </p:par>
+                  <p:par>
+                    <p:cTn id="8" fill="hold">
+                      <p:stCondLst>
+                        <p:cond delay="indefinite"/>
+                      </p:stCondLst>
+                      <p:childTnLst>
+                        <p:par>
+                          <p:cTn id="9" fill="hold">
+                            <p:stCondLst>
+                              <p:cond delay="0"/>
+                            </p:stCondLst>
+                            <p:childTnLst>
+                              <p:par>
+                                <p:cTn id="10" presetID="10" presetClass="entr" presetSubtype="0" fill="hold" nodeType="clickEffect">
+                                  <p:stCondLst>
+                                    <p:cond delay="0"/>
+                                  </p:stCondLst>
+                                  <p:childTnLst>
+                                    <p:set>
+                                      <p:cBhvr>
+                                        <p:cTn id="11" dur="1" fill="hold">
+                                          <p:stCondLst>
+                                            <p:cond delay="0"/>
+                                          </p:stCondLst>
+                                        </p:cTn>
+                                        <p:tgtEl>
+                                          <p:spTgt spid="8"/>
+                                        </p:tgtEl>
+                                        <p:attrNameLst>
+                                          <p:attrName>style.visibility</p:attrName>
+                                        </p:attrNameLst>
+                                      </p:cBhvr>
+                                      <p:to>
+                                        <p:strVal val="visible"/>
+                                      </p:to>
+                                    </p:set>
+                                    <p:animEffect transition="in" filter="fade">
+                                      <p:cBhvr>
+                                        <p:cTn id="12" dur="500"/>
+                                        <p:tgtEl>
+                                          <p:spTgt spid="8"/>
+                                        </p:tgtEl>
+                                      </p:cBhvr>
+                                    </p:animEffect>
+                                  </p:childTnLst>
+                                </p:cTn>
+                              </p:par>
+                              <p:par>
+                                <p:cTn id="13" presetID="10" presetClass="entr" presetSubtype="0" fill="hold" nodeType="withEffect">
+                                  <p:stCondLst>
+                                    <p:cond delay="0"/>
+                                  </p:stCondLst>
+                                  <p:childTnLst>
+                                    <p:set>
+                                      <p:cBhvr>
+                                        <p:cTn id="14" dur="1" fill="hold">
+                                          <p:stCondLst>
+                                            <p:cond delay="0"/>
+                                          </p:stCondLst>
+                                        </p:cTn>
+                                        <p:tgtEl>
+                                          <p:spTgt spid="9"/>
+                                        </p:tgtEl>
+                                        <p:attrNameLst>
+                                          <p:attrName>style.visibility</p:attrName>
+                                        </p:attrNameLst>
+                                      </p:cBhvr>
+                                      <p:to>
+                                        <p:strVal val="visible"/>
+                                      </p:to>
+                                    </p:set>
+                                    <p:animEffect transition="in" filter="fade">
+                                      <p:cBhvr>
+                                        <p:cTn id="15" dur="500"/>
+                                        <p:tgtEl>
+                                          <p:spTgt spid="9"/>
+                                        </p:tgtEl>
+                                      </p:cBhvr>
+                                    </p:animEffect>
+                                  </p:childTnLst>
+                                </p:cTn>
+                              </p:par>
+                            </p:childTnLst>
+                          </p:cTn>
+                        </p:par>
+                      </p:childTnLst>
+                    </p:cTn>
+                  </p:par>
+                </p:childTnLst>
+              </p:cTn>
+              <p:prevCondLst>
+                <p:cond evt="onPrev" delay="0">
+                  <p:tgtEl>
+                    <p:sldTgt/>
+                  </p:tgtEl>
+                </p:cond>
+              </p:prevCondLst>
+              <p:nextCondLst>
+                <p:cond evt="onNext" delay="0">
+                  <p:tgtEl>
+                    <p:sldTgt/>
+                  </p:tgtEl>
+                </p:cond>
+              </p:nextCondLst>
+            </p:seq>
+          </p:childTnLst>
+        </p:cTn>
       </p:par>
     </p:tnLst>
+    <p:bldLst>
+      <p:bldP spid="2" grpId="0" animBg="1"/>
+    </p:bldLst>
   </p:timing>
 </p:sld>
 </file>
@@ -18532,6 +18204,76 @@
           </a:p>
         </p:txBody>
       </p:sp>
+      <p:cxnSp>
+        <p:nvCxnSpPr>
+          <p:cNvPr id="7" name="Straight Connector 6"/>
+          <p:cNvCxnSpPr/>
+          <p:nvPr/>
+        </p:nvCxnSpPr>
+        <p:spPr>
+          <a:xfrm>
+            <a:off x="3552497" y="1891862"/>
+            <a:ext cx="746234" cy="0"/>
+          </a:xfrm>
+          <a:prstGeom prst="line">
+            <a:avLst/>
+          </a:prstGeom>
+          <a:ln w="19050">
+            <a:solidFill>
+              <a:srgbClr val="FF0000"/>
+            </a:solidFill>
+          </a:ln>
+        </p:spPr>
+        <p:style>
+          <a:lnRef idx="1">
+            <a:schemeClr val="accent1"/>
+          </a:lnRef>
+          <a:fillRef idx="0">
+            <a:schemeClr val="accent1"/>
+          </a:fillRef>
+          <a:effectRef idx="0">
+            <a:schemeClr val="accent1"/>
+          </a:effectRef>
+          <a:fontRef idx="minor">
+            <a:schemeClr val="tx1"/>
+          </a:fontRef>
+        </p:style>
+      </p:cxnSp>
+      <p:cxnSp>
+        <p:nvCxnSpPr>
+          <p:cNvPr id="13" name="Straight Connector 12"/>
+          <p:cNvCxnSpPr/>
+          <p:nvPr/>
+        </p:nvCxnSpPr>
+        <p:spPr>
+          <a:xfrm>
+            <a:off x="3673366" y="2349061"/>
+            <a:ext cx="746234" cy="0"/>
+          </a:xfrm>
+          <a:prstGeom prst="line">
+            <a:avLst/>
+          </a:prstGeom>
+          <a:ln w="19050">
+            <a:solidFill>
+              <a:srgbClr val="FF0000"/>
+            </a:solidFill>
+          </a:ln>
+        </p:spPr>
+        <p:style>
+          <a:lnRef idx="1">
+            <a:schemeClr val="accent1"/>
+          </a:lnRef>
+          <a:fillRef idx="0">
+            <a:schemeClr val="accent1"/>
+          </a:fillRef>
+          <a:effectRef idx="0">
+            <a:schemeClr val="accent1"/>
+          </a:effectRef>
+          <a:fontRef idx="minor">
+            <a:schemeClr val="tx1"/>
+          </a:fontRef>
+        </p:style>
+      </p:cxnSp>
     </p:spTree>
     <p:extLst>
       <p:ext uri="{BB962C8B-B14F-4D97-AF65-F5344CB8AC3E}">
@@ -18545,7 +18287,118 @@
   <p:timing>
     <p:tnLst>
       <p:par>
-        <p:cTn id="1" dur="indefinite" restart="never" nodeType="tmRoot"/>
+        <p:cTn id="1" dur="indefinite" restart="never" nodeType="tmRoot">
+          <p:childTnLst>
+            <p:seq concurrent="1" nextAc="seek">
+              <p:cTn id="2" dur="indefinite" nodeType="mainSeq">
+                <p:childTnLst>
+                  <p:par>
+                    <p:cTn id="3" fill="hold">
+                      <p:stCondLst>
+                        <p:cond delay="indefinite"/>
+                      </p:stCondLst>
+                      <p:childTnLst>
+                        <p:par>
+                          <p:cTn id="4" fill="hold">
+                            <p:stCondLst>
+                              <p:cond delay="0"/>
+                            </p:stCondLst>
+                            <p:childTnLst>
+                              <p:par>
+                                <p:cTn id="5" presetID="10" presetClass="entr" presetSubtype="0" fill="hold" nodeType="clickEffect">
+                                  <p:stCondLst>
+                                    <p:cond delay="0"/>
+                                  </p:stCondLst>
+                                  <p:childTnLst>
+                                    <p:set>
+                                      <p:cBhvr>
+                                        <p:cTn id="6" dur="1" fill="hold">
+                                          <p:stCondLst>
+                                            <p:cond delay="0"/>
+                                          </p:stCondLst>
+                                        </p:cTn>
+                                        <p:tgtEl>
+                                          <p:spTgt spid="13"/>
+                                        </p:tgtEl>
+                                        <p:attrNameLst>
+                                          <p:attrName>style.visibility</p:attrName>
+                                        </p:attrNameLst>
+                                      </p:cBhvr>
+                                      <p:to>
+                                        <p:strVal val="visible"/>
+                                      </p:to>
+                                    </p:set>
+                                    <p:animEffect transition="in" filter="fade">
+                                      <p:cBhvr>
+                                        <p:cTn id="7" dur="500"/>
+                                        <p:tgtEl>
+                                          <p:spTgt spid="13"/>
+                                        </p:tgtEl>
+                                      </p:cBhvr>
+                                    </p:animEffect>
+                                  </p:childTnLst>
+                                </p:cTn>
+                              </p:par>
+                              <p:par>
+                                <p:cTn id="8" presetID="10" presetClass="entr" presetSubtype="0" fill="hold" nodeType="withEffect">
+                                  <p:stCondLst>
+                                    <p:cond delay="0"/>
+                                  </p:stCondLst>
+                                  <p:childTnLst>
+                                    <p:set>
+                                      <p:cBhvr>
+                                        <p:cTn id="9" dur="1" fill="hold">
+                                          <p:stCondLst>
+                                            <p:cond delay="0"/>
+                                          </p:stCondLst>
+                                        </p:cTn>
+                                        <p:tgtEl>
+                                          <p:spTgt spid="7"/>
+                                        </p:tgtEl>
+                                        <p:attrNameLst>
+                                          <p:attrName>style.visibility</p:attrName>
+                                        </p:attrNameLst>
+                                      </p:cBhvr>
+                                      <p:to>
+                                        <p:strVal val="visible"/>
+                                      </p:to>
+                                    </p:set>
+                                    <p:animEffect transition="in" filter="fade">
+                                      <p:cBhvr>
+                                        <p:cTn id="10" dur="500"/>
+                                        <p:tgtEl>
+                                          <p:spTgt spid="7"/>
+                                        </p:tgtEl>
+                                      </p:cBhvr>
+                                    </p:animEffect>
+                                  </p:childTnLst>
+                                </p:cTn>
+                              </p:par>
+                            </p:childTnLst>
+                          </p:cTn>
+                        </p:par>
+                      </p:childTnLst>
+                    </p:cTn>
+                  </p:par>
+                </p:childTnLst>
+              </p:cTn>
+              <p:prevCondLst>
+                <p:cond evt="onPrev" delay="0">
+                  <p:tgtEl>
+                    <p:sldTgt/>
+                  </p:tgtEl>
+                </p:cond>
+              </p:prevCondLst>
+              <p:nextCondLst>
+                <p:cond evt="onNext" delay="0">
+                  <p:tgtEl>
+                    <p:sldTgt/>
+                  </p:tgtEl>
+                </p:cond>
+              </p:nextCondLst>
+            </p:seq>
+          </p:childTnLst>
+        </p:cTn>
       </p:par>
     </p:tnLst>
   </p:timing>
@@ -18688,6 +18541,122 @@
           </a:p>
         </p:txBody>
       </p:sp>
+      <p:sp>
+        <p:nvSpPr>
+          <p:cNvPr id="3" name="Rectangle 2"/>
+          <p:cNvSpPr/>
+          <p:nvPr/>
+        </p:nvSpPr>
+        <p:spPr>
+          <a:xfrm>
+            <a:off x="3668110" y="1860331"/>
+            <a:ext cx="3418491" cy="683172"/>
+          </a:xfrm>
+          <a:prstGeom prst="rect">
+            <a:avLst/>
+          </a:prstGeom>
+          <a:noFill/>
+          <a:ln>
+            <a:solidFill>
+              <a:srgbClr val="FF0000"/>
+            </a:solidFill>
+          </a:ln>
+        </p:spPr>
+        <p:style>
+          <a:lnRef idx="2">
+            <a:schemeClr val="accent1">
+              <a:shade val="50000"/>
+            </a:schemeClr>
+          </a:lnRef>
+          <a:fillRef idx="1">
+            <a:schemeClr val="accent1"/>
+          </a:fillRef>
+          <a:effectRef idx="0">
+            <a:schemeClr val="accent1"/>
+          </a:effectRef>
+          <a:fontRef idx="minor">
+            <a:schemeClr val="lt1"/>
+          </a:fontRef>
+        </p:style>
+        <p:txBody>
+          <a:bodyPr rtlCol="0" anchor="ctr"/>
+          <a:lstStyle/>
+          <a:p>
+            <a:pPr algn="ctr"/>
+            <a:endParaRPr lang="en-US"/>
+          </a:p>
+        </p:txBody>
+      </p:sp>
+      <p:cxnSp>
+        <p:nvCxnSpPr>
+          <p:cNvPr id="8" name="Straight Connector 7"/>
+          <p:cNvCxnSpPr/>
+          <p:nvPr/>
+        </p:nvCxnSpPr>
+        <p:spPr>
+          <a:xfrm>
+            <a:off x="4172607" y="2291255"/>
+            <a:ext cx="693683" cy="0"/>
+          </a:xfrm>
+          <a:prstGeom prst="line">
+            <a:avLst/>
+          </a:prstGeom>
+          <a:ln>
+            <a:solidFill>
+              <a:srgbClr val="FF0000"/>
+            </a:solidFill>
+          </a:ln>
+        </p:spPr>
+        <p:style>
+          <a:lnRef idx="1">
+            <a:schemeClr val="accent1"/>
+          </a:lnRef>
+          <a:fillRef idx="0">
+            <a:schemeClr val="accent1"/>
+          </a:fillRef>
+          <a:effectRef idx="0">
+            <a:schemeClr val="accent1"/>
+          </a:effectRef>
+          <a:fontRef idx="minor">
+            <a:schemeClr val="tx1"/>
+          </a:fontRef>
+        </p:style>
+      </p:cxnSp>
+      <p:cxnSp>
+        <p:nvCxnSpPr>
+          <p:cNvPr id="9" name="Straight Connector 8"/>
+          <p:cNvCxnSpPr/>
+          <p:nvPr/>
+        </p:nvCxnSpPr>
+        <p:spPr>
+          <a:xfrm>
+            <a:off x="5912069" y="2301765"/>
+            <a:ext cx="693683" cy="0"/>
+          </a:xfrm>
+          <a:prstGeom prst="line">
+            <a:avLst/>
+          </a:prstGeom>
+          <a:ln>
+            <a:solidFill>
+              <a:srgbClr val="FF0000"/>
+            </a:solidFill>
+          </a:ln>
+        </p:spPr>
+        <p:style>
+          <a:lnRef idx="1">
+            <a:schemeClr val="accent1"/>
+          </a:lnRef>
+          <a:fillRef idx="0">
+            <a:schemeClr val="accent1"/>
+          </a:fillRef>
+          <a:effectRef idx="0">
+            <a:schemeClr val="accent1"/>
+          </a:effectRef>
+          <a:fontRef idx="minor">
+            <a:schemeClr val="tx1"/>
+          </a:fontRef>
+        </p:style>
+      </p:cxnSp>
     </p:spTree>
     <p:extLst>
       <p:ext uri="{BB962C8B-B14F-4D97-AF65-F5344CB8AC3E}">
@@ -18701,9 +18670,176 @@
   <p:timing>
     <p:tnLst>
       <p:par>
-        <p:cTn id="1" dur="indefinite" restart="never" nodeType="tmRoot"/>
+        <p:cTn id="1" dur="indefinite" restart="never" nodeType="tmRoot">
+          <p:childTnLst>
+            <p:seq concurrent="1" nextAc="seek">
+              <p:cTn id="2" dur="indefinite" nodeType="mainSeq">
+                <p:childTnLst>
+                  <p:par>
+                    <p:cTn id="3" fill="hold">
+                      <p:stCondLst>
+                        <p:cond delay="indefinite"/>
+                      </p:stCondLst>
+                      <p:childTnLst>
+                        <p:par>
+                          <p:cTn id="4" fill="hold">
+                            <p:stCondLst>
+                              <p:cond delay="0"/>
+                            </p:stCondLst>
+                            <p:childTnLst>
+                              <p:par>
+                                <p:cTn id="5" presetID="10" presetClass="entr" presetSubtype="0" fill="hold" grpId="0" nodeType="clickEffect">
+                                  <p:stCondLst>
+                                    <p:cond delay="0"/>
+                                  </p:stCondLst>
+                                  <p:childTnLst>
+                                    <p:set>
+                                      <p:cBhvr>
+                                        <p:cTn id="6" dur="1" fill="hold">
+                                          <p:stCondLst>
+                                            <p:cond delay="0"/>
+                                          </p:stCondLst>
+                                        </p:cTn>
+                                        <p:tgtEl>
+                                          <p:spTgt spid="3"/>
+                                        </p:tgtEl>
+                                        <p:attrNameLst>
+                                          <p:attrName>style.visibility</p:attrName>
+                                        </p:attrNameLst>
+                                      </p:cBhvr>
+                                      <p:to>
+                                        <p:strVal val="visible"/>
+                                      </p:to>
+                                    </p:set>
+                                    <p:animEffect transition="in" filter="fade">
+                                      <p:cBhvr>
+                                        <p:cTn id="7" dur="500"/>
+                                        <p:tgtEl>
+                                          <p:spTgt spid="3"/>
+                                        </p:tgtEl>
+                                      </p:cBhvr>
+                                    </p:animEffect>
+                                  </p:childTnLst>
+                                </p:cTn>
+                              </p:par>
+                            </p:childTnLst>
+                          </p:cTn>
+                        </p:par>
+                      </p:childTnLst>
+                    </p:cTn>
+                  </p:par>
+                  <p:par>
+                    <p:cTn id="8" fill="hold">
+                      <p:stCondLst>
+                        <p:cond delay="indefinite"/>
+                      </p:stCondLst>
+                      <p:childTnLst>
+                        <p:par>
+                          <p:cTn id="9" fill="hold">
+                            <p:stCondLst>
+                              <p:cond delay="0"/>
+                            </p:stCondLst>
+                            <p:childTnLst>
+                              <p:par>
+                                <p:cTn id="10" presetID="10" presetClass="entr" presetSubtype="0" fill="hold" nodeType="clickEffect">
+                                  <p:stCondLst>
+                                    <p:cond delay="0"/>
+                                  </p:stCondLst>
+                                  <p:childTnLst>
+                                    <p:set>
+                                      <p:cBhvr>
+                                        <p:cTn id="11" dur="1" fill="hold">
+                                          <p:stCondLst>
+                                            <p:cond delay="0"/>
+                                          </p:stCondLst>
+                                        </p:cTn>
+                                        <p:tgtEl>
+                                          <p:spTgt spid="8"/>
+                                        </p:tgtEl>
+                                        <p:attrNameLst>
+                                          <p:attrName>style.visibility</p:attrName>
+                                        </p:attrNameLst>
+                                      </p:cBhvr>
+                                      <p:to>
+                                        <p:strVal val="visible"/>
+                                      </p:to>
+                                    </p:set>
+                                    <p:animEffect transition="in" filter="fade">
+                                      <p:cBhvr>
+                                        <p:cTn id="12" dur="500"/>
+                                        <p:tgtEl>
+                                          <p:spTgt spid="8"/>
+                                        </p:tgtEl>
+                                      </p:cBhvr>
+                                    </p:animEffect>
+                                  </p:childTnLst>
+                                </p:cTn>
+                              </p:par>
+                              <p:par>
+                                <p:cTn id="13" presetID="10" presetClass="entr" presetSubtype="0" fill="hold" nodeType="withEffect">
+                                  <p:stCondLst>
+                                    <p:cond delay="0"/>
+                                  </p:stCondLst>
+                                  <p:childTnLst>
+                                    <p:set>
+                                      <p:cBhvr>
+                                        <p:cTn id="14" dur="1" fill="hold">
+                                          <p:stCondLst>
+                                            <p:cond delay="0"/>
+                                          </p:stCondLst>
+                                        </p:cTn>
+                                        <p:tgtEl>
+                                          <p:spTgt spid="9"/>
+                                        </p:tgtEl>
+                                        <p:attrNameLst>
+                                          <p:attrName>style.visibility</p:attrName>
+                                        </p:attrNameLst>
+                                      </p:cBhvr>
+                                      <p:to>
+                                        <p:strVal val="visible"/>
+                                      </p:to>
+                                    </p:set>
+                                    <p:animEffect transition="in" filter="fade">
+                                      <p:cBhvr>
+                                        <p:cTn id="15" dur="500"/>
+                                        <p:tgtEl>
+                                          <p:spTgt spid="9"/>
+                                        </p:tgtEl>
+                                      </p:cBhvr>
+                                    </p:animEffect>
+                                  </p:childTnLst>
+                                </p:cTn>
+                              </p:par>
+                            </p:childTnLst>
+                          </p:cTn>
+                        </p:par>
+                      </p:childTnLst>
+                    </p:cTn>
+                  </p:par>
+                </p:childTnLst>
+              </p:cTn>
+              <p:prevCondLst>
+                <p:cond evt="onPrev" delay="0">
+                  <p:tgtEl>
+                    <p:sldTgt/>
+                  </p:tgtEl>
+                </p:cond>
+              </p:prevCondLst>
+              <p:nextCondLst>
+                <p:cond evt="onNext" delay="0">
+                  <p:tgtEl>
+                    <p:sldTgt/>
+                  </p:tgtEl>
+                </p:cond>
+              </p:nextCondLst>
+            </p:seq>
+          </p:childTnLst>
+        </p:cTn>
       </p:par>
     </p:tnLst>
+    <p:bldLst>
+      <p:bldP spid="3" grpId="0" animBg="1"/>
+    </p:bldLst>
   </p:timing>
 </p:sld>
 </file>
@@ -18844,6 +18980,87 @@
           </a:p>
         </p:txBody>
       </p:sp>
+      <p:sp>
+        <p:nvSpPr>
+          <p:cNvPr id="5" name="Rectangle 4"/>
+          <p:cNvSpPr/>
+          <p:nvPr/>
+        </p:nvSpPr>
+        <p:spPr>
+          <a:xfrm>
+            <a:off x="3731172" y="1786759"/>
+            <a:ext cx="3355429" cy="1271752"/>
+          </a:xfrm>
+          <a:prstGeom prst="rect">
+            <a:avLst/>
+          </a:prstGeom>
+          <a:noFill/>
+          <a:ln>
+            <a:solidFill>
+              <a:srgbClr val="FF0000"/>
+            </a:solidFill>
+          </a:ln>
+        </p:spPr>
+        <p:style>
+          <a:lnRef idx="2">
+            <a:schemeClr val="accent1">
+              <a:shade val="50000"/>
+            </a:schemeClr>
+          </a:lnRef>
+          <a:fillRef idx="1">
+            <a:schemeClr val="accent1"/>
+          </a:fillRef>
+          <a:effectRef idx="0">
+            <a:schemeClr val="accent1"/>
+          </a:effectRef>
+          <a:fontRef idx="minor">
+            <a:schemeClr val="lt1"/>
+          </a:fontRef>
+        </p:style>
+        <p:txBody>
+          <a:bodyPr rtlCol="0" anchor="ctr"/>
+          <a:lstStyle/>
+          <a:p>
+            <a:pPr algn="ctr"/>
+            <a:endParaRPr lang="en-US"/>
+          </a:p>
+        </p:txBody>
+      </p:sp>
+      <p:cxnSp>
+        <p:nvCxnSpPr>
+          <p:cNvPr id="10" name="Straight Connector 9"/>
+          <p:cNvCxnSpPr/>
+          <p:nvPr/>
+        </p:nvCxnSpPr>
+        <p:spPr>
+          <a:xfrm>
+            <a:off x="4162098" y="2196662"/>
+            <a:ext cx="557048" cy="0"/>
+          </a:xfrm>
+          <a:prstGeom prst="line">
+            <a:avLst/>
+          </a:prstGeom>
+          <a:ln>
+            <a:solidFill>
+              <a:srgbClr val="FF0000"/>
+            </a:solidFill>
+          </a:ln>
+        </p:spPr>
+        <p:style>
+          <a:lnRef idx="1">
+            <a:schemeClr val="accent1"/>
+          </a:lnRef>
+          <a:fillRef idx="0">
+            <a:schemeClr val="accent1"/>
+          </a:fillRef>
+          <a:effectRef idx="0">
+            <a:schemeClr val="accent1"/>
+          </a:effectRef>
+          <a:fontRef idx="minor">
+            <a:schemeClr val="tx1"/>
+          </a:fontRef>
+        </p:style>
+      </p:cxnSp>
     </p:spTree>
     <p:extLst>
       <p:ext uri="{BB962C8B-B14F-4D97-AF65-F5344CB8AC3E}">
@@ -18857,9 +19074,141 @@
   <p:timing>
     <p:tnLst>
       <p:par>
-        <p:cTn id="1" dur="indefinite" restart="never" nodeType="tmRoot"/>
+        <p:cTn id="1" dur="indefinite" restart="never" nodeType="tmRoot">
+          <p:childTnLst>
+            <p:seq concurrent="1" nextAc="seek">
+              <p:cTn id="2" dur="indefinite" nodeType="mainSeq">
+                <p:childTnLst>
+                  <p:par>
+                    <p:cTn id="3" fill="hold">
+                      <p:stCondLst>
+                        <p:cond delay="indefinite"/>
+                      </p:stCondLst>
+                      <p:childTnLst>
+                        <p:par>
+                          <p:cTn id="4" fill="hold">
+                            <p:stCondLst>
+                              <p:cond delay="0"/>
+                            </p:stCondLst>
+                            <p:childTnLst>
+                              <p:par>
+                                <p:cTn id="5" presetID="10" presetClass="entr" presetSubtype="0" fill="hold" grpId="0" nodeType="clickEffect">
+                                  <p:stCondLst>
+                                    <p:cond delay="0"/>
+                                  </p:stCondLst>
+                                  <p:childTnLst>
+                                    <p:set>
+                                      <p:cBhvr>
+                                        <p:cTn id="6" dur="1" fill="hold">
+                                          <p:stCondLst>
+                                            <p:cond delay="0"/>
+                                          </p:stCondLst>
+                                        </p:cTn>
+                                        <p:tgtEl>
+                                          <p:spTgt spid="5"/>
+                                        </p:tgtEl>
+                                        <p:attrNameLst>
+                                          <p:attrName>style.visibility</p:attrName>
+                                        </p:attrNameLst>
+                                      </p:cBhvr>
+                                      <p:to>
+                                        <p:strVal val="visible"/>
+                                      </p:to>
+                                    </p:set>
+                                    <p:animEffect transition="in" filter="fade">
+                                      <p:cBhvr>
+                                        <p:cTn id="7" dur="500"/>
+                                        <p:tgtEl>
+                                          <p:spTgt spid="5"/>
+                                        </p:tgtEl>
+                                      </p:cBhvr>
+                                    </p:animEffect>
+                                  </p:childTnLst>
+                                </p:cTn>
+                              </p:par>
+                            </p:childTnLst>
+                          </p:cTn>
+                        </p:par>
+                      </p:childTnLst>
+                    </p:cTn>
+                  </p:par>
+                  <p:par>
+                    <p:cTn id="8" fill="hold">
+                      <p:stCondLst>
+                        <p:cond delay="indefinite"/>
+                      </p:stCondLst>
+                      <p:childTnLst>
+                        <p:par>
+                          <p:cTn id="9" fill="hold">
+                            <p:stCondLst>
+                              <p:cond delay="0"/>
+                            </p:stCondLst>
+                            <p:childTnLst>
+                              <p:par>
+                                <p:cTn id="10" presetID="10" presetClass="entr" presetSubtype="0" fill="hold" nodeType="clickEffect">
+                                  <p:stCondLst>
+                                    <p:cond delay="0"/>
+                                  </p:stCondLst>
+                                  <p:childTnLst>
+                                    <p:set>
+                                      <p:cBhvr>
+                                        <p:cTn id="11" dur="1" fill="hold">
+                                          <p:stCondLst>
+                                            <p:cond delay="0"/>
+                                          </p:stCondLst>
+                                        </p:cTn>
+                                        <p:tgtEl>
+                                          <p:spTgt spid="10"/>
+                                        </p:tgtEl>
+                                        <p:attrNameLst>
+                                          <p:attrName>style.visibility</p:attrName>
+                                        </p:attrNameLst>
+                                      </p:cBhvr>
+                                      <p:to>
+                                        <p:strVal val="visible"/>
+                                      </p:to>
+                                    </p:set>
+                                    <p:animEffect transition="in" filter="fade">
+                                      <p:cBhvr>
+                                        <p:cTn id="12" dur="500"/>
+                                        <p:tgtEl>
+                                          <p:spTgt spid="10"/>
+                                        </p:tgtEl>
+                                      </p:cBhvr>
+                                    </p:animEffect>
+                                  </p:childTnLst>
+                                </p:cTn>
+                              </p:par>
+                            </p:childTnLst>
+                          </p:cTn>
+                        </p:par>
+                      </p:childTnLst>
+                    </p:cTn>
+                  </p:par>
+                </p:childTnLst>
+              </p:cTn>
+              <p:prevCondLst>
+                <p:cond evt="onPrev" delay="0">
+                  <p:tgtEl>
+                    <p:sldTgt/>
+                  </p:tgtEl>
+                </p:cond>
+              </p:prevCondLst>
+              <p:nextCondLst>
+                <p:cond evt="onNext" delay="0">
+                  <p:tgtEl>
+                    <p:sldTgt/>
+                  </p:tgtEl>
+                </p:cond>
+              </p:nextCondLst>
+            </p:seq>
+          </p:childTnLst>
+        </p:cTn>
       </p:par>
     </p:tnLst>
+    <p:bldLst>
+      <p:bldP spid="5" grpId="0" animBg="1"/>
+    </p:bldLst>
   </p:timing>
 </p:sld>
 </file>
@@ -19082,8 +19431,8 @@
         </p:blipFill>
         <p:spPr>
           <a:xfrm>
-            <a:off x="3048822" y="967771"/>
-            <a:ext cx="6000586" cy="3993111"/>
+            <a:off x="2974428" y="967771"/>
+            <a:ext cx="6074980" cy="3993111"/>
           </a:xfrm>
           <a:prstGeom prst="rect">
             <a:avLst/>
@@ -19106,7 +19455,7 @@
         </p:blipFill>
         <p:spPr>
           <a:xfrm>
-            <a:off x="7332443" y="4264572"/>
+            <a:off x="6176308" y="3739056"/>
             <a:ext cx="1247775" cy="381000"/>
           </a:xfrm>
           <a:prstGeom prst="rect">
@@ -19130,7 +19479,7 @@
         </p:blipFill>
         <p:spPr>
           <a:xfrm>
-            <a:off x="120048" y="968922"/>
+            <a:off x="67498" y="968922"/>
             <a:ext cx="2828925" cy="3991960"/>
           </a:xfrm>
           <a:prstGeom prst="rect">
@@ -19184,6 +19533,98 @@
           </a:p>
         </p:txBody>
       </p:sp>
+      <p:sp>
+        <p:nvSpPr>
+          <p:cNvPr id="6" name="Rectangle 5"/>
+          <p:cNvSpPr/>
+          <p:nvPr/>
+        </p:nvSpPr>
+        <p:spPr>
+          <a:xfrm>
+            <a:off x="3268717" y="1975945"/>
+            <a:ext cx="3268717" cy="294290"/>
+          </a:xfrm>
+          <a:prstGeom prst="rect">
+            <a:avLst/>
+          </a:prstGeom>
+          <a:noFill/>
+          <a:ln w="12700">
+            <a:solidFill>
+              <a:srgbClr val="FF0000"/>
+            </a:solidFill>
+          </a:ln>
+        </p:spPr>
+        <p:style>
+          <a:lnRef idx="2">
+            <a:schemeClr val="accent1">
+              <a:shade val="50000"/>
+            </a:schemeClr>
+          </a:lnRef>
+          <a:fillRef idx="1">
+            <a:schemeClr val="accent1"/>
+          </a:fillRef>
+          <a:effectRef idx="0">
+            <a:schemeClr val="accent1"/>
+          </a:effectRef>
+          <a:fontRef idx="minor">
+            <a:schemeClr val="lt1"/>
+          </a:fontRef>
+        </p:style>
+        <p:txBody>
+          <a:bodyPr rtlCol="0" anchor="ctr"/>
+          <a:lstStyle/>
+          <a:p>
+            <a:pPr algn="ctr"/>
+            <a:endParaRPr lang="en-US"/>
+          </a:p>
+        </p:txBody>
+      </p:sp>
+      <p:sp>
+        <p:nvSpPr>
+          <p:cNvPr id="8" name="Rectangle 7"/>
+          <p:cNvSpPr/>
+          <p:nvPr/>
+        </p:nvSpPr>
+        <p:spPr>
+          <a:xfrm>
+            <a:off x="3268717" y="2732690"/>
+            <a:ext cx="2249214" cy="283779"/>
+          </a:xfrm>
+          <a:prstGeom prst="rect">
+            <a:avLst/>
+          </a:prstGeom>
+          <a:noFill/>
+          <a:ln w="12700">
+            <a:solidFill>
+              <a:srgbClr val="FF0000"/>
+            </a:solidFill>
+          </a:ln>
+        </p:spPr>
+        <p:style>
+          <a:lnRef idx="2">
+            <a:schemeClr val="accent1">
+              <a:shade val="50000"/>
+            </a:schemeClr>
+          </a:lnRef>
+          <a:fillRef idx="1">
+            <a:schemeClr val="accent1"/>
+          </a:fillRef>
+          <a:effectRef idx="0">
+            <a:schemeClr val="accent1"/>
+          </a:effectRef>
+          <a:fontRef idx="minor">
+            <a:schemeClr val="lt1"/>
+          </a:fontRef>
+        </p:style>
+        <p:txBody>
+          <a:bodyPr rtlCol="0" anchor="ctr"/>
+          <a:lstStyle/>
+          <a:p>
+            <a:pPr algn="ctr"/>
+            <a:endParaRPr lang="en-US"/>
+          </a:p>
+        </p:txBody>
+      </p:sp>
     </p:spTree>
     <p:extLst>
       <p:ext uri="{BB962C8B-B14F-4D97-AF65-F5344CB8AC3E}">
@@ -19197,9 +19638,195 @@
   <p:timing>
     <p:tnLst>
       <p:par>
-        <p:cTn id="1" dur="indefinite" restart="never" nodeType="tmRoot"/>
+        <p:cTn id="1" dur="indefinite" restart="never" nodeType="tmRoot">
+          <p:childTnLst>
+            <p:seq concurrent="1" nextAc="seek">
+              <p:cTn id="2" dur="indefinite" nodeType="mainSeq">
+                <p:childTnLst>
+                  <p:par>
+                    <p:cTn id="3" fill="hold">
+                      <p:stCondLst>
+                        <p:cond delay="indefinite"/>
+                      </p:stCondLst>
+                      <p:childTnLst>
+                        <p:par>
+                          <p:cTn id="4" fill="hold">
+                            <p:stCondLst>
+                              <p:cond delay="0"/>
+                            </p:stCondLst>
+                            <p:childTnLst>
+                              <p:par>
+                                <p:cTn id="5" presetID="10" presetClass="entr" presetSubtype="0" fill="hold" grpId="0" nodeType="clickEffect">
+                                  <p:stCondLst>
+                                    <p:cond delay="0"/>
+                                  </p:stCondLst>
+                                  <p:childTnLst>
+                                    <p:set>
+                                      <p:cBhvr>
+                                        <p:cTn id="6" dur="1" fill="hold">
+                                          <p:stCondLst>
+                                            <p:cond delay="0"/>
+                                          </p:stCondLst>
+                                        </p:cTn>
+                                        <p:tgtEl>
+                                          <p:spTgt spid="6"/>
+                                        </p:tgtEl>
+                                        <p:attrNameLst>
+                                          <p:attrName>style.visibility</p:attrName>
+                                        </p:attrNameLst>
+                                      </p:cBhvr>
+                                      <p:to>
+                                        <p:strVal val="visible"/>
+                                      </p:to>
+                                    </p:set>
+                                    <p:animEffect transition="in" filter="fade">
+                                      <p:cBhvr>
+                                        <p:cTn id="7" dur="500"/>
+                                        <p:tgtEl>
+                                          <p:spTgt spid="6"/>
+                                        </p:tgtEl>
+                                      </p:cBhvr>
+                                    </p:animEffect>
+                                  </p:childTnLst>
+                                </p:cTn>
+                              </p:par>
+                            </p:childTnLst>
+                          </p:cTn>
+                        </p:par>
+                      </p:childTnLst>
+                    </p:cTn>
+                  </p:par>
+                  <p:par>
+                    <p:cTn id="8" fill="hold">
+                      <p:stCondLst>
+                        <p:cond delay="indefinite"/>
+                      </p:stCondLst>
+                      <p:childTnLst>
+                        <p:par>
+                          <p:cTn id="9" fill="hold">
+                            <p:stCondLst>
+                              <p:cond delay="0"/>
+                            </p:stCondLst>
+                            <p:childTnLst>
+                              <p:par>
+                                <p:cTn id="10" presetID="10" presetClass="entr" presetSubtype="0" fill="hold" grpId="0" nodeType="clickEffect">
+                                  <p:stCondLst>
+                                    <p:cond delay="0"/>
+                                  </p:stCondLst>
+                                  <p:childTnLst>
+                                    <p:set>
+                                      <p:cBhvr>
+                                        <p:cTn id="11" dur="1" fill="hold">
+                                          <p:stCondLst>
+                                            <p:cond delay="0"/>
+                                          </p:stCondLst>
+                                        </p:cTn>
+                                        <p:tgtEl>
+                                          <p:spTgt spid="8"/>
+                                        </p:tgtEl>
+                                        <p:attrNameLst>
+                                          <p:attrName>style.visibility</p:attrName>
+                                        </p:attrNameLst>
+                                      </p:cBhvr>
+                                      <p:to>
+                                        <p:strVal val="visible"/>
+                                      </p:to>
+                                    </p:set>
+                                    <p:animEffect transition="in" filter="fade">
+                                      <p:cBhvr>
+                                        <p:cTn id="12" dur="500"/>
+                                        <p:tgtEl>
+                                          <p:spTgt spid="8"/>
+                                        </p:tgtEl>
+                                      </p:cBhvr>
+                                    </p:animEffect>
+                                  </p:childTnLst>
+                                </p:cTn>
+                              </p:par>
+                            </p:childTnLst>
+                          </p:cTn>
+                        </p:par>
+                      </p:childTnLst>
+                    </p:cTn>
+                  </p:par>
+                  <p:par>
+                    <p:cTn id="13" fill="hold">
+                      <p:stCondLst>
+                        <p:cond delay="indefinite"/>
+                      </p:stCondLst>
+                      <p:childTnLst>
+                        <p:par>
+                          <p:cTn id="14" fill="hold">
+                            <p:stCondLst>
+                              <p:cond delay="0"/>
+                            </p:stCondLst>
+                            <p:childTnLst>
+                              <p:par>
+                                <p:cTn id="15" presetID="10" presetClass="entr" presetSubtype="0" fill="hold" nodeType="clickEffect">
+                                  <p:stCondLst>
+                                    <p:cond delay="0"/>
+                                  </p:stCondLst>
+                                  <p:childTnLst>
+                                    <p:set>
+                                      <p:cBhvr>
+                                        <p:cTn id="16" dur="1" fill="hold">
+                                          <p:stCondLst>
+                                            <p:cond delay="0"/>
+                                          </p:stCondLst>
+                                        </p:cTn>
+                                        <p:tgtEl>
+                                          <p:spTgt spid="7"/>
+                                        </p:tgtEl>
+                                        <p:attrNameLst>
+                                          <p:attrName>style.visibility</p:attrName>
+                                        </p:attrNameLst>
+                                      </p:cBhvr>
+                                      <p:to>
+                                        <p:strVal val="visible"/>
+                                      </p:to>
+                                    </p:set>
+                                    <p:animEffect transition="in" filter="fade">
+                                      <p:cBhvr>
+                                        <p:cTn id="17" dur="500"/>
+                                        <p:tgtEl>
+                                          <p:spTgt spid="7"/>
+                                        </p:tgtEl>
+                                      </p:cBhvr>
+                                    </p:animEffect>
+                                  </p:childTnLst>
+                                </p:cTn>
+                              </p:par>
+                            </p:childTnLst>
+                          </p:cTn>
+                        </p:par>
+                      </p:childTnLst>
+                    </p:cTn>
+                  </p:par>
+                </p:childTnLst>
+              </p:cTn>
+              <p:prevCondLst>
+                <p:cond evt="onPrev" delay="0">
+                  <p:tgtEl>
+                    <p:sldTgt/>
+                  </p:tgtEl>
+                </p:cond>
+              </p:prevCondLst>
+              <p:nextCondLst>
+                <p:cond evt="onNext" delay="0">
+                  <p:tgtEl>
+                    <p:sldTgt/>
+                  </p:tgtEl>
+                </p:cond>
+              </p:nextCondLst>
+            </p:seq>
+          </p:childTnLst>
+        </p:cTn>
       </p:par>
     </p:tnLst>
+    <p:bldLst>
+      <p:bldP spid="6" grpId="0" animBg="1"/>
+      <p:bldP spid="8" grpId="0" animBg="1"/>
+    </p:bldLst>
   </p:timing>
 </p:sld>
 </file>
@@ -19657,6 +20284,44 @@
           </a:p>
         </p:txBody>
       </p:sp>
+      <p:sp>
+        <p:nvSpPr>
+          <p:cNvPr id="6" name="TextBox 5"/>
+          <p:cNvSpPr txBox="1"/>
+          <p:nvPr/>
+        </p:nvSpPr>
+        <p:spPr>
+          <a:xfrm>
+            <a:off x="3139837" y="4191136"/>
+            <a:ext cx="3946764" cy="646331"/>
+          </a:xfrm>
+          <a:prstGeom prst="rect">
+            <a:avLst/>
+          </a:prstGeom>
+          <a:noFill/>
+        </p:spPr>
+        <p:txBody>
+          <a:bodyPr wrap="square" rtlCol="0">
+            <a:spAutoFit/>
+          </a:bodyPr>
+          <a:lstStyle/>
+          <a:p>
+            <a:r>
+              <a:rPr lang="en-US" sz="3600" b="1" dirty="0" smtClean="0">
+                <a:solidFill>
+                  <a:srgbClr val="0096D6"/>
+                </a:solidFill>
+              </a:rPr>
+              <a:t>TODO-NAV-BAR</a:t>
+            </a:r>
+            <a:endParaRPr lang="en-US" sz="3600" b="1" dirty="0">
+              <a:solidFill>
+                <a:srgbClr val="0096D6"/>
+              </a:solidFill>
+            </a:endParaRPr>
+          </a:p>
+        </p:txBody>
+      </p:sp>
     </p:spTree>
     <p:extLst>
       <p:ext uri="{BB962C8B-B14F-4D97-AF65-F5344CB8AC3E}">
@@ -19670,7 +20335,91 @@
   <p:timing>
     <p:tnLst>
       <p:par>
-        <p:cTn id="1" dur="indefinite" restart="never" nodeType="tmRoot"/>
+        <p:cTn id="1" dur="indefinite" restart="never" nodeType="tmRoot">
+          <p:childTnLst>
+            <p:seq concurrent="1" nextAc="seek">
+              <p:cTn id="2" dur="indefinite" nodeType="mainSeq">
+                <p:childTnLst>
+                  <p:par>
+                    <p:cTn id="3" fill="hold">
+                      <p:stCondLst>
+                        <p:cond delay="indefinite"/>
+                      </p:stCondLst>
+                      <p:childTnLst>
+                        <p:par>
+                          <p:cTn id="4" fill="hold">
+                            <p:stCondLst>
+                              <p:cond delay="0"/>
+                            </p:stCondLst>
+                            <p:childTnLst>
+                              <p:par>
+                                <p:cTn id="5" presetID="10" presetClass="entr" presetSubtype="0" fill="hold" nodeType="clickEffect">
+                                  <p:stCondLst>
+                                    <p:cond delay="0"/>
+                                  </p:stCondLst>
+                                  <p:childTnLst>
+                                    <p:set>
+                                      <p:cBhvr>
+                                        <p:cTn id="6" dur="1" fill="hold">
+                                          <p:stCondLst>
+                                            <p:cond delay="0"/>
+                                          </p:stCondLst>
+                                        </p:cTn>
+                                        <p:tgtEl>
+                                          <p:spTgt spid="6">
+                                            <p:txEl>
+                                              <p:pRg st="0" end="0"/>
+                                            </p:txEl>
+                                          </p:spTgt>
+                                        </p:tgtEl>
+                                        <p:attrNameLst>
+                                          <p:attrName>style.visibility</p:attrName>
+                                        </p:attrNameLst>
+                                      </p:cBhvr>
+                                      <p:to>
+                                        <p:strVal val="visible"/>
+                                      </p:to>
+                                    </p:set>
+                                    <p:animEffect transition="in" filter="fade">
+                                      <p:cBhvr>
+                                        <p:cTn id="7" dur="500"/>
+                                        <p:tgtEl>
+                                          <p:spTgt spid="6">
+                                            <p:txEl>
+                                              <p:pRg st="0" end="0"/>
+                                            </p:txEl>
+                                          </p:spTgt>
+                                        </p:tgtEl>
+                                      </p:cBhvr>
+                                    </p:animEffect>
+                                  </p:childTnLst>
+                                </p:cTn>
+                              </p:par>
+                            </p:childTnLst>
+                          </p:cTn>
+                        </p:par>
+                      </p:childTnLst>
+                    </p:cTn>
+                  </p:par>
+                </p:childTnLst>
+              </p:cTn>
+              <p:prevCondLst>
+                <p:cond evt="onPrev" delay="0">
+                  <p:tgtEl>
+                    <p:sldTgt/>
+                  </p:tgtEl>
+                </p:cond>
+              </p:prevCondLst>
+              <p:nextCondLst>
+                <p:cond evt="onNext" delay="0">
+                  <p:tgtEl>
+                    <p:sldTgt/>
+                  </p:tgtEl>
+                </p:cond>
+              </p:nextCondLst>
+            </p:seq>
+          </p:childTnLst>
+        </p:cTn>
       </p:par>
     </p:tnLst>
   </p:timing>
@@ -20075,6 +20824,44 @@
           </a:p>
         </p:txBody>
       </p:sp>
+      <p:sp>
+        <p:nvSpPr>
+          <p:cNvPr id="8" name="TextBox 7"/>
+          <p:cNvSpPr txBox="1"/>
+          <p:nvPr/>
+        </p:nvSpPr>
+        <p:spPr>
+          <a:xfrm>
+            <a:off x="3139837" y="4191136"/>
+            <a:ext cx="3946764" cy="646331"/>
+          </a:xfrm>
+          <a:prstGeom prst="rect">
+            <a:avLst/>
+          </a:prstGeom>
+          <a:noFill/>
+        </p:spPr>
+        <p:txBody>
+          <a:bodyPr wrap="square" rtlCol="0">
+            <a:spAutoFit/>
+          </a:bodyPr>
+          <a:lstStyle/>
+          <a:p>
+            <a:r>
+              <a:rPr lang="en-US" sz="3600" b="1" dirty="0" smtClean="0">
+                <a:solidFill>
+                  <a:srgbClr val="0096D6"/>
+                </a:solidFill>
+              </a:rPr>
+              <a:t>TODO-SIDE-BAR</a:t>
+            </a:r>
+            <a:endParaRPr lang="en-US" sz="3600" b="1" dirty="0">
+              <a:solidFill>
+                <a:srgbClr val="0096D6"/>
+              </a:solidFill>
+            </a:endParaRPr>
+          </a:p>
+        </p:txBody>
+      </p:sp>
     </p:spTree>
     <p:extLst>
       <p:ext uri="{BB962C8B-B14F-4D97-AF65-F5344CB8AC3E}">
@@ -20088,7 +20875,91 @@
   <p:timing>
     <p:tnLst>
       <p:par>
-        <p:cTn id="1" dur="indefinite" restart="never" nodeType="tmRoot"/>
+        <p:cTn id="1" dur="indefinite" restart="never" nodeType="tmRoot">
+          <p:childTnLst>
+            <p:seq concurrent="1" nextAc="seek">
+              <p:cTn id="2" dur="indefinite" nodeType="mainSeq">
+                <p:childTnLst>
+                  <p:par>
+                    <p:cTn id="3" fill="hold">
+                      <p:stCondLst>
+                        <p:cond delay="indefinite"/>
+                      </p:stCondLst>
+                      <p:childTnLst>
+                        <p:par>
+                          <p:cTn id="4" fill="hold">
+                            <p:stCondLst>
+                              <p:cond delay="0"/>
+                            </p:stCondLst>
+                            <p:childTnLst>
+                              <p:par>
+                                <p:cTn id="5" presetID="10" presetClass="entr" presetSubtype="0" fill="hold" nodeType="clickEffect">
+                                  <p:stCondLst>
+                                    <p:cond delay="0"/>
+                                  </p:stCondLst>
+                                  <p:childTnLst>
+                                    <p:set>
+                                      <p:cBhvr>
+                                        <p:cTn id="6" dur="1" fill="hold">
+                                          <p:stCondLst>
+                                            <p:cond delay="0"/>
+                                          </p:stCondLst>
+                                        </p:cTn>
+                                        <p:tgtEl>
+                                          <p:spTgt spid="8">
+                                            <p:txEl>
+                                              <p:pRg st="0" end="0"/>
+                                            </p:txEl>
+                                          </p:spTgt>
+                                        </p:tgtEl>
+                                        <p:attrNameLst>
+                                          <p:attrName>style.visibility</p:attrName>
+                                        </p:attrNameLst>
+                                      </p:cBhvr>
+                                      <p:to>
+                                        <p:strVal val="visible"/>
+                                      </p:to>
+                                    </p:set>
+                                    <p:animEffect transition="in" filter="fade">
+                                      <p:cBhvr>
+                                        <p:cTn id="7" dur="500"/>
+                                        <p:tgtEl>
+                                          <p:spTgt spid="8">
+                                            <p:txEl>
+                                              <p:pRg st="0" end="0"/>
+                                            </p:txEl>
+                                          </p:spTgt>
+                                        </p:tgtEl>
+                                      </p:cBhvr>
+                                    </p:animEffect>
+                                  </p:childTnLst>
+                                </p:cTn>
+                              </p:par>
+                            </p:childTnLst>
+                          </p:cTn>
+                        </p:par>
+                      </p:childTnLst>
+                    </p:cTn>
+                  </p:par>
+                </p:childTnLst>
+              </p:cTn>
+              <p:prevCondLst>
+                <p:cond evt="onPrev" delay="0">
+                  <p:tgtEl>
+                    <p:sldTgt/>
+                  </p:tgtEl>
+                </p:cond>
+              </p:prevCondLst>
+              <p:nextCondLst>
+                <p:cond evt="onNext" delay="0">
+                  <p:tgtEl>
+                    <p:sldTgt/>
+                  </p:tgtEl>
+                </p:cond>
+              </p:nextCondLst>
+            </p:seq>
+          </p:childTnLst>
+        </p:cTn>
       </p:par>
     </p:tnLst>
   </p:timing>
@@ -20133,6 +21004,275 @@
           </a:p>
         </p:txBody>
       </p:sp>
+      <p:sp>
+        <p:nvSpPr>
+          <p:cNvPr id="7" name="Content Placeholder 6"/>
+          <p:cNvSpPr>
+            <a:spLocks noGrp="1"/>
+          </p:cNvSpPr>
+          <p:nvPr>
+            <p:ph idx="1"/>
+          </p:nvPr>
+        </p:nvSpPr>
+        <p:spPr/>
+        <p:txBody>
+          <a:bodyPr/>
+          <a:lstStyle/>
+          <a:p>
+            <a:endParaRPr lang="en-US"/>
+          </a:p>
+        </p:txBody>
+      </p:sp>
+      <p:pic>
+        <p:nvPicPr>
+          <p:cNvPr id="12" name="Picture 11"/>
+          <p:cNvPicPr>
+            <a:picLocks noChangeAspect="1"/>
+          </p:cNvPicPr>
+          <p:nvPr/>
+        </p:nvPicPr>
+        <p:blipFill>
+          <a:blip r:embed="rId3"/>
+          <a:stretch>
+            <a:fillRect/>
+          </a:stretch>
+        </p:blipFill>
+        <p:spPr>
+          <a:xfrm>
+            <a:off x="0" y="0"/>
+            <a:ext cx="9144000" cy="5715000"/>
+          </a:xfrm>
+          <a:prstGeom prst="rect">
+            <a:avLst/>
+          </a:prstGeom>
+        </p:spPr>
+      </p:pic>
+      <p:sp>
+        <p:nvSpPr>
+          <p:cNvPr id="6" name="Rectangle 5"/>
+          <p:cNvSpPr/>
+          <p:nvPr/>
+        </p:nvSpPr>
+        <p:spPr>
+          <a:xfrm>
+            <a:off x="2086174" y="1470473"/>
+            <a:ext cx="6168478" cy="3928245"/>
+          </a:xfrm>
+          <a:prstGeom prst="rect">
+            <a:avLst/>
+          </a:prstGeom>
+          <a:noFill/>
+          <a:ln>
+            <a:solidFill>
+              <a:srgbClr val="FF0000"/>
+            </a:solidFill>
+          </a:ln>
+        </p:spPr>
+        <p:style>
+          <a:lnRef idx="2">
+            <a:schemeClr val="accent1">
+              <a:shade val="50000"/>
+            </a:schemeClr>
+          </a:lnRef>
+          <a:fillRef idx="1">
+            <a:schemeClr val="accent1"/>
+          </a:fillRef>
+          <a:effectRef idx="0">
+            <a:schemeClr val="accent1"/>
+          </a:effectRef>
+          <a:fontRef idx="minor">
+            <a:schemeClr val="lt1"/>
+          </a:fontRef>
+        </p:style>
+        <p:txBody>
+          <a:bodyPr rtlCol="0" anchor="ctr"/>
+          <a:lstStyle/>
+          <a:p>
+            <a:pPr algn="ctr"/>
+            <a:endParaRPr lang="en-US"/>
+          </a:p>
+        </p:txBody>
+      </p:sp>
+      <p:sp>
+        <p:nvSpPr>
+          <p:cNvPr id="8" name="TextBox 7"/>
+          <p:cNvSpPr txBox="1"/>
+          <p:nvPr/>
+        </p:nvSpPr>
+        <p:spPr>
+          <a:xfrm>
+            <a:off x="3139837" y="4191136"/>
+            <a:ext cx="3946764" cy="646331"/>
+          </a:xfrm>
+          <a:prstGeom prst="rect">
+            <a:avLst/>
+          </a:prstGeom>
+          <a:noFill/>
+        </p:spPr>
+        <p:txBody>
+          <a:bodyPr wrap="square" rtlCol="0">
+            <a:spAutoFit/>
+          </a:bodyPr>
+          <a:lstStyle/>
+          <a:p>
+            <a:r>
+              <a:rPr lang="en-US" sz="3600" b="1" dirty="0" smtClean="0">
+                <a:solidFill>
+                  <a:srgbClr val="0096D6"/>
+                </a:solidFill>
+              </a:rPr>
+              <a:t>TODO-CONTENT</a:t>
+            </a:r>
+            <a:endParaRPr lang="en-US" sz="3600" b="1" dirty="0">
+              <a:solidFill>
+                <a:srgbClr val="0096D6"/>
+              </a:solidFill>
+            </a:endParaRPr>
+          </a:p>
+        </p:txBody>
+      </p:sp>
+    </p:spTree>
+    <p:extLst>
+      <p:ext uri="{BB962C8B-B14F-4D97-AF65-F5344CB8AC3E}">
+        <p14:creationId xmlns:p14="http://schemas.microsoft.com/office/powerpoint/2010/main" val="3963894319"/>
+      </p:ext>
+    </p:extLst>
+  </p:cSld>
+  <p:clrMapOvr>
+    <a:masterClrMapping/>
+  </p:clrMapOvr>
+  <p:timing>
+    <p:tnLst>
+      <p:par>
+        <p:cTn id="1" dur="indefinite" restart="never" nodeType="tmRoot">
+          <p:childTnLst>
+            <p:seq concurrent="1" nextAc="seek">
+              <p:cTn id="2" dur="indefinite" nodeType="mainSeq">
+                <p:childTnLst>
+                  <p:par>
+                    <p:cTn id="3" fill="hold">
+                      <p:stCondLst>
+                        <p:cond delay="indefinite"/>
+                      </p:stCondLst>
+                      <p:childTnLst>
+                        <p:par>
+                          <p:cTn id="4" fill="hold">
+                            <p:stCondLst>
+                              <p:cond delay="0"/>
+                            </p:stCondLst>
+                            <p:childTnLst>
+                              <p:par>
+                                <p:cTn id="5" presetID="10" presetClass="entr" presetSubtype="0" fill="hold" nodeType="clickEffect">
+                                  <p:stCondLst>
+                                    <p:cond delay="0"/>
+                                  </p:stCondLst>
+                                  <p:childTnLst>
+                                    <p:set>
+                                      <p:cBhvr>
+                                        <p:cTn id="6" dur="1" fill="hold">
+                                          <p:stCondLst>
+                                            <p:cond delay="0"/>
+                                          </p:stCondLst>
+                                        </p:cTn>
+                                        <p:tgtEl>
+                                          <p:spTgt spid="8">
+                                            <p:txEl>
+                                              <p:pRg st="0" end="0"/>
+                                            </p:txEl>
+                                          </p:spTgt>
+                                        </p:tgtEl>
+                                        <p:attrNameLst>
+                                          <p:attrName>style.visibility</p:attrName>
+                                        </p:attrNameLst>
+                                      </p:cBhvr>
+                                      <p:to>
+                                        <p:strVal val="visible"/>
+                                      </p:to>
+                                    </p:set>
+                                    <p:animEffect transition="in" filter="fade">
+                                      <p:cBhvr>
+                                        <p:cTn id="7" dur="500"/>
+                                        <p:tgtEl>
+                                          <p:spTgt spid="8">
+                                            <p:txEl>
+                                              <p:pRg st="0" end="0"/>
+                                            </p:txEl>
+                                          </p:spTgt>
+                                        </p:tgtEl>
+                                      </p:cBhvr>
+                                    </p:animEffect>
+                                  </p:childTnLst>
+                                </p:cTn>
+                              </p:par>
+                            </p:childTnLst>
+                          </p:cTn>
+                        </p:par>
+                      </p:childTnLst>
+                    </p:cTn>
+                  </p:par>
+                </p:childTnLst>
+              </p:cTn>
+              <p:prevCondLst>
+                <p:cond evt="onPrev" delay="0">
+                  <p:tgtEl>
+                    <p:sldTgt/>
+                  </p:tgtEl>
+                </p:cond>
+              </p:prevCondLst>
+              <p:nextCondLst>
+                <p:cond evt="onNext" delay="0">
+                  <p:tgtEl>
+                    <p:sldTgt/>
+                  </p:tgtEl>
+                </p:cond>
+              </p:nextCondLst>
+            </p:seq>
+          </p:childTnLst>
+        </p:cTn>
+      </p:par>
+    </p:tnLst>
+  </p:timing>
+</p:sld>
+</file>
+
+<file path=ppt/slides/slide7.xml><?xml version="1.0" encoding="utf-8"?>
+<p:sld xmlns:a="http://schemas.openxmlformats.org/drawingml/2006/main" xmlns:r="http://schemas.openxmlformats.org/officeDocument/2006/relationships" xmlns:p="http://schemas.openxmlformats.org/presentationml/2006/main">
+  <p:cSld>
+    <p:spTree>
+      <p:nvGrpSpPr>
+        <p:cNvPr id="1" name=""/>
+        <p:cNvGrpSpPr/>
+        <p:nvPr/>
+      </p:nvGrpSpPr>
+      <p:grpSpPr>
+        <a:xfrm>
+          <a:off x="0" y="0"/>
+          <a:ext cx="0" cy="0"/>
+          <a:chOff x="0" y="0"/>
+          <a:chExt cx="0" cy="0"/>
+        </a:xfrm>
+      </p:grpSpPr>
+      <p:sp>
+        <p:nvSpPr>
+          <p:cNvPr id="4" name="Title 3"/>
+          <p:cNvSpPr>
+            <a:spLocks noGrp="1"/>
+          </p:cNvSpPr>
+          <p:nvPr>
+            <p:ph type="title"/>
+          </p:nvPr>
+        </p:nvSpPr>
+        <p:spPr/>
+        <p:txBody>
+          <a:bodyPr>
+            <a:normAutofit fontScale="90000"/>
+          </a:bodyPr>
+          <a:lstStyle/>
+          <a:p>
+            <a:endParaRPr lang="en-US" dirty="0"/>
+          </a:p>
+        </p:txBody>
+      </p:sp>
       <p:pic>
         <p:nvPicPr>
           <p:cNvPr id="8" name="Content Placeholder 7"/>
@@ -20151,7 +21291,7 @@
         </p:blipFill>
         <p:spPr>
           <a:xfrm>
-            <a:off x="10510" y="-1"/>
+            <a:off x="0" y="-1"/>
             <a:ext cx="9130997" cy="5715001"/>
           </a:xfrm>
           <a:prstGeom prst="rect">
@@ -20167,7 +21307,7 @@
         </p:nvSpPr>
         <p:spPr>
           <a:xfrm>
-            <a:off x="3293280" y="3627465"/>
+            <a:off x="3255702" y="3928089"/>
             <a:ext cx="2835965" cy="646331"/>
           </a:xfrm>
           <a:prstGeom prst="rect">
@@ -20306,367 +21446,6 @@
                                         <p:cTn id="7" dur="500"/>
                                         <p:tgtEl>
                                           <p:spTgt spid="7">
-                                            <p:txEl>
-                                              <p:pRg st="0" end="0"/>
-                                            </p:txEl>
-                                          </p:spTgt>
-                                        </p:tgtEl>
-                                      </p:cBhvr>
-                                    </p:animEffect>
-                                  </p:childTnLst>
-                                </p:cTn>
-                              </p:par>
-                            </p:childTnLst>
-                          </p:cTn>
-                        </p:par>
-                      </p:childTnLst>
-                    </p:cTn>
-                  </p:par>
-                </p:childTnLst>
-              </p:cTn>
-              <p:prevCondLst>
-                <p:cond evt="onPrev" delay="0">
-                  <p:tgtEl>
-                    <p:sldTgt/>
-                  </p:tgtEl>
-                </p:cond>
-              </p:prevCondLst>
-              <p:nextCondLst>
-                <p:cond evt="onNext" delay="0">
-                  <p:tgtEl>
-                    <p:sldTgt/>
-                  </p:tgtEl>
-                </p:cond>
-              </p:nextCondLst>
-            </p:seq>
-          </p:childTnLst>
-        </p:cTn>
-      </p:par>
-    </p:tnLst>
-  </p:timing>
-</p:sld>
-</file>
-
-<file path=ppt/slides/slide7.xml><?xml version="1.0" encoding="utf-8"?>
-<p:sld xmlns:a="http://schemas.openxmlformats.org/drawingml/2006/main" xmlns:r="http://schemas.openxmlformats.org/officeDocument/2006/relationships" xmlns:p="http://schemas.openxmlformats.org/presentationml/2006/main">
-  <p:cSld>
-    <p:spTree>
-      <p:nvGrpSpPr>
-        <p:cNvPr id="1" name=""/>
-        <p:cNvGrpSpPr/>
-        <p:nvPr/>
-      </p:nvGrpSpPr>
-      <p:grpSpPr>
-        <a:xfrm>
-          <a:off x="0" y="0"/>
-          <a:ext cx="0" cy="0"/>
-          <a:chOff x="0" y="0"/>
-          <a:chExt cx="0" cy="0"/>
-        </a:xfrm>
-      </p:grpSpPr>
-      <p:sp>
-        <p:nvSpPr>
-          <p:cNvPr id="4" name="Title 3"/>
-          <p:cNvSpPr>
-            <a:spLocks noGrp="1"/>
-          </p:cNvSpPr>
-          <p:nvPr>
-            <p:ph type="title"/>
-          </p:nvPr>
-        </p:nvSpPr>
-        <p:spPr/>
-        <p:txBody>
-          <a:bodyPr>
-            <a:normAutofit fontScale="90000"/>
-          </a:bodyPr>
-          <a:lstStyle/>
-          <a:p>
-            <a:endParaRPr lang="en-US" dirty="0"/>
-          </a:p>
-        </p:txBody>
-      </p:sp>
-      <p:sp>
-        <p:nvSpPr>
-          <p:cNvPr id="7" name="Content Placeholder 6"/>
-          <p:cNvSpPr>
-            <a:spLocks noGrp="1"/>
-          </p:cNvSpPr>
-          <p:nvPr>
-            <p:ph idx="1"/>
-          </p:nvPr>
-        </p:nvSpPr>
-        <p:spPr/>
-        <p:txBody>
-          <a:bodyPr/>
-          <a:lstStyle/>
-          <a:p>
-            <a:endParaRPr lang="en-US"/>
-          </a:p>
-        </p:txBody>
-      </p:sp>
-      <p:pic>
-        <p:nvPicPr>
-          <p:cNvPr id="12" name="Picture 11"/>
-          <p:cNvPicPr>
-            <a:picLocks noChangeAspect="1"/>
-          </p:cNvPicPr>
-          <p:nvPr/>
-        </p:nvPicPr>
-        <p:blipFill>
-          <a:blip r:embed="rId3"/>
-          <a:stretch>
-            <a:fillRect/>
-          </a:stretch>
-        </p:blipFill>
-        <p:spPr>
-          <a:xfrm>
-            <a:off x="0" y="0"/>
-            <a:ext cx="9144000" cy="5715000"/>
-          </a:xfrm>
-          <a:prstGeom prst="rect">
-            <a:avLst/>
-          </a:prstGeom>
-        </p:spPr>
-      </p:pic>
-      <p:sp>
-        <p:nvSpPr>
-          <p:cNvPr id="2" name="Rectangle 1"/>
-          <p:cNvSpPr/>
-          <p:nvPr/>
-        </p:nvSpPr>
-        <p:spPr>
-          <a:xfrm>
-            <a:off x="2238703" y="1870842"/>
-            <a:ext cx="3436883" cy="462456"/>
-          </a:xfrm>
-          <a:prstGeom prst="rect">
-            <a:avLst/>
-          </a:prstGeom>
-          <a:noFill/>
-          <a:ln>
-            <a:solidFill>
-              <a:srgbClr val="FF0000"/>
-            </a:solidFill>
-          </a:ln>
-        </p:spPr>
-        <p:style>
-          <a:lnRef idx="2">
-            <a:schemeClr val="accent1">
-              <a:shade val="50000"/>
-            </a:schemeClr>
-          </a:lnRef>
-          <a:fillRef idx="1">
-            <a:schemeClr val="accent1"/>
-          </a:fillRef>
-          <a:effectRef idx="0">
-            <a:schemeClr val="accent1"/>
-          </a:effectRef>
-          <a:fontRef idx="minor">
-            <a:schemeClr val="lt1"/>
-          </a:fontRef>
-        </p:style>
-        <p:txBody>
-          <a:bodyPr rtlCol="0" anchor="ctr"/>
-          <a:lstStyle/>
-          <a:p>
-            <a:pPr algn="ctr"/>
-            <a:endParaRPr lang="en-US"/>
-          </a:p>
-        </p:txBody>
-      </p:sp>
-      <p:sp>
-        <p:nvSpPr>
-          <p:cNvPr id="5" name="Rectangle 4"/>
-          <p:cNvSpPr/>
-          <p:nvPr/>
-        </p:nvSpPr>
-        <p:spPr>
-          <a:xfrm>
-            <a:off x="2249214" y="2448910"/>
-            <a:ext cx="3426371" cy="472966"/>
-          </a:xfrm>
-          <a:prstGeom prst="rect">
-            <a:avLst/>
-          </a:prstGeom>
-          <a:noFill/>
-          <a:ln>
-            <a:solidFill>
-              <a:srgbClr val="FF0000"/>
-            </a:solidFill>
-          </a:ln>
-        </p:spPr>
-        <p:style>
-          <a:lnRef idx="2">
-            <a:schemeClr val="accent1">
-              <a:shade val="50000"/>
-            </a:schemeClr>
-          </a:lnRef>
-          <a:fillRef idx="1">
-            <a:schemeClr val="accent1"/>
-          </a:fillRef>
-          <a:effectRef idx="0">
-            <a:schemeClr val="accent1"/>
-          </a:effectRef>
-          <a:fontRef idx="minor">
-            <a:schemeClr val="lt1"/>
-          </a:fontRef>
-        </p:style>
-        <p:txBody>
-          <a:bodyPr rtlCol="0" anchor="ctr"/>
-          <a:lstStyle/>
-          <a:p>
-            <a:pPr algn="ctr"/>
-            <a:endParaRPr lang="en-US"/>
-          </a:p>
-        </p:txBody>
-      </p:sp>
-      <p:sp>
-        <p:nvSpPr>
-          <p:cNvPr id="6" name="Rectangle 5"/>
-          <p:cNvSpPr/>
-          <p:nvPr/>
-        </p:nvSpPr>
-        <p:spPr>
-          <a:xfrm>
-            <a:off x="2259723" y="3058509"/>
-            <a:ext cx="3415862" cy="451945"/>
-          </a:xfrm>
-          <a:prstGeom prst="rect">
-            <a:avLst/>
-          </a:prstGeom>
-          <a:noFill/>
-          <a:ln>
-            <a:solidFill>
-              <a:srgbClr val="FF0000"/>
-            </a:solidFill>
-          </a:ln>
-        </p:spPr>
-        <p:style>
-          <a:lnRef idx="2">
-            <a:schemeClr val="accent1">
-              <a:shade val="50000"/>
-            </a:schemeClr>
-          </a:lnRef>
-          <a:fillRef idx="1">
-            <a:schemeClr val="accent1"/>
-          </a:fillRef>
-          <a:effectRef idx="0">
-            <a:schemeClr val="accent1"/>
-          </a:effectRef>
-          <a:fontRef idx="minor">
-            <a:schemeClr val="lt1"/>
-          </a:fontRef>
-        </p:style>
-        <p:txBody>
-          <a:bodyPr rtlCol="0" anchor="ctr"/>
-          <a:lstStyle/>
-          <a:p>
-            <a:pPr algn="ctr"/>
-            <a:endParaRPr lang="en-US"/>
-          </a:p>
-        </p:txBody>
-      </p:sp>
-      <p:sp>
-        <p:nvSpPr>
-          <p:cNvPr id="9" name="TextBox 8"/>
-          <p:cNvSpPr txBox="1"/>
-          <p:nvPr/>
-        </p:nvSpPr>
-        <p:spPr>
-          <a:xfrm>
-            <a:off x="2549671" y="4193446"/>
-            <a:ext cx="2835965" cy="646331"/>
-          </a:xfrm>
-          <a:prstGeom prst="rect">
-            <a:avLst/>
-          </a:prstGeom>
-          <a:noFill/>
-        </p:spPr>
-        <p:txBody>
-          <a:bodyPr wrap="square" rtlCol="0">
-            <a:spAutoFit/>
-          </a:bodyPr>
-          <a:lstStyle/>
-          <a:p>
-            <a:r>
-              <a:rPr lang="en-US" sz="3600" b="1" dirty="0" smtClean="0">
-                <a:solidFill>
-                  <a:srgbClr val="0096D6"/>
-                </a:solidFill>
-              </a:rPr>
-              <a:t>TODO-ITEM</a:t>
-            </a:r>
-            <a:endParaRPr lang="en-US" sz="3600" b="1" dirty="0">
-              <a:solidFill>
-                <a:srgbClr val="0096D6"/>
-              </a:solidFill>
-            </a:endParaRPr>
-          </a:p>
-        </p:txBody>
-      </p:sp>
-    </p:spTree>
-    <p:extLst>
-      <p:ext uri="{BB962C8B-B14F-4D97-AF65-F5344CB8AC3E}">
-        <p14:creationId xmlns:p14="http://schemas.microsoft.com/office/powerpoint/2010/main" val="4122989388"/>
-      </p:ext>
-    </p:extLst>
-  </p:cSld>
-  <p:clrMapOvr>
-    <a:masterClrMapping/>
-  </p:clrMapOvr>
-  <p:timing>
-    <p:tnLst>
-      <p:par>
-        <p:cTn id="1" dur="indefinite" restart="never" nodeType="tmRoot">
-          <p:childTnLst>
-            <p:seq concurrent="1" nextAc="seek">
-              <p:cTn id="2" dur="indefinite" nodeType="mainSeq">
-                <p:childTnLst>
-                  <p:par>
-                    <p:cTn id="3" fill="hold">
-                      <p:stCondLst>
-                        <p:cond delay="indefinite"/>
-                      </p:stCondLst>
-                      <p:childTnLst>
-                        <p:par>
-                          <p:cTn id="4" fill="hold">
-                            <p:stCondLst>
-                              <p:cond delay="0"/>
-                            </p:stCondLst>
-                            <p:childTnLst>
-                              <p:par>
-                                <p:cTn id="5" presetID="10" presetClass="entr" presetSubtype="0" fill="hold" nodeType="clickEffect">
-                                  <p:stCondLst>
-                                    <p:cond delay="0"/>
-                                  </p:stCondLst>
-                                  <p:childTnLst>
-                                    <p:set>
-                                      <p:cBhvr>
-                                        <p:cTn id="6" dur="1" fill="hold">
-                                          <p:stCondLst>
-                                            <p:cond delay="0"/>
-                                          </p:stCondLst>
-                                        </p:cTn>
-                                        <p:tgtEl>
-                                          <p:spTgt spid="9">
-                                            <p:txEl>
-                                              <p:pRg st="0" end="0"/>
-                                            </p:txEl>
-                                          </p:spTgt>
-                                        </p:tgtEl>
-                                        <p:attrNameLst>
-                                          <p:attrName>style.visibility</p:attrName>
-                                        </p:attrNameLst>
-                                      </p:cBhvr>
-                                      <p:to>
-                                        <p:strVal val="visible"/>
-                                      </p:to>
-                                    </p:set>
-                                    <p:animEffect transition="in" filter="fade">
-                                      <p:cBhvr>
-                                        <p:cTn id="7" dur="500"/>
-                                        <p:tgtEl>
-                                          <p:spTgt spid="9">
                                             <p:txEl>
                                               <p:pRg st="0" end="0"/>
                                             </p:txEl>
